--- a/reference/MultiVar Editable Figures 29Jan2025.pptx
+++ b/reference/MultiVar Editable Figures 29Jan2025.pptx
@@ -13515,20 +13515,20 @@
           <p:spPr>
             <a:xfrm>
               <a:off x="1402756" y="2346690"/>
-              <a:ext cx="698466" cy="0"/>
+              <a:ext cx="1218501" cy="0"/>
             </a:xfrm>
             <a:custGeom>
               <a:avLst/>
               <a:pathLst>
-                <a:path w="698466" h="0">
+                <a:path w="1218501" h="0">
                   <a:moveTo>
                     <a:pt x="0" y="0"/>
                   </a:moveTo>
                   <a:lnTo>
-                    <a:pt x="698466" y="0"/>
-                  </a:lnTo>
-                  <a:lnTo>
-                    <a:pt x="698466" y="0"/>
+                    <a:pt x="1218501" y="0"/>
+                  </a:lnTo>
+                  <a:lnTo>
+                    <a:pt x="1218501" y="0"/>
                   </a:lnTo>
                 </a:path>
               </a:pathLst>
@@ -13558,20 +13558,20 @@
           <p:spPr>
             <a:xfrm>
               <a:off x="1402756" y="1974790"/>
-              <a:ext cx="698466" cy="0"/>
+              <a:ext cx="1218501" cy="0"/>
             </a:xfrm>
             <a:custGeom>
               <a:avLst/>
               <a:pathLst>
-                <a:path w="698466" h="0">
+                <a:path w="1218501" h="0">
                   <a:moveTo>
                     <a:pt x="0" y="0"/>
                   </a:moveTo>
                   <a:lnTo>
-                    <a:pt x="698466" y="0"/>
-                  </a:lnTo>
-                  <a:lnTo>
-                    <a:pt x="698466" y="0"/>
+                    <a:pt x="1218501" y="0"/>
+                  </a:lnTo>
+                  <a:lnTo>
+                    <a:pt x="1218501" y="0"/>
                   </a:lnTo>
                 </a:path>
               </a:pathLst>
@@ -13601,20 +13601,20 @@
           <p:spPr>
             <a:xfrm>
               <a:off x="1402756" y="1602889"/>
-              <a:ext cx="698466" cy="0"/>
+              <a:ext cx="1218501" cy="0"/>
             </a:xfrm>
             <a:custGeom>
               <a:avLst/>
               <a:pathLst>
-                <a:path w="698466" h="0">
+                <a:path w="1218501" h="0">
                   <a:moveTo>
                     <a:pt x="0" y="0"/>
                   </a:moveTo>
                   <a:lnTo>
-                    <a:pt x="698466" y="0"/>
-                  </a:lnTo>
-                  <a:lnTo>
-                    <a:pt x="698466" y="0"/>
+                    <a:pt x="1218501" y="0"/>
+                  </a:lnTo>
+                  <a:lnTo>
+                    <a:pt x="1218501" y="0"/>
                   </a:lnTo>
                 </a:path>
               </a:pathLst>
@@ -13644,20 +13644,20 @@
           <p:spPr>
             <a:xfrm>
               <a:off x="1402756" y="1230988"/>
-              <a:ext cx="698466" cy="0"/>
+              <a:ext cx="1218501" cy="0"/>
             </a:xfrm>
             <a:custGeom>
               <a:avLst/>
               <a:pathLst>
-                <a:path w="698466" h="0">
+                <a:path w="1218501" h="0">
                   <a:moveTo>
                     <a:pt x="0" y="0"/>
                   </a:moveTo>
                   <a:lnTo>
-                    <a:pt x="698466" y="0"/>
-                  </a:lnTo>
-                  <a:lnTo>
-                    <a:pt x="698466" y="0"/>
+                    <a:pt x="1218501" y="0"/>
+                  </a:lnTo>
+                  <a:lnTo>
+                    <a:pt x="1218501" y="0"/>
                   </a:lnTo>
                 </a:path>
               </a:pathLst>
@@ -13687,20 +13687,20 @@
           <p:spPr>
             <a:xfrm>
               <a:off x="1402756" y="2160740"/>
-              <a:ext cx="698466" cy="0"/>
+              <a:ext cx="1218501" cy="0"/>
             </a:xfrm>
             <a:custGeom>
               <a:avLst/>
               <a:pathLst>
-                <a:path w="698466" h="0">
+                <a:path w="1218501" h="0">
                   <a:moveTo>
                     <a:pt x="0" y="0"/>
                   </a:moveTo>
                   <a:lnTo>
-                    <a:pt x="698466" y="0"/>
-                  </a:lnTo>
-                  <a:lnTo>
-                    <a:pt x="698466" y="0"/>
+                    <a:pt x="1218501" y="0"/>
+                  </a:lnTo>
+                  <a:lnTo>
+                    <a:pt x="1218501" y="0"/>
                   </a:lnTo>
                 </a:path>
               </a:pathLst>
@@ -13730,20 +13730,20 @@
           <p:spPr>
             <a:xfrm>
               <a:off x="1402756" y="1788839"/>
-              <a:ext cx="698466" cy="0"/>
+              <a:ext cx="1218501" cy="0"/>
             </a:xfrm>
             <a:custGeom>
               <a:avLst/>
               <a:pathLst>
-                <a:path w="698466" h="0">
+                <a:path w="1218501" h="0">
                   <a:moveTo>
                     <a:pt x="0" y="0"/>
                   </a:moveTo>
                   <a:lnTo>
-                    <a:pt x="698466" y="0"/>
-                  </a:lnTo>
-                  <a:lnTo>
-                    <a:pt x="698466" y="0"/>
+                    <a:pt x="1218501" y="0"/>
+                  </a:lnTo>
+                  <a:lnTo>
+                    <a:pt x="1218501" y="0"/>
                   </a:lnTo>
                 </a:path>
               </a:pathLst>
@@ -13773,20 +13773,20 @@
           <p:spPr>
             <a:xfrm>
               <a:off x="1402756" y="1416939"/>
-              <a:ext cx="698466" cy="0"/>
+              <a:ext cx="1218501" cy="0"/>
             </a:xfrm>
             <a:custGeom>
               <a:avLst/>
               <a:pathLst>
-                <a:path w="698466" h="0">
+                <a:path w="1218501" h="0">
                   <a:moveTo>
                     <a:pt x="0" y="0"/>
                   </a:moveTo>
                   <a:lnTo>
-                    <a:pt x="698466" y="0"/>
-                  </a:lnTo>
-                  <a:lnTo>
-                    <a:pt x="698466" y="0"/>
+                    <a:pt x="1218501" y="0"/>
+                  </a:lnTo>
+                  <a:lnTo>
+                    <a:pt x="1218501" y="0"/>
                   </a:lnTo>
                 </a:path>
               </a:pathLst>
@@ -13815,7 +13815,7 @@
           </p:nvSpPr>
           <p:spPr>
             <a:xfrm>
-              <a:off x="1533719" y="1194728"/>
+              <a:off x="1631225" y="1194728"/>
               <a:ext cx="0" cy="1206817"/>
             </a:xfrm>
             <a:custGeom>
@@ -13858,7 +13858,7 @@
           </p:nvSpPr>
           <p:spPr>
             <a:xfrm>
-              <a:off x="1751989" y="1194728"/>
+              <a:off x="2012007" y="1194728"/>
               <a:ext cx="0" cy="1206817"/>
             </a:xfrm>
             <a:custGeom>
@@ -13901,7 +13901,7 @@
           </p:nvSpPr>
           <p:spPr>
             <a:xfrm>
-              <a:off x="1970260" y="1194728"/>
+              <a:off x="2392789" y="1194728"/>
               <a:ext cx="0" cy="1206817"/>
             </a:xfrm>
             <a:custGeom>
@@ -13944,7 +13944,7 @@
           </p:nvSpPr>
           <p:spPr>
             <a:xfrm>
-              <a:off x="1533719" y="2216525"/>
+              <a:off x="1631225" y="2216525"/>
               <a:ext cx="0" cy="23243"/>
             </a:xfrm>
             <a:custGeom>
@@ -13984,7 +13984,7 @@
           </p:nvSpPr>
           <p:spPr>
             <a:xfrm>
-              <a:off x="1533719" y="2272310"/>
+              <a:off x="1631225" y="2272310"/>
               <a:ext cx="0" cy="37190"/>
             </a:xfrm>
             <a:custGeom>
@@ -14024,13 +14024,13 @@
           </p:nvSpPr>
           <p:spPr>
             <a:xfrm>
-              <a:off x="1451867" y="2239769"/>
-              <a:ext cx="163703" cy="32541"/>
+              <a:off x="1488432" y="2239769"/>
+              <a:ext cx="285586" cy="32541"/>
             </a:xfrm>
             <a:custGeom>
               <a:avLst/>
               <a:pathLst>
-                <a:path w="163703" h="32541">
+                <a:path w="285586" h="32541">
                   <a:moveTo>
                     <a:pt x="0" y="0"/>
                   </a:moveTo>
@@ -14038,10 +14038,10 @@
                     <a:pt x="0" y="32541"/>
                   </a:lnTo>
                   <a:lnTo>
-                    <a:pt x="163703" y="32541"/>
-                  </a:lnTo>
-                  <a:lnTo>
-                    <a:pt x="163703" y="0"/>
+                    <a:pt x="285586" y="32541"/>
+                  </a:lnTo>
+                  <a:lnTo>
+                    <a:pt x="285586" y="0"/>
                   </a:lnTo>
                   <a:close/>
                 </a:path>
@@ -14076,18 +14076,18 @@
           </p:nvSpPr>
           <p:spPr>
             <a:xfrm>
-              <a:off x="1451867" y="2253715"/>
-              <a:ext cx="163703" cy="0"/>
+              <a:off x="1488432" y="2253715"/>
+              <a:ext cx="285586" cy="0"/>
             </a:xfrm>
             <a:custGeom>
               <a:avLst/>
               <a:pathLst>
-                <a:path w="163703" h="0">
+                <a:path w="285586" h="0">
                   <a:moveTo>
                     <a:pt x="0" y="0"/>
                   </a:moveTo>
                   <a:lnTo>
-                    <a:pt x="163703" y="0"/>
+                    <a:pt x="285586" y="0"/>
                   </a:lnTo>
                 </a:path>
               </a:pathLst>
@@ -14116,7 +14116,7 @@
           </p:nvSpPr>
           <p:spPr>
             <a:xfrm>
-              <a:off x="1751989" y="1584294"/>
+              <a:off x="2012007" y="1584294"/>
               <a:ext cx="0" cy="92975"/>
             </a:xfrm>
             <a:custGeom>
@@ -14156,7 +14156,7 @@
           </p:nvSpPr>
           <p:spPr>
             <a:xfrm>
-              <a:off x="1751989" y="1788839"/>
+              <a:off x="2012007" y="1788839"/>
               <a:ext cx="0" cy="130165"/>
             </a:xfrm>
             <a:custGeom>
@@ -14196,13 +14196,13 @@
           </p:nvSpPr>
           <p:spPr>
             <a:xfrm>
-              <a:off x="1670138" y="1677269"/>
-              <a:ext cx="163703" cy="111570"/>
+              <a:off x="1869214" y="1677269"/>
+              <a:ext cx="285586" cy="111570"/>
             </a:xfrm>
             <a:custGeom>
               <a:avLst/>
               <a:pathLst>
-                <a:path w="163703" h="111570">
+                <a:path w="285586" h="111570">
                   <a:moveTo>
                     <a:pt x="0" y="0"/>
                   </a:moveTo>
@@ -14210,10 +14210,10 @@
                     <a:pt x="0" y="111570"/>
                   </a:lnTo>
                   <a:lnTo>
-                    <a:pt x="163703" y="111570"/>
-                  </a:lnTo>
-                  <a:lnTo>
-                    <a:pt x="163703" y="0"/>
+                    <a:pt x="285586" y="111570"/>
+                  </a:lnTo>
+                  <a:lnTo>
+                    <a:pt x="285586" y="0"/>
                   </a:lnTo>
                   <a:close/>
                 </a:path>
@@ -14248,18 +14248,18 @@
           </p:nvSpPr>
           <p:spPr>
             <a:xfrm>
-              <a:off x="1670138" y="1723757"/>
-              <a:ext cx="163703" cy="0"/>
+              <a:off x="1869214" y="1723757"/>
+              <a:ext cx="285586" cy="0"/>
             </a:xfrm>
             <a:custGeom>
               <a:avLst/>
               <a:pathLst>
-                <a:path w="163703" h="0">
+                <a:path w="285586" h="0">
                   <a:moveTo>
                     <a:pt x="0" y="0"/>
                   </a:moveTo>
                   <a:lnTo>
-                    <a:pt x="163703" y="0"/>
+                    <a:pt x="285586" y="0"/>
                   </a:lnTo>
                 </a:path>
               </a:pathLst>
@@ -14288,7 +14288,7 @@
           </p:nvSpPr>
           <p:spPr>
             <a:xfrm>
-              <a:off x="1970260" y="1249583"/>
+              <a:off x="2392789" y="1249583"/>
               <a:ext cx="0" cy="190599"/>
             </a:xfrm>
             <a:custGeom>
@@ -14328,7 +14328,7 @@
           </p:nvSpPr>
           <p:spPr>
             <a:xfrm>
-              <a:off x="1970260" y="1584294"/>
+              <a:off x="2392789" y="1584294"/>
               <a:ext cx="0" cy="111570"/>
             </a:xfrm>
             <a:custGeom>
@@ -14368,13 +14368,13 @@
           </p:nvSpPr>
           <p:spPr>
             <a:xfrm>
-              <a:off x="1888409" y="1440182"/>
-              <a:ext cx="163703" cy="144111"/>
+              <a:off x="2249996" y="1440182"/>
+              <a:ext cx="285586" cy="144111"/>
             </a:xfrm>
             <a:custGeom>
               <a:avLst/>
               <a:pathLst>
-                <a:path w="163703" h="144111">
+                <a:path w="285586" h="144111">
                   <a:moveTo>
                     <a:pt x="0" y="0"/>
                   </a:moveTo>
@@ -14382,10 +14382,10 @@
                     <a:pt x="0" y="144111"/>
                   </a:lnTo>
                   <a:lnTo>
-                    <a:pt x="163703" y="144111"/>
-                  </a:lnTo>
-                  <a:lnTo>
-                    <a:pt x="163703" y="0"/>
+                    <a:pt x="285586" y="144111"/>
+                  </a:lnTo>
+                  <a:lnTo>
+                    <a:pt x="285586" y="0"/>
                   </a:lnTo>
                   <a:close/>
                 </a:path>
@@ -14420,18 +14420,18 @@
           </p:nvSpPr>
           <p:spPr>
             <a:xfrm>
-              <a:off x="1888409" y="1500616"/>
-              <a:ext cx="163703" cy="0"/>
+              <a:off x="2249996" y="1500616"/>
+              <a:ext cx="285586" cy="0"/>
             </a:xfrm>
             <a:custGeom>
               <a:avLst/>
               <a:pathLst>
-                <a:path w="163703" h="0">
+                <a:path w="285586" h="0">
                   <a:moveTo>
                     <a:pt x="0" y="0"/>
                   </a:moveTo>
                   <a:lnTo>
-                    <a:pt x="163703" y="0"/>
+                    <a:pt x="285586" y="0"/>
                   </a:lnTo>
                 </a:path>
               </a:pathLst>
@@ -14460,7 +14460,7 @@
           </p:nvSpPr>
           <p:spPr>
             <a:xfrm>
-              <a:off x="1492959" y="2237321"/>
+              <a:off x="1586169" y="2237321"/>
               <a:ext cx="69977" cy="69977"/>
             </a:xfrm>
             <a:prstGeom prst="ellipse">
@@ -14495,7 +14495,7 @@
           </p:nvSpPr>
           <p:spPr>
             <a:xfrm>
-              <a:off x="1525865" y="2237321"/>
+              <a:off x="1643576" y="2237321"/>
               <a:ext cx="69977" cy="69977"/>
             </a:xfrm>
             <a:prstGeom prst="ellipse">
@@ -14530,7 +14530,7 @@
           </p:nvSpPr>
           <p:spPr>
             <a:xfrm>
-              <a:off x="1509494" y="2255916"/>
+              <a:off x="1615014" y="2255916"/>
               <a:ext cx="69977" cy="69977"/>
             </a:xfrm>
             <a:prstGeom prst="ellipse">
@@ -14565,7 +14565,7 @@
           </p:nvSpPr>
           <p:spPr>
             <a:xfrm>
-              <a:off x="1509580" y="2218726"/>
+              <a:off x="1615165" y="2218726"/>
               <a:ext cx="69977" cy="69977"/>
             </a:xfrm>
             <a:prstGeom prst="ellipse">
@@ -14600,7 +14600,7 @@
           </p:nvSpPr>
           <p:spPr>
             <a:xfrm>
-              <a:off x="1506962" y="2237321"/>
+              <a:off x="1610598" y="2237321"/>
               <a:ext cx="69977" cy="69977"/>
             </a:xfrm>
             <a:prstGeom prst="ellipse">
@@ -14635,7 +14635,7 @@
           </p:nvSpPr>
           <p:spPr>
             <a:xfrm>
-              <a:off x="1487903" y="2181536"/>
+              <a:off x="1577349" y="2181536"/>
               <a:ext cx="69977" cy="69977"/>
             </a:xfrm>
             <a:prstGeom prst="ellipse">
@@ -14670,7 +14670,7 @@
           </p:nvSpPr>
           <p:spPr>
             <a:xfrm>
-              <a:off x="1523704" y="2237321"/>
+              <a:off x="1639806" y="2237321"/>
               <a:ext cx="69977" cy="69977"/>
             </a:xfrm>
             <a:prstGeom prst="ellipse">
@@ -14705,7 +14705,7 @@
           </p:nvSpPr>
           <p:spPr>
             <a:xfrm>
-              <a:off x="1485181" y="2218726"/>
+              <a:off x="1572600" y="2218726"/>
               <a:ext cx="69977" cy="69977"/>
             </a:xfrm>
             <a:prstGeom prst="ellipse">
@@ -14740,7 +14740,7 @@
           </p:nvSpPr>
           <p:spPr>
             <a:xfrm>
-              <a:off x="1518419" y="2237321"/>
+              <a:off x="1630584" y="2237321"/>
               <a:ext cx="69977" cy="69977"/>
             </a:xfrm>
             <a:prstGeom prst="ellipse">
@@ -14775,7 +14775,7 @@
           </p:nvSpPr>
           <p:spPr>
             <a:xfrm>
-              <a:off x="1522427" y="2218726"/>
+              <a:off x="1637577" y="2218726"/>
               <a:ext cx="69977" cy="69977"/>
             </a:xfrm>
             <a:prstGeom prst="ellipse">
@@ -14810,7 +14810,7 @@
           </p:nvSpPr>
           <p:spPr>
             <a:xfrm>
-              <a:off x="1479731" y="2218726"/>
+              <a:off x="1563092" y="2218726"/>
               <a:ext cx="69977" cy="69977"/>
             </a:xfrm>
             <a:prstGeom prst="ellipse">
@@ -14845,7 +14845,7 @@
           </p:nvSpPr>
           <p:spPr>
             <a:xfrm>
-              <a:off x="1534513" y="2200131"/>
+              <a:off x="1658661" y="2200131"/>
               <a:ext cx="69977" cy="69977"/>
             </a:xfrm>
             <a:prstGeom prst="ellipse">
@@ -14880,7 +14880,7 @@
           </p:nvSpPr>
           <p:spPr>
             <a:xfrm>
-              <a:off x="1483284" y="2237321"/>
+              <a:off x="1569291" y="2237321"/>
               <a:ext cx="69977" cy="69977"/>
             </a:xfrm>
             <a:prstGeom prst="ellipse">
@@ -14915,7 +14915,7 @@
           </p:nvSpPr>
           <p:spPr>
             <a:xfrm>
-              <a:off x="1503636" y="2293106"/>
+              <a:off x="1604796" y="2293106"/>
               <a:ext cx="69977" cy="69977"/>
             </a:xfrm>
             <a:prstGeom prst="ellipse">
@@ -14950,7 +14950,7 @@
           </p:nvSpPr>
           <p:spPr>
             <a:xfrm>
-              <a:off x="1462710" y="2274511"/>
+              <a:off x="1533399" y="2274511"/>
               <a:ext cx="69977" cy="69977"/>
             </a:xfrm>
             <a:prstGeom prst="ellipse">
@@ -14985,7 +14985,7 @@
           </p:nvSpPr>
           <p:spPr>
             <a:xfrm>
-              <a:off x="1500481" y="2218726"/>
+              <a:off x="1599291" y="2218726"/>
               <a:ext cx="69977" cy="69977"/>
             </a:xfrm>
             <a:prstGeom prst="ellipse">
@@ -15020,7 +15020,7 @@
           </p:nvSpPr>
           <p:spPr>
             <a:xfrm>
-              <a:off x="1478626" y="2255916"/>
+              <a:off x="1561164" y="2255916"/>
               <a:ext cx="69977" cy="69977"/>
             </a:xfrm>
             <a:prstGeom prst="ellipse">
@@ -15055,7 +15055,7 @@
           </p:nvSpPr>
           <p:spPr>
             <a:xfrm>
-              <a:off x="1541612" y="2237321"/>
+              <a:off x="1671047" y="2237321"/>
               <a:ext cx="69977" cy="69977"/>
             </a:xfrm>
             <a:prstGeom prst="ellipse">
@@ -15090,7 +15090,7 @@
           </p:nvSpPr>
           <p:spPr>
             <a:xfrm>
-              <a:off x="1457537" y="2181536"/>
+              <a:off x="1524373" y="2181536"/>
               <a:ext cx="69977" cy="69977"/>
             </a:xfrm>
             <a:prstGeom prst="ellipse">
@@ -15125,7 +15125,7 @@
           </p:nvSpPr>
           <p:spPr>
             <a:xfrm>
-              <a:off x="1464276" y="2218726"/>
+              <a:off x="1536130" y="2218726"/>
               <a:ext cx="69977" cy="69977"/>
             </a:xfrm>
             <a:prstGeom prst="ellipse">
@@ -15160,7 +15160,7 @@
           </p:nvSpPr>
           <p:spPr>
             <a:xfrm>
-              <a:off x="1481067" y="2181536"/>
+              <a:off x="1565423" y="2181536"/>
               <a:ext cx="69977" cy="69977"/>
             </a:xfrm>
             <a:prstGeom prst="ellipse">
@@ -15195,7 +15195,7 @@
           </p:nvSpPr>
           <p:spPr>
             <a:xfrm>
-              <a:off x="1516487" y="2218726"/>
+              <a:off x="1627214" y="2218726"/>
               <a:ext cx="69977" cy="69977"/>
             </a:xfrm>
             <a:prstGeom prst="ellipse">
@@ -15230,7 +15230,7 @@
           </p:nvSpPr>
           <p:spPr>
             <a:xfrm>
-              <a:off x="1516748" y="2311701"/>
+              <a:off x="1627670" y="2311701"/>
               <a:ext cx="69977" cy="69977"/>
             </a:xfrm>
             <a:prstGeom prst="ellipse">
@@ -15265,7 +15265,7 @@
           </p:nvSpPr>
           <p:spPr>
             <a:xfrm>
-              <a:off x="1497888" y="2181536"/>
+              <a:off x="1594767" y="2181536"/>
               <a:ext cx="69977" cy="69977"/>
             </a:xfrm>
             <a:prstGeom prst="ellipse">
@@ -15300,7 +15300,7 @@
           </p:nvSpPr>
           <p:spPr>
             <a:xfrm>
-              <a:off x="1510277" y="2144346"/>
+              <a:off x="1616381" y="2144346"/>
               <a:ext cx="69977" cy="69977"/>
             </a:xfrm>
             <a:prstGeom prst="ellipse">
@@ -15335,7 +15335,7 @@
           </p:nvSpPr>
           <p:spPr>
             <a:xfrm>
-              <a:off x="1479860" y="2200131"/>
+              <a:off x="1563318" y="2200131"/>
               <a:ext cx="69977" cy="69977"/>
             </a:xfrm>
             <a:prstGeom prst="ellipse">
@@ -15370,7 +15370,7 @@
           </p:nvSpPr>
           <p:spPr>
             <a:xfrm>
-              <a:off x="1494031" y="2200131"/>
+              <a:off x="1588040" y="2200131"/>
               <a:ext cx="69977" cy="69977"/>
             </a:xfrm>
             <a:prstGeom prst="ellipse">
@@ -15405,7 +15405,7 @@
           </p:nvSpPr>
           <p:spPr>
             <a:xfrm>
-              <a:off x="1484332" y="2218726"/>
+              <a:off x="1571119" y="2218726"/>
               <a:ext cx="69977" cy="69977"/>
             </a:xfrm>
             <a:prstGeom prst="ellipse">
@@ -15440,7 +15440,7 @@
           </p:nvSpPr>
           <p:spPr>
             <a:xfrm>
-              <a:off x="1506546" y="2237321"/>
+              <a:off x="1609871" y="2237321"/>
               <a:ext cx="69977" cy="69977"/>
             </a:xfrm>
             <a:prstGeom prst="ellipse">
@@ -15475,7 +15475,7 @@
           </p:nvSpPr>
           <p:spPr>
             <a:xfrm>
-              <a:off x="1513734" y="2200131"/>
+              <a:off x="1622411" y="2200131"/>
               <a:ext cx="69977" cy="69977"/>
             </a:xfrm>
             <a:prstGeom prst="ellipse">
@@ -15510,7 +15510,7 @@
           </p:nvSpPr>
           <p:spPr>
             <a:xfrm>
-              <a:off x="1486380" y="2200131"/>
+              <a:off x="1574691" y="2200131"/>
               <a:ext cx="69977" cy="69977"/>
             </a:xfrm>
             <a:prstGeom prst="ellipse">
@@ -15545,7 +15545,7 @@
           </p:nvSpPr>
           <p:spPr>
             <a:xfrm>
-              <a:off x="1534163" y="2218726"/>
+              <a:off x="1658051" y="2218726"/>
               <a:ext cx="69977" cy="69977"/>
             </a:xfrm>
             <a:prstGeom prst="ellipse">
@@ -15580,7 +15580,7 @@
           </p:nvSpPr>
           <p:spPr>
             <a:xfrm>
-              <a:off x="1509117" y="2218726"/>
+              <a:off x="1614357" y="2218726"/>
               <a:ext cx="69977" cy="69977"/>
             </a:xfrm>
             <a:prstGeom prst="ellipse">
@@ -15615,7 +15615,7 @@
           </p:nvSpPr>
           <p:spPr>
             <a:xfrm>
-              <a:off x="1533837" y="2237321"/>
+              <a:off x="1657482" y="2237321"/>
               <a:ext cx="69977" cy="69977"/>
             </a:xfrm>
             <a:prstGeom prst="ellipse">
@@ -15650,7 +15650,7 @@
           </p:nvSpPr>
           <p:spPr>
             <a:xfrm>
-              <a:off x="1501446" y="2218726"/>
+              <a:off x="1600976" y="2218726"/>
               <a:ext cx="69977" cy="69977"/>
             </a:xfrm>
             <a:prstGeom prst="ellipse">
@@ -15685,7 +15685,7 @@
           </p:nvSpPr>
           <p:spPr>
             <a:xfrm>
-              <a:off x="1536118" y="2274511"/>
+              <a:off x="1661462" y="2274511"/>
               <a:ext cx="69977" cy="69977"/>
             </a:xfrm>
             <a:prstGeom prst="ellipse">
@@ -15720,7 +15720,7 @@
           </p:nvSpPr>
           <p:spPr>
             <a:xfrm>
-              <a:off x="1524883" y="2255916"/>
+              <a:off x="1641862" y="2255916"/>
               <a:ext cx="69977" cy="69977"/>
             </a:xfrm>
             <a:prstGeom prst="ellipse">
@@ -15755,7 +15755,7 @@
           </p:nvSpPr>
           <p:spPr>
             <a:xfrm>
-              <a:off x="1540931" y="2237321"/>
+              <a:off x="1669858" y="2237321"/>
               <a:ext cx="69977" cy="69977"/>
             </a:xfrm>
             <a:prstGeom prst="ellipse">
@@ -15790,7 +15790,7 @@
           </p:nvSpPr>
           <p:spPr>
             <a:xfrm>
-              <a:off x="1501400" y="2255916"/>
+              <a:off x="1600894" y="2255916"/>
               <a:ext cx="69977" cy="69977"/>
             </a:xfrm>
             <a:prstGeom prst="ellipse">
@@ -15825,7 +15825,7 @@
           </p:nvSpPr>
           <p:spPr>
             <a:xfrm>
-              <a:off x="1533625" y="2218726"/>
+              <a:off x="1657113" y="2218726"/>
               <a:ext cx="69977" cy="69977"/>
             </a:xfrm>
             <a:prstGeom prst="ellipse">
@@ -15860,7 +15860,7 @@
           </p:nvSpPr>
           <p:spPr>
             <a:xfrm>
-              <a:off x="1469950" y="2255916"/>
+              <a:off x="1546030" y="2255916"/>
               <a:ext cx="69977" cy="69977"/>
             </a:xfrm>
             <a:prstGeom prst="ellipse">
@@ -15895,7 +15895,7 @@
           </p:nvSpPr>
           <p:spPr>
             <a:xfrm>
-              <a:off x="1474274" y="2255916"/>
+              <a:off x="1553572" y="2255916"/>
               <a:ext cx="69977" cy="69977"/>
             </a:xfrm>
             <a:prstGeom prst="ellipse">
@@ -15930,7 +15930,7 @@
           </p:nvSpPr>
           <p:spPr>
             <a:xfrm>
-              <a:off x="1520607" y="2255916"/>
+              <a:off x="1634402" y="2255916"/>
               <a:ext cx="69977" cy="69977"/>
             </a:xfrm>
             <a:prstGeom prst="ellipse">
@@ -15965,7 +15965,7 @@
           </p:nvSpPr>
           <p:spPr>
             <a:xfrm>
-              <a:off x="1526377" y="2200131"/>
+              <a:off x="1644468" y="2200131"/>
               <a:ext cx="69977" cy="69977"/>
             </a:xfrm>
             <a:prstGeom prst="ellipse">
@@ -16000,7 +16000,7 @@
           </p:nvSpPr>
           <p:spPr>
             <a:xfrm>
-              <a:off x="1492282" y="2144346"/>
+              <a:off x="1584989" y="2144346"/>
               <a:ext cx="69977" cy="69977"/>
             </a:xfrm>
             <a:prstGeom prst="ellipse">
@@ -16035,7 +16035,7 @@
           </p:nvSpPr>
           <p:spPr>
             <a:xfrm>
-              <a:off x="1494265" y="2237321"/>
+              <a:off x="1588448" y="2237321"/>
               <a:ext cx="69977" cy="69977"/>
             </a:xfrm>
             <a:prstGeom prst="ellipse">
@@ -16070,7 +16070,7 @@
           </p:nvSpPr>
           <p:spPr>
             <a:xfrm>
-              <a:off x="1456875" y="2200131"/>
+              <a:off x="1523219" y="2200131"/>
               <a:ext cx="69977" cy="69977"/>
             </a:xfrm>
             <a:prstGeom prst="ellipse">
@@ -16105,7 +16105,7 @@
           </p:nvSpPr>
           <p:spPr>
             <a:xfrm>
-              <a:off x="1516630" y="2237321"/>
+              <a:off x="1627465" y="2237321"/>
               <a:ext cx="69977" cy="69977"/>
             </a:xfrm>
             <a:prstGeom prst="ellipse">
@@ -16140,7 +16140,7 @@
           </p:nvSpPr>
           <p:spPr>
             <a:xfrm>
-              <a:off x="1533658" y="2218726"/>
+              <a:off x="1657170" y="2218726"/>
               <a:ext cx="69977" cy="69977"/>
             </a:xfrm>
             <a:prstGeom prst="ellipse">
@@ -16175,7 +16175,7 @@
           </p:nvSpPr>
           <p:spPr>
             <a:xfrm>
-              <a:off x="1530453" y="2237321"/>
+              <a:off x="1651580" y="2237321"/>
               <a:ext cx="69977" cy="69977"/>
             </a:xfrm>
             <a:prstGeom prst="ellipse">
@@ -16210,7 +16210,7 @@
           </p:nvSpPr>
           <p:spPr>
             <a:xfrm>
-              <a:off x="1719221" y="1623685"/>
+              <a:off x="1980892" y="1623685"/>
               <a:ext cx="69977" cy="69977"/>
             </a:xfrm>
             <a:prstGeom prst="ellipse">
@@ -16245,7 +16245,7 @@
           </p:nvSpPr>
           <p:spPr>
             <a:xfrm>
-              <a:off x="1748359" y="1660875"/>
+              <a:off x="2031724" y="1660875"/>
               <a:ext cx="69977" cy="69977"/>
             </a:xfrm>
             <a:prstGeom prst="ellipse">
@@ -16280,7 +16280,7 @@
           </p:nvSpPr>
           <p:spPr>
             <a:xfrm>
-              <a:off x="1751636" y="1586495"/>
+              <a:off x="2037441" y="1586495"/>
               <a:ext cx="69977" cy="69977"/>
             </a:xfrm>
             <a:prstGeom prst="ellipse">
@@ -16315,7 +16315,7 @@
           </p:nvSpPr>
           <p:spPr>
             <a:xfrm>
-              <a:off x="1712369" y="1753850"/>
+              <a:off x="1968939" y="1753850"/>
               <a:ext cx="69977" cy="69977"/>
             </a:xfrm>
             <a:prstGeom prst="ellipse">
@@ -16350,7 +16350,7 @@
           </p:nvSpPr>
           <p:spPr>
             <a:xfrm>
-              <a:off x="1698926" y="1642280"/>
+              <a:off x="1945487" y="1642280"/>
               <a:ext cx="69977" cy="69977"/>
             </a:xfrm>
             <a:prstGeom prst="ellipse">
@@ -16385,7 +16385,7 @@
           </p:nvSpPr>
           <p:spPr>
             <a:xfrm>
-              <a:off x="1705243" y="1660875"/>
+              <a:off x="1956507" y="1660875"/>
               <a:ext cx="69977" cy="69977"/>
             </a:xfrm>
             <a:prstGeom prst="ellipse">
@@ -16420,7 +16420,7 @@
           </p:nvSpPr>
           <p:spPr>
             <a:xfrm>
-              <a:off x="1698823" y="1623685"/>
+              <a:off x="1945306" y="1623685"/>
               <a:ext cx="69977" cy="69977"/>
             </a:xfrm>
             <a:prstGeom prst="ellipse">
@@ -16455,7 +16455,7 @@
           </p:nvSpPr>
           <p:spPr>
             <a:xfrm>
-              <a:off x="1681013" y="1884016"/>
+              <a:off x="1914237" y="1884016"/>
               <a:ext cx="69977" cy="69977"/>
             </a:xfrm>
             <a:prstGeom prst="ellipse">
@@ -16490,7 +16490,7 @@
           </p:nvSpPr>
           <p:spPr>
             <a:xfrm>
-              <a:off x="1699161" y="1642280"/>
+              <a:off x="1945896" y="1642280"/>
               <a:ext cx="69977" cy="69977"/>
             </a:xfrm>
             <a:prstGeom prst="ellipse">
@@ -16525,7 +16525,7 @@
           </p:nvSpPr>
           <p:spPr>
             <a:xfrm>
-              <a:off x="1727835" y="1772445"/>
+              <a:off x="1995919" y="1772445"/>
               <a:ext cx="69977" cy="69977"/>
             </a:xfrm>
             <a:prstGeom prst="ellipse">
@@ -16560,7 +16560,7 @@
           </p:nvSpPr>
           <p:spPr>
             <a:xfrm>
-              <a:off x="1675332" y="1846825"/>
+              <a:off x="1904327" y="1846825"/>
               <a:ext cx="69977" cy="69977"/>
             </a:xfrm>
             <a:prstGeom prst="ellipse">
@@ -16595,7 +16595,7 @@
           </p:nvSpPr>
           <p:spPr>
             <a:xfrm>
-              <a:off x="1682859" y="1716660"/>
+              <a:off x="1917456" y="1716660"/>
               <a:ext cx="69977" cy="69977"/>
             </a:xfrm>
             <a:prstGeom prst="ellipse">
@@ -16630,7 +16630,7 @@
           </p:nvSpPr>
           <p:spPr>
             <a:xfrm>
-              <a:off x="1679578" y="1753850"/>
+              <a:off x="1911733" y="1753850"/>
               <a:ext cx="69977" cy="69977"/>
             </a:xfrm>
             <a:prstGeom prst="ellipse">
@@ -16665,7 +16665,7 @@
           </p:nvSpPr>
           <p:spPr>
             <a:xfrm>
-              <a:off x="1742668" y="1623685"/>
+              <a:off x="2021795" y="1623685"/>
               <a:ext cx="69977" cy="69977"/>
             </a:xfrm>
             <a:prstGeom prst="ellipse">
@@ -16700,7 +16700,7 @@
           </p:nvSpPr>
           <p:spPr>
             <a:xfrm>
-              <a:off x="1703638" y="1828230"/>
+              <a:off x="1953707" y="1828230"/>
               <a:ext cx="69977" cy="69977"/>
             </a:xfrm>
             <a:prstGeom prst="ellipse">
@@ -16735,7 +16735,7 @@
           </p:nvSpPr>
           <p:spPr>
             <a:xfrm>
-              <a:off x="1725955" y="1679470"/>
+              <a:off x="1992639" y="1679470"/>
               <a:ext cx="69977" cy="69977"/>
             </a:xfrm>
             <a:prstGeom prst="ellipse">
@@ -16770,7 +16770,7 @@
           </p:nvSpPr>
           <p:spPr>
             <a:xfrm>
-              <a:off x="1733083" y="1660875"/>
+              <a:off x="2005075" y="1660875"/>
               <a:ext cx="69977" cy="69977"/>
             </a:xfrm>
             <a:prstGeom prst="ellipse">
@@ -16805,7 +16805,7 @@
           </p:nvSpPr>
           <p:spPr>
             <a:xfrm>
-              <a:off x="1698262" y="1735255"/>
+              <a:off x="1944328" y="1735255"/>
               <a:ext cx="69977" cy="69977"/>
             </a:xfrm>
             <a:prstGeom prst="ellipse">
@@ -16840,7 +16840,7 @@
           </p:nvSpPr>
           <p:spPr>
             <a:xfrm>
-              <a:off x="1702305" y="1660875"/>
+              <a:off x="1951381" y="1660875"/>
               <a:ext cx="69977" cy="69977"/>
             </a:xfrm>
             <a:prstGeom prst="ellipse">
@@ -16875,7 +16875,7 @@
           </p:nvSpPr>
           <p:spPr>
             <a:xfrm>
-              <a:off x="1741636" y="1772445"/>
+              <a:off x="2019995" y="1772445"/>
               <a:ext cx="69977" cy="69977"/>
             </a:xfrm>
             <a:prstGeom prst="ellipse">
@@ -16910,7 +16910,7 @@
           </p:nvSpPr>
           <p:spPr>
             <a:xfrm>
-              <a:off x="1676719" y="1605090"/>
+              <a:off x="1906745" y="1605090"/>
               <a:ext cx="69977" cy="69977"/>
             </a:xfrm>
             <a:prstGeom prst="ellipse">
@@ -16945,7 +16945,7 @@
           </p:nvSpPr>
           <p:spPr>
             <a:xfrm>
-              <a:off x="1723425" y="1753850"/>
+              <a:off x="1988226" y="1753850"/>
               <a:ext cx="69977" cy="69977"/>
             </a:xfrm>
             <a:prstGeom prst="ellipse">
@@ -16980,7 +16980,7 @@
           </p:nvSpPr>
           <p:spPr>
             <a:xfrm>
-              <a:off x="1737038" y="1586495"/>
+              <a:off x="2011975" y="1586495"/>
               <a:ext cx="69977" cy="69977"/>
             </a:xfrm>
             <a:prstGeom prst="ellipse">
@@ -17015,7 +17015,7 @@
           </p:nvSpPr>
           <p:spPr>
             <a:xfrm>
-              <a:off x="1681997" y="1623685"/>
+              <a:off x="1915954" y="1623685"/>
               <a:ext cx="69977" cy="69977"/>
             </a:xfrm>
             <a:prstGeom prst="ellipse">
@@ -17050,7 +17050,7 @@
           </p:nvSpPr>
           <p:spPr>
             <a:xfrm>
-              <a:off x="1710219" y="1698065"/>
+              <a:off x="1965187" y="1698065"/>
               <a:ext cx="69977" cy="69977"/>
             </a:xfrm>
             <a:prstGeom prst="ellipse">
@@ -17085,7 +17085,7 @@
           </p:nvSpPr>
           <p:spPr>
             <a:xfrm>
-              <a:off x="1751702" y="1679470"/>
+              <a:off x="2037556" y="1679470"/>
               <a:ext cx="69977" cy="69977"/>
             </a:xfrm>
             <a:prstGeom prst="ellipse">
@@ -17120,7 +17120,7 @@
           </p:nvSpPr>
           <p:spPr>
             <a:xfrm>
-              <a:off x="1703085" y="1605090"/>
+              <a:off x="1952743" y="1605090"/>
               <a:ext cx="69977" cy="69977"/>
             </a:xfrm>
             <a:prstGeom prst="ellipse">
@@ -17155,7 +17155,7 @@
           </p:nvSpPr>
           <p:spPr>
             <a:xfrm>
-              <a:off x="1716551" y="1567900"/>
+              <a:off x="1976234" y="1567900"/>
               <a:ext cx="69977" cy="69977"/>
             </a:xfrm>
             <a:prstGeom prst="ellipse">
@@ -17190,7 +17190,7 @@
           </p:nvSpPr>
           <p:spPr>
             <a:xfrm>
-              <a:off x="1741905" y="1660875"/>
+              <a:off x="2020464" y="1660875"/>
               <a:ext cx="69977" cy="69977"/>
             </a:xfrm>
             <a:prstGeom prst="ellipse">
@@ -17225,7 +17225,7 @@
           </p:nvSpPr>
           <p:spPr>
             <a:xfrm>
-              <a:off x="1681550" y="1846825"/>
+              <a:off x="1915173" y="1846825"/>
               <a:ext cx="69977" cy="69977"/>
             </a:xfrm>
             <a:prstGeom prst="ellipse">
@@ -17260,7 +17260,7 @@
           </p:nvSpPr>
           <p:spPr>
             <a:xfrm>
-              <a:off x="1741394" y="1791040"/>
+              <a:off x="2019573" y="1791040"/>
               <a:ext cx="69977" cy="69977"/>
             </a:xfrm>
             <a:prstGeom prst="ellipse">
@@ -17295,7 +17295,7 @@
           </p:nvSpPr>
           <p:spPr>
             <a:xfrm>
-              <a:off x="1715037" y="1809635"/>
+              <a:off x="1973592" y="1809635"/>
               <a:ext cx="69977" cy="69977"/>
             </a:xfrm>
             <a:prstGeom prst="ellipse">
@@ -17330,7 +17330,7 @@
           </p:nvSpPr>
           <p:spPr>
             <a:xfrm>
-              <a:off x="1721134" y="1772445"/>
+              <a:off x="1984229" y="1772445"/>
               <a:ext cx="69977" cy="69977"/>
             </a:xfrm>
             <a:prstGeom prst="ellipse">
@@ -17365,7 +17365,7 @@
           </p:nvSpPr>
           <p:spPr>
             <a:xfrm>
-              <a:off x="1738953" y="1549305"/>
+              <a:off x="2015314" y="1549305"/>
               <a:ext cx="69977" cy="69977"/>
             </a:xfrm>
             <a:prstGeom prst="ellipse">
@@ -17400,7 +17400,7 @@
           </p:nvSpPr>
           <p:spPr>
             <a:xfrm>
-              <a:off x="1739612" y="1660875"/>
+              <a:off x="2016464" y="1660875"/>
               <a:ext cx="69977" cy="69977"/>
             </a:xfrm>
             <a:prstGeom prst="ellipse">
@@ -17435,7 +17435,7 @@
           </p:nvSpPr>
           <p:spPr>
             <a:xfrm>
-              <a:off x="1753148" y="1660875"/>
+              <a:off x="2040080" y="1660875"/>
               <a:ext cx="69977" cy="69977"/>
             </a:xfrm>
             <a:prstGeom prst="ellipse">
@@ -17470,7 +17470,7 @@
           </p:nvSpPr>
           <p:spPr>
             <a:xfrm>
-              <a:off x="1747169" y="1623685"/>
+              <a:off x="2029649" y="1623685"/>
               <a:ext cx="69977" cy="69977"/>
             </a:xfrm>
             <a:prstGeom prst="ellipse">
@@ -17505,7 +17505,7 @@
           </p:nvSpPr>
           <p:spPr>
             <a:xfrm>
-              <a:off x="1722027" y="1679470"/>
+              <a:off x="1985787" y="1679470"/>
               <a:ext cx="69977" cy="69977"/>
             </a:xfrm>
             <a:prstGeom prst="ellipse">
@@ -17540,7 +17540,7 @@
           </p:nvSpPr>
           <p:spPr>
             <a:xfrm>
-              <a:off x="1758149" y="1735255"/>
+              <a:off x="2048803" y="1735255"/>
               <a:ext cx="69977" cy="69977"/>
             </a:xfrm>
             <a:prstGeom prst="ellipse">
@@ -17575,7 +17575,7 @@
           </p:nvSpPr>
           <p:spPr>
             <a:xfrm>
-              <a:off x="1708319" y="1753850"/>
+              <a:off x="1961873" y="1753850"/>
               <a:ext cx="69977" cy="69977"/>
             </a:xfrm>
             <a:prstGeom prst="ellipse">
@@ -17610,7 +17610,7 @@
           </p:nvSpPr>
           <p:spPr>
             <a:xfrm>
-              <a:off x="1677796" y="1679470"/>
+              <a:off x="1908624" y="1679470"/>
               <a:ext cx="69977" cy="69977"/>
             </a:xfrm>
             <a:prstGeom prst="ellipse">
@@ -17645,7 +17645,7 @@
           </p:nvSpPr>
           <p:spPr>
             <a:xfrm>
-              <a:off x="1688877" y="1642280"/>
+              <a:off x="1927956" y="1642280"/>
               <a:ext cx="69977" cy="69977"/>
             </a:xfrm>
             <a:prstGeom prst="ellipse">
@@ -17680,7 +17680,7 @@
           </p:nvSpPr>
           <p:spPr>
             <a:xfrm>
-              <a:off x="1701318" y="1753850"/>
+              <a:off x="1949660" y="1753850"/>
               <a:ext cx="69977" cy="69977"/>
             </a:xfrm>
             <a:prstGeom prst="ellipse">
@@ -17715,7 +17715,7 @@
           </p:nvSpPr>
           <p:spPr>
             <a:xfrm>
-              <a:off x="1674147" y="1884016"/>
+              <a:off x="1902258" y="1884016"/>
               <a:ext cx="69977" cy="69977"/>
             </a:xfrm>
             <a:prstGeom prst="ellipse">
@@ -17750,7 +17750,7 @@
           </p:nvSpPr>
           <p:spPr>
             <a:xfrm>
-              <a:off x="1746401" y="1716660"/>
+              <a:off x="2028308" y="1716660"/>
               <a:ext cx="69977" cy="69977"/>
             </a:xfrm>
             <a:prstGeom prst="ellipse">
@@ -17785,7 +17785,7 @@
           </p:nvSpPr>
           <p:spPr>
             <a:xfrm>
-              <a:off x="1739134" y="1716660"/>
+              <a:off x="2015632" y="1716660"/>
               <a:ext cx="69977" cy="69977"/>
             </a:xfrm>
             <a:prstGeom prst="ellipse">
@@ -17820,7 +17820,7 @@
           </p:nvSpPr>
           <p:spPr>
             <a:xfrm>
-              <a:off x="1747819" y="1716660"/>
+              <a:off x="2030781" y="1716660"/>
               <a:ext cx="69977" cy="69977"/>
             </a:xfrm>
             <a:prstGeom prst="ellipse">
@@ -17855,7 +17855,7 @@
           </p:nvSpPr>
           <p:spPr>
             <a:xfrm>
-              <a:off x="1692226" y="1698065"/>
+              <a:off x="1933798" y="1698065"/>
               <a:ext cx="69977" cy="69977"/>
             </a:xfrm>
             <a:prstGeom prst="ellipse">
@@ -17890,7 +17890,7 @@
           </p:nvSpPr>
           <p:spPr>
             <a:xfrm>
-              <a:off x="1712731" y="1939801"/>
+              <a:off x="1969569" y="1939801"/>
               <a:ext cx="69977" cy="69977"/>
             </a:xfrm>
             <a:prstGeom prst="ellipse">
@@ -17925,7 +17925,7 @@
           </p:nvSpPr>
           <p:spPr>
             <a:xfrm>
-              <a:off x="1743241" y="1735255"/>
+              <a:off x="2022796" y="1735255"/>
               <a:ext cx="69977" cy="69977"/>
             </a:xfrm>
             <a:prstGeom prst="ellipse">
@@ -17960,7 +17960,7 @@
           </p:nvSpPr>
           <p:spPr>
             <a:xfrm>
-              <a:off x="1928045" y="1381950"/>
+              <a:off x="2345194" y="1381950"/>
               <a:ext cx="69977" cy="69977"/>
             </a:xfrm>
             <a:prstGeom prst="ellipse">
@@ -17995,7 +17995,7 @@
           </p:nvSpPr>
           <p:spPr>
             <a:xfrm>
-              <a:off x="1973242" y="1549305"/>
+              <a:off x="2424042" y="1549305"/>
               <a:ext cx="69977" cy="69977"/>
             </a:xfrm>
             <a:prstGeom prst="ellipse">
@@ -18030,7 +18030,7 @@
           </p:nvSpPr>
           <p:spPr>
             <a:xfrm>
-              <a:off x="1968076" y="1400545"/>
+              <a:off x="2415030" y="1400545"/>
               <a:ext cx="69977" cy="69977"/>
             </a:xfrm>
             <a:prstGeom prst="ellipse">
@@ -18065,7 +18065,7 @@
           </p:nvSpPr>
           <p:spPr>
             <a:xfrm>
-              <a:off x="1939478" y="1456330"/>
+              <a:off x="2365139" y="1456330"/>
               <a:ext cx="69977" cy="69977"/>
             </a:xfrm>
             <a:prstGeom prst="ellipse">
@@ -18100,7 +18100,7 @@
           </p:nvSpPr>
           <p:spPr>
             <a:xfrm>
-              <a:off x="1899827" y="1419140"/>
+              <a:off x="2295967" y="1419140"/>
               <a:ext cx="69977" cy="69977"/>
             </a:xfrm>
             <a:prstGeom prst="ellipse">
@@ -18135,7 +18135,7 @@
           </p:nvSpPr>
           <p:spPr>
             <a:xfrm>
-              <a:off x="1930478" y="1270379"/>
+              <a:off x="2349438" y="1270379"/>
               <a:ext cx="69977" cy="69977"/>
             </a:xfrm>
             <a:prstGeom prst="ellipse">
@@ -18170,7 +18170,7 @@
           </p:nvSpPr>
           <p:spPr>
             <a:xfrm>
-              <a:off x="1975860" y="1660875"/>
+              <a:off x="2428609" y="1660875"/>
               <a:ext cx="69977" cy="69977"/>
             </a:xfrm>
             <a:prstGeom prst="ellipse">
@@ -18205,7 +18205,7 @@
           </p:nvSpPr>
           <p:spPr>
             <a:xfrm>
-              <a:off x="1938997" y="1326165"/>
+              <a:off x="2364300" y="1326165"/>
               <a:ext cx="69977" cy="69977"/>
             </a:xfrm>
             <a:prstGeom prst="ellipse">
@@ -18240,7 +18240,7 @@
           </p:nvSpPr>
           <p:spPr>
             <a:xfrm>
-              <a:off x="1946026" y="1419140"/>
+              <a:off x="2376563" y="1419140"/>
               <a:ext cx="69977" cy="69977"/>
             </a:xfrm>
             <a:prstGeom prst="ellipse">
@@ -18275,7 +18275,7 @@
           </p:nvSpPr>
           <p:spPr>
             <a:xfrm>
-              <a:off x="1905446" y="1363355"/>
+              <a:off x="2305769" y="1363355"/>
               <a:ext cx="69977" cy="69977"/>
             </a:xfrm>
             <a:prstGeom prst="ellipse">
@@ -18310,7 +18310,7 @@
           </p:nvSpPr>
           <p:spPr>
             <a:xfrm>
-              <a:off x="1955279" y="1549305"/>
+              <a:off x="2392704" y="1549305"/>
               <a:ext cx="69977" cy="69977"/>
             </a:xfrm>
             <a:prstGeom prst="ellipse">
@@ -18345,7 +18345,7 @@
           </p:nvSpPr>
           <p:spPr>
             <a:xfrm>
-              <a:off x="1921772" y="1512115"/>
+              <a:off x="2334249" y="1512115"/>
               <a:ext cx="69977" cy="69977"/>
             </a:xfrm>
             <a:prstGeom prst="ellipse">
@@ -18380,7 +18380,7 @@
           </p:nvSpPr>
           <p:spPr>
             <a:xfrm>
-              <a:off x="1898516" y="1474925"/>
+              <a:off x="2293680" y="1474925"/>
               <a:ext cx="69977" cy="69977"/>
             </a:xfrm>
             <a:prstGeom prst="ellipse">
@@ -18415,7 +18415,7 @@
           </p:nvSpPr>
           <p:spPr>
             <a:xfrm>
-              <a:off x="1934782" y="1567900"/>
+              <a:off x="2356947" y="1567900"/>
               <a:ext cx="69977" cy="69977"/>
             </a:xfrm>
             <a:prstGeom prst="ellipse">
@@ -18450,7 +18450,7 @@
           </p:nvSpPr>
           <p:spPr>
             <a:xfrm>
-              <a:off x="1963878" y="1549305"/>
+              <a:off x="2407705" y="1549305"/>
               <a:ext cx="69977" cy="69977"/>
             </a:xfrm>
             <a:prstGeom prst="ellipse">
@@ -18485,7 +18485,7 @@
           </p:nvSpPr>
           <p:spPr>
             <a:xfrm>
-              <a:off x="1976549" y="1512115"/>
+              <a:off x="2429810" y="1512115"/>
               <a:ext cx="69977" cy="69977"/>
             </a:xfrm>
             <a:prstGeom prst="ellipse">
@@ -18520,7 +18520,7 @@
           </p:nvSpPr>
           <p:spPr>
             <a:xfrm>
-              <a:off x="1891998" y="1474925"/>
+              <a:off x="2282308" y="1474925"/>
               <a:ext cx="69977" cy="69977"/>
             </a:xfrm>
             <a:prstGeom prst="ellipse">
@@ -18555,7 +18555,7 @@
           </p:nvSpPr>
           <p:spPr>
             <a:xfrm>
-              <a:off x="1955788" y="1251784"/>
+              <a:off x="2393592" y="1251784"/>
               <a:ext cx="69977" cy="69977"/>
             </a:xfrm>
             <a:prstGeom prst="ellipse">
@@ -18590,7 +18590,7 @@
           </p:nvSpPr>
           <p:spPr>
             <a:xfrm>
-              <a:off x="1976033" y="1214594"/>
+              <a:off x="2428911" y="1214594"/>
               <a:ext cx="69977" cy="69977"/>
             </a:xfrm>
             <a:prstGeom prst="ellipse">
@@ -18625,7 +18625,7 @@
           </p:nvSpPr>
           <p:spPr>
             <a:xfrm>
-              <a:off x="1951294" y="1567900"/>
+              <a:off x="2385752" y="1567900"/>
               <a:ext cx="69977" cy="69977"/>
             </a:xfrm>
             <a:prstGeom prst="ellipse">
@@ -18660,7 +18660,7 @@
           </p:nvSpPr>
           <p:spPr>
             <a:xfrm>
-              <a:off x="1926710" y="1437735"/>
+              <a:off x="2342865" y="1437735"/>
               <a:ext cx="69977" cy="69977"/>
             </a:xfrm>
             <a:prstGeom prst="ellipse">
@@ -18695,7 +18695,7 @@
           </p:nvSpPr>
           <p:spPr>
             <a:xfrm>
-              <a:off x="1950612" y="1586495"/>
+              <a:off x="2384563" y="1586495"/>
               <a:ext cx="69977" cy="69977"/>
             </a:xfrm>
             <a:prstGeom prst="ellipse">
@@ -18730,7 +18730,7 @@
           </p:nvSpPr>
           <p:spPr>
             <a:xfrm>
-              <a:off x="1952405" y="1251784"/>
+              <a:off x="2387691" y="1251784"/>
               <a:ext cx="69977" cy="69977"/>
             </a:xfrm>
             <a:prstGeom prst="ellipse">
@@ -18765,7 +18765,7 @@
           </p:nvSpPr>
           <p:spPr>
             <a:xfrm>
-              <a:off x="1942137" y="1586495"/>
+              <a:off x="2369777" y="1586495"/>
               <a:ext cx="69977" cy="69977"/>
             </a:xfrm>
             <a:prstGeom prst="ellipse">
@@ -18800,7 +18800,7 @@
           </p:nvSpPr>
           <p:spPr>
             <a:xfrm>
-              <a:off x="1913851" y="1437735"/>
+              <a:off x="2320431" y="1437735"/>
               <a:ext cx="69977" cy="69977"/>
             </a:xfrm>
             <a:prstGeom prst="ellipse">
@@ -18835,7 +18835,7 @@
           </p:nvSpPr>
           <p:spPr>
             <a:xfrm>
-              <a:off x="1961504" y="1381950"/>
+              <a:off x="2403565" y="1381950"/>
               <a:ext cx="69977" cy="69977"/>
             </a:xfrm>
             <a:prstGeom prst="ellipse">
@@ -18870,7 +18870,7 @@
           </p:nvSpPr>
           <p:spPr>
             <a:xfrm>
-              <a:off x="1894766" y="1605090"/>
+              <a:off x="2287138" y="1605090"/>
               <a:ext cx="69977" cy="69977"/>
             </a:xfrm>
             <a:prstGeom prst="ellipse">
@@ -18905,7 +18905,7 @@
           </p:nvSpPr>
           <p:spPr>
             <a:xfrm>
-              <a:off x="1946180" y="1586495"/>
+              <a:off x="2376830" y="1586495"/>
               <a:ext cx="69977" cy="69977"/>
             </a:xfrm>
             <a:prstGeom prst="ellipse">
@@ -18940,7 +18940,7 @@
           </p:nvSpPr>
           <p:spPr>
             <a:xfrm>
-              <a:off x="1933597" y="1456330"/>
+              <a:off x="2354879" y="1456330"/>
               <a:ext cx="69977" cy="69977"/>
             </a:xfrm>
             <a:prstGeom prst="ellipse">
@@ -18975,7 +18975,7 @@
           </p:nvSpPr>
           <p:spPr>
             <a:xfrm>
-              <a:off x="1962409" y="1419140"/>
+              <a:off x="2405144" y="1419140"/>
               <a:ext cx="69977" cy="69977"/>
             </a:xfrm>
             <a:prstGeom prst="ellipse">
@@ -19010,7 +19010,7 @@
           </p:nvSpPr>
           <p:spPr>
             <a:xfrm>
-              <a:off x="1961785" y="1363355"/>
+              <a:off x="2404054" y="1363355"/>
               <a:ext cx="69977" cy="69977"/>
             </a:xfrm>
             <a:prstGeom prst="ellipse">
@@ -19045,7 +19045,7 @@
           </p:nvSpPr>
           <p:spPr>
             <a:xfrm>
-              <a:off x="1973004" y="1307570"/>
+              <a:off x="2423626" y="1307570"/>
               <a:ext cx="69977" cy="69977"/>
             </a:xfrm>
             <a:prstGeom prst="ellipse">
@@ -19080,7 +19080,7 @@
           </p:nvSpPr>
           <p:spPr>
             <a:xfrm>
-              <a:off x="1928433" y="1456330"/>
+              <a:off x="2345871" y="1456330"/>
               <a:ext cx="69977" cy="69977"/>
             </a:xfrm>
             <a:prstGeom prst="ellipse">
@@ -19115,7 +19115,7 @@
           </p:nvSpPr>
           <p:spPr>
             <a:xfrm>
-              <a:off x="1921737" y="1549305"/>
+              <a:off x="2334189" y="1549305"/>
               <a:ext cx="69977" cy="69977"/>
             </a:xfrm>
             <a:prstGeom prst="ellipse">
@@ -19150,7 +19150,7 @@
           </p:nvSpPr>
           <p:spPr>
             <a:xfrm>
-              <a:off x="1894370" y="1456330"/>
+              <a:off x="2286447" y="1456330"/>
               <a:ext cx="69977" cy="69977"/>
             </a:xfrm>
             <a:prstGeom prst="ellipse">
@@ -19185,7 +19185,7 @@
           </p:nvSpPr>
           <p:spPr>
             <a:xfrm>
-              <a:off x="1949798" y="1363355"/>
+              <a:off x="2383143" y="1363355"/>
               <a:ext cx="69977" cy="69977"/>
             </a:xfrm>
             <a:prstGeom prst="ellipse">
@@ -19220,7 +19220,7 @@
           </p:nvSpPr>
           <p:spPr>
             <a:xfrm>
-              <a:off x="1966679" y="1456330"/>
+              <a:off x="2412593" y="1456330"/>
               <a:ext cx="69977" cy="69977"/>
             </a:xfrm>
             <a:prstGeom prst="ellipse">
@@ -19255,7 +19255,7 @@
           </p:nvSpPr>
           <p:spPr>
             <a:xfrm>
-              <a:off x="1903006" y="1474925"/>
+              <a:off x="2301512" y="1474925"/>
               <a:ext cx="69977" cy="69977"/>
             </a:xfrm>
             <a:prstGeom prst="ellipse">
@@ -19290,7 +19290,7 @@
           </p:nvSpPr>
           <p:spPr>
             <a:xfrm>
-              <a:off x="1949990" y="1605090"/>
+              <a:off x="2383477" y="1605090"/>
               <a:ext cx="69977" cy="69977"/>
             </a:xfrm>
             <a:prstGeom prst="ellipse">
@@ -19325,7 +19325,7 @@
           </p:nvSpPr>
           <p:spPr>
             <a:xfrm>
-              <a:off x="1933235" y="1493520"/>
+              <a:off x="2354248" y="1493520"/>
               <a:ext cx="69977" cy="69977"/>
             </a:xfrm>
             <a:prstGeom prst="ellipse">
@@ -19360,7 +19360,7 @@
           </p:nvSpPr>
           <p:spPr>
             <a:xfrm>
-              <a:off x="1972568" y="1456330"/>
+              <a:off x="2422866" y="1456330"/>
               <a:ext cx="69977" cy="69977"/>
             </a:xfrm>
             <a:prstGeom prst="ellipse">
@@ -19395,7 +19395,7 @@
           </p:nvSpPr>
           <p:spPr>
             <a:xfrm>
-              <a:off x="1903156" y="1549305"/>
+              <a:off x="2301774" y="1549305"/>
               <a:ext cx="69977" cy="69977"/>
             </a:xfrm>
             <a:prstGeom prst="ellipse">
@@ -19430,7 +19430,7 @@
           </p:nvSpPr>
           <p:spPr>
             <a:xfrm>
-              <a:off x="1895957" y="1549305"/>
+              <a:off x="2289214" y="1549305"/>
               <a:ext cx="69977" cy="69977"/>
             </a:xfrm>
             <a:prstGeom prst="ellipse">
@@ -19465,7 +19465,7 @@
           </p:nvSpPr>
           <p:spPr>
             <a:xfrm>
-              <a:off x="1895569" y="1400545"/>
+              <a:off x="2288538" y="1400545"/>
               <a:ext cx="69977" cy="69977"/>
             </a:xfrm>
             <a:prstGeom prst="ellipse">
@@ -19500,7 +19500,7 @@
           </p:nvSpPr>
           <p:spPr>
             <a:xfrm>
-              <a:off x="1932779" y="1437735"/>
+              <a:off x="2353452" y="1437735"/>
               <a:ext cx="69977" cy="69977"/>
             </a:xfrm>
             <a:prstGeom prst="ellipse">
@@ -19535,7 +19535,7 @@
           </p:nvSpPr>
           <p:spPr>
             <a:xfrm>
-              <a:off x="1931405" y="1530710"/>
+              <a:off x="2351056" y="1530710"/>
               <a:ext cx="69977" cy="69977"/>
             </a:xfrm>
             <a:prstGeom prst="ellipse">
@@ -19570,7 +19570,7 @@
           </p:nvSpPr>
           <p:spPr>
             <a:xfrm>
-              <a:off x="1917515" y="1567900"/>
+              <a:off x="2326824" y="1567900"/>
               <a:ext cx="69977" cy="69977"/>
             </a:xfrm>
             <a:prstGeom prst="ellipse">
@@ -19605,7 +19605,7 @@
           </p:nvSpPr>
           <p:spPr>
             <a:xfrm>
-              <a:off x="1923978" y="1530710"/>
+              <a:off x="2338098" y="1530710"/>
               <a:ext cx="69977" cy="69977"/>
             </a:xfrm>
             <a:prstGeom prst="ellipse">
@@ -19640,7 +19640,7 @@
           </p:nvSpPr>
           <p:spPr>
             <a:xfrm>
-              <a:off x="1976682" y="1493520"/>
+              <a:off x="2430044" y="1493520"/>
               <a:ext cx="69977" cy="69977"/>
             </a:xfrm>
             <a:prstGeom prst="ellipse">
@@ -19675,7 +19675,7 @@
           </p:nvSpPr>
           <p:spPr>
             <a:xfrm>
-              <a:off x="1949527" y="1549305"/>
+              <a:off x="2382670" y="1549305"/>
               <a:ext cx="69977" cy="69977"/>
             </a:xfrm>
             <a:prstGeom prst="ellipse">
@@ -19711,20 +19711,20 @@
           <p:spPr>
             <a:xfrm>
               <a:off x="1402756" y="3725135"/>
-              <a:ext cx="698466" cy="0"/>
+              <a:ext cx="1218501" cy="0"/>
             </a:xfrm>
             <a:custGeom>
               <a:avLst/>
               <a:pathLst>
-                <a:path w="698466" h="0">
+                <a:path w="1218501" h="0">
                   <a:moveTo>
                     <a:pt x="0" y="0"/>
                   </a:moveTo>
                   <a:lnTo>
-                    <a:pt x="698466" y="0"/>
-                  </a:lnTo>
-                  <a:lnTo>
-                    <a:pt x="698466" y="0"/>
+                    <a:pt x="1218501" y="0"/>
+                  </a:lnTo>
+                  <a:lnTo>
+                    <a:pt x="1218501" y="0"/>
                   </a:lnTo>
                 </a:path>
               </a:pathLst>
@@ -19754,20 +19754,20 @@
           <p:spPr>
             <a:xfrm>
               <a:off x="1402756" y="3496571"/>
-              <a:ext cx="698466" cy="0"/>
+              <a:ext cx="1218501" cy="0"/>
             </a:xfrm>
             <a:custGeom>
               <a:avLst/>
               <a:pathLst>
-                <a:path w="698466" h="0">
+                <a:path w="1218501" h="0">
                   <a:moveTo>
                     <a:pt x="0" y="0"/>
                   </a:moveTo>
                   <a:lnTo>
-                    <a:pt x="698466" y="0"/>
-                  </a:lnTo>
-                  <a:lnTo>
-                    <a:pt x="698466" y="0"/>
+                    <a:pt x="1218501" y="0"/>
+                  </a:lnTo>
+                  <a:lnTo>
+                    <a:pt x="1218501" y="0"/>
                   </a:lnTo>
                 </a:path>
               </a:pathLst>
@@ -19797,20 +19797,20 @@
           <p:spPr>
             <a:xfrm>
               <a:off x="1402756" y="3268007"/>
-              <a:ext cx="698466" cy="0"/>
+              <a:ext cx="1218501" cy="0"/>
             </a:xfrm>
             <a:custGeom>
               <a:avLst/>
               <a:pathLst>
-                <a:path w="698466" h="0">
+                <a:path w="1218501" h="0">
                   <a:moveTo>
                     <a:pt x="0" y="0"/>
                   </a:moveTo>
                   <a:lnTo>
-                    <a:pt x="698466" y="0"/>
-                  </a:lnTo>
-                  <a:lnTo>
-                    <a:pt x="698466" y="0"/>
+                    <a:pt x="1218501" y="0"/>
+                  </a:lnTo>
+                  <a:lnTo>
+                    <a:pt x="1218501" y="0"/>
                   </a:lnTo>
                 </a:path>
               </a:pathLst>
@@ -19840,20 +19840,20 @@
           <p:spPr>
             <a:xfrm>
               <a:off x="1402756" y="3039443"/>
-              <a:ext cx="698466" cy="0"/>
+              <a:ext cx="1218501" cy="0"/>
             </a:xfrm>
             <a:custGeom>
               <a:avLst/>
               <a:pathLst>
-                <a:path w="698466" h="0">
+                <a:path w="1218501" h="0">
                   <a:moveTo>
                     <a:pt x="0" y="0"/>
                   </a:moveTo>
                   <a:lnTo>
-                    <a:pt x="698466" y="0"/>
-                  </a:lnTo>
-                  <a:lnTo>
-                    <a:pt x="698466" y="0"/>
+                    <a:pt x="1218501" y="0"/>
+                  </a:lnTo>
+                  <a:lnTo>
+                    <a:pt x="1218501" y="0"/>
                   </a:lnTo>
                 </a:path>
               </a:pathLst>
@@ -19883,20 +19883,20 @@
           <p:spPr>
             <a:xfrm>
               <a:off x="1402756" y="2810880"/>
-              <a:ext cx="698466" cy="0"/>
+              <a:ext cx="1218501" cy="0"/>
             </a:xfrm>
             <a:custGeom>
               <a:avLst/>
               <a:pathLst>
-                <a:path w="698466" h="0">
+                <a:path w="1218501" h="0">
                   <a:moveTo>
                     <a:pt x="0" y="0"/>
                   </a:moveTo>
                   <a:lnTo>
-                    <a:pt x="698466" y="0"/>
-                  </a:lnTo>
-                  <a:lnTo>
-                    <a:pt x="698466" y="0"/>
+                    <a:pt x="1218501" y="0"/>
+                  </a:lnTo>
+                  <a:lnTo>
+                    <a:pt x="1218501" y="0"/>
                   </a:lnTo>
                 </a:path>
               </a:pathLst>
@@ -19926,20 +19926,20 @@
           <p:spPr>
             <a:xfrm>
               <a:off x="1402756" y="3839417"/>
-              <a:ext cx="698466" cy="0"/>
+              <a:ext cx="1218501" cy="0"/>
             </a:xfrm>
             <a:custGeom>
               <a:avLst/>
               <a:pathLst>
-                <a:path w="698466" h="0">
+                <a:path w="1218501" h="0">
                   <a:moveTo>
                     <a:pt x="0" y="0"/>
                   </a:moveTo>
                   <a:lnTo>
-                    <a:pt x="698466" y="0"/>
-                  </a:lnTo>
-                  <a:lnTo>
-                    <a:pt x="698466" y="0"/>
+                    <a:pt x="1218501" y="0"/>
+                  </a:lnTo>
+                  <a:lnTo>
+                    <a:pt x="1218501" y="0"/>
                   </a:lnTo>
                 </a:path>
               </a:pathLst>
@@ -19969,20 +19969,20 @@
           <p:spPr>
             <a:xfrm>
               <a:off x="1402756" y="3610853"/>
-              <a:ext cx="698466" cy="0"/>
+              <a:ext cx="1218501" cy="0"/>
             </a:xfrm>
             <a:custGeom>
               <a:avLst/>
               <a:pathLst>
-                <a:path w="698466" h="0">
+                <a:path w="1218501" h="0">
                   <a:moveTo>
                     <a:pt x="0" y="0"/>
                   </a:moveTo>
                   <a:lnTo>
-                    <a:pt x="698466" y="0"/>
-                  </a:lnTo>
-                  <a:lnTo>
-                    <a:pt x="698466" y="0"/>
+                    <a:pt x="1218501" y="0"/>
+                  </a:lnTo>
+                  <a:lnTo>
+                    <a:pt x="1218501" y="0"/>
                   </a:lnTo>
                 </a:path>
               </a:pathLst>
@@ -20012,20 +20012,20 @@
           <p:spPr>
             <a:xfrm>
               <a:off x="1402756" y="3382289"/>
-              <a:ext cx="698466" cy="0"/>
+              <a:ext cx="1218501" cy="0"/>
             </a:xfrm>
             <a:custGeom>
               <a:avLst/>
               <a:pathLst>
-                <a:path w="698466" h="0">
+                <a:path w="1218501" h="0">
                   <a:moveTo>
                     <a:pt x="0" y="0"/>
                   </a:moveTo>
                   <a:lnTo>
-                    <a:pt x="698466" y="0"/>
-                  </a:lnTo>
-                  <a:lnTo>
-                    <a:pt x="698466" y="0"/>
+                    <a:pt x="1218501" y="0"/>
+                  </a:lnTo>
+                  <a:lnTo>
+                    <a:pt x="1218501" y="0"/>
                   </a:lnTo>
                 </a:path>
               </a:pathLst>
@@ -20055,20 +20055,20 @@
           <p:spPr>
             <a:xfrm>
               <a:off x="1402756" y="3153725"/>
-              <a:ext cx="698466" cy="0"/>
+              <a:ext cx="1218501" cy="0"/>
             </a:xfrm>
             <a:custGeom>
               <a:avLst/>
               <a:pathLst>
-                <a:path w="698466" h="0">
+                <a:path w="1218501" h="0">
                   <a:moveTo>
                     <a:pt x="0" y="0"/>
                   </a:moveTo>
                   <a:lnTo>
-                    <a:pt x="698466" y="0"/>
-                  </a:lnTo>
-                  <a:lnTo>
-                    <a:pt x="698466" y="0"/>
+                    <a:pt x="1218501" y="0"/>
+                  </a:lnTo>
+                  <a:lnTo>
+                    <a:pt x="1218501" y="0"/>
                   </a:lnTo>
                 </a:path>
               </a:pathLst>
@@ -20098,20 +20098,20 @@
           <p:spPr>
             <a:xfrm>
               <a:off x="1402756" y="2925161"/>
-              <a:ext cx="698466" cy="0"/>
+              <a:ext cx="1218501" cy="0"/>
             </a:xfrm>
             <a:custGeom>
               <a:avLst/>
               <a:pathLst>
-                <a:path w="698466" h="0">
+                <a:path w="1218501" h="0">
                   <a:moveTo>
                     <a:pt x="0" y="0"/>
                   </a:moveTo>
                   <a:lnTo>
-                    <a:pt x="698466" y="0"/>
-                  </a:lnTo>
-                  <a:lnTo>
-                    <a:pt x="698466" y="0"/>
+                    <a:pt x="1218501" y="0"/>
+                  </a:lnTo>
+                  <a:lnTo>
+                    <a:pt x="1218501" y="0"/>
                   </a:lnTo>
                 </a:path>
               </a:pathLst>
@@ -20141,20 +20141,20 @@
           <p:spPr>
             <a:xfrm>
               <a:off x="1402756" y="2696598"/>
-              <a:ext cx="698466" cy="0"/>
+              <a:ext cx="1218501" cy="0"/>
             </a:xfrm>
             <a:custGeom>
               <a:avLst/>
               <a:pathLst>
-                <a:path w="698466" h="0">
+                <a:path w="1218501" h="0">
                   <a:moveTo>
                     <a:pt x="0" y="0"/>
                   </a:moveTo>
                   <a:lnTo>
-                    <a:pt x="698466" y="0"/>
-                  </a:lnTo>
-                  <a:lnTo>
-                    <a:pt x="698466" y="0"/>
+                    <a:pt x="1218501" y="0"/>
+                  </a:lnTo>
+                  <a:lnTo>
+                    <a:pt x="1218501" y="0"/>
                   </a:lnTo>
                 </a:path>
               </a:pathLst>
@@ -20183,7 +20183,7 @@
           </p:nvSpPr>
           <p:spPr>
             <a:xfrm>
-              <a:off x="1533719" y="2687455"/>
+              <a:off x="1631225" y="2687455"/>
               <a:ext cx="0" cy="1206817"/>
             </a:xfrm>
             <a:custGeom>
@@ -20226,7 +20226,7 @@
           </p:nvSpPr>
           <p:spPr>
             <a:xfrm>
-              <a:off x="1751989" y="2687455"/>
+              <a:off x="2012007" y="2687455"/>
               <a:ext cx="0" cy="1206817"/>
             </a:xfrm>
             <a:custGeom>
@@ -20269,7 +20269,7 @@
           </p:nvSpPr>
           <p:spPr>
             <a:xfrm>
-              <a:off x="1970260" y="2687455"/>
+              <a:off x="2392789" y="2687455"/>
               <a:ext cx="0" cy="1206817"/>
             </a:xfrm>
             <a:custGeom>
@@ -20312,7 +20312,7 @@
           </p:nvSpPr>
           <p:spPr>
             <a:xfrm>
-              <a:off x="1533719" y="2833736"/>
+              <a:off x="1631225" y="2833736"/>
               <a:ext cx="0" cy="239992"/>
             </a:xfrm>
             <a:custGeom>
@@ -20352,7 +20352,7 @@
           </p:nvSpPr>
           <p:spPr>
             <a:xfrm>
-              <a:off x="1533719" y="3290864"/>
+              <a:off x="1631225" y="3290864"/>
               <a:ext cx="0" cy="137138"/>
             </a:xfrm>
             <a:custGeom>
@@ -20392,13 +20392,13 @@
           </p:nvSpPr>
           <p:spPr>
             <a:xfrm>
-              <a:off x="1451867" y="3073728"/>
-              <a:ext cx="163703" cy="217135"/>
+              <a:off x="1488432" y="3073728"/>
+              <a:ext cx="285586" cy="217135"/>
             </a:xfrm>
             <a:custGeom>
               <a:avLst/>
               <a:pathLst>
-                <a:path w="163703" h="217135">
+                <a:path w="285586" h="217135">
                   <a:moveTo>
                     <a:pt x="0" y="0"/>
                   </a:moveTo>
@@ -20406,10 +20406,10 @@
                     <a:pt x="0" y="217135"/>
                   </a:lnTo>
                   <a:lnTo>
-                    <a:pt x="163703" y="217135"/>
-                  </a:lnTo>
-                  <a:lnTo>
-                    <a:pt x="163703" y="0"/>
+                    <a:pt x="285586" y="217135"/>
+                  </a:lnTo>
+                  <a:lnTo>
+                    <a:pt x="285586" y="0"/>
                   </a:lnTo>
                   <a:close/>
                 </a:path>
@@ -20444,18 +20444,18 @@
           </p:nvSpPr>
           <p:spPr>
             <a:xfrm>
-              <a:off x="1451867" y="3199438"/>
-              <a:ext cx="163703" cy="0"/>
+              <a:off x="1488432" y="3199438"/>
+              <a:ext cx="285586" cy="0"/>
             </a:xfrm>
             <a:custGeom>
               <a:avLst/>
               <a:pathLst>
-                <a:path w="163703" h="0">
+                <a:path w="285586" h="0">
                   <a:moveTo>
                     <a:pt x="0" y="0"/>
                   </a:moveTo>
                   <a:lnTo>
-                    <a:pt x="163703" y="0"/>
+                    <a:pt x="285586" y="0"/>
                   </a:lnTo>
                 </a:path>
               </a:pathLst>
@@ -20484,7 +20484,7 @@
           </p:nvSpPr>
           <p:spPr>
             <a:xfrm>
-              <a:off x="1751989" y="3199438"/>
+              <a:off x="2012007" y="3199438"/>
               <a:ext cx="0" cy="182851"/>
             </a:xfrm>
             <a:custGeom>
@@ -20524,7 +20524,7 @@
           </p:nvSpPr>
           <p:spPr>
             <a:xfrm>
-              <a:off x="1751989" y="3599425"/>
+              <a:off x="2012007" y="3599425"/>
               <a:ext cx="0" cy="239992"/>
             </a:xfrm>
             <a:custGeom>
@@ -20564,13 +20564,13 @@
           </p:nvSpPr>
           <p:spPr>
             <a:xfrm>
-              <a:off x="1670138" y="3382289"/>
-              <a:ext cx="163703" cy="217135"/>
+              <a:off x="1869214" y="3382289"/>
+              <a:ext cx="285586" cy="217135"/>
             </a:xfrm>
             <a:custGeom>
               <a:avLst/>
               <a:pathLst>
-                <a:path w="163703" h="217135">
+                <a:path w="285586" h="217135">
                   <a:moveTo>
                     <a:pt x="0" y="0"/>
                   </a:moveTo>
@@ -20578,10 +20578,10 @@
                     <a:pt x="0" y="217135"/>
                   </a:lnTo>
                   <a:lnTo>
-                    <a:pt x="163703" y="217135"/>
-                  </a:lnTo>
-                  <a:lnTo>
-                    <a:pt x="163703" y="0"/>
+                    <a:pt x="285586" y="217135"/>
+                  </a:lnTo>
+                  <a:lnTo>
+                    <a:pt x="285586" y="0"/>
                   </a:lnTo>
                   <a:close/>
                 </a:path>
@@ -20616,18 +20616,18 @@
           </p:nvSpPr>
           <p:spPr>
             <a:xfrm>
-              <a:off x="1670138" y="3473715"/>
-              <a:ext cx="163703" cy="0"/>
+              <a:off x="1869214" y="3473715"/>
+              <a:ext cx="285586" cy="0"/>
             </a:xfrm>
             <a:custGeom>
               <a:avLst/>
               <a:pathLst>
-                <a:path w="163703" h="0">
+                <a:path w="285586" h="0">
                   <a:moveTo>
                     <a:pt x="0" y="0"/>
                   </a:moveTo>
                   <a:lnTo>
-                    <a:pt x="163703" y="0"/>
+                    <a:pt x="285586" y="0"/>
                   </a:lnTo>
                 </a:path>
               </a:pathLst>
@@ -20656,7 +20656,7 @@
           </p:nvSpPr>
           <p:spPr>
             <a:xfrm>
-              <a:off x="1970260" y="3108013"/>
+              <a:off x="2392789" y="3108013"/>
               <a:ext cx="0" cy="194279"/>
             </a:xfrm>
             <a:custGeom>
@@ -20696,7 +20696,7 @@
           </p:nvSpPr>
           <p:spPr>
             <a:xfrm>
-              <a:off x="1970260" y="3473715"/>
+              <a:off x="2392789" y="3473715"/>
               <a:ext cx="0" cy="137138"/>
             </a:xfrm>
             <a:custGeom>
@@ -20736,13 +20736,13 @@
           </p:nvSpPr>
           <p:spPr>
             <a:xfrm>
-              <a:off x="1888409" y="3302292"/>
-              <a:ext cx="163703" cy="171422"/>
+              <a:off x="2249996" y="3302292"/>
+              <a:ext cx="285586" cy="171422"/>
             </a:xfrm>
             <a:custGeom>
               <a:avLst/>
               <a:pathLst>
-                <a:path w="163703" h="171422">
+                <a:path w="285586" h="171422">
                   <a:moveTo>
                     <a:pt x="0" y="0"/>
                   </a:moveTo>
@@ -20750,10 +20750,10 @@
                     <a:pt x="0" y="171422"/>
                   </a:lnTo>
                   <a:lnTo>
-                    <a:pt x="163703" y="171422"/>
-                  </a:lnTo>
-                  <a:lnTo>
-                    <a:pt x="163703" y="0"/>
+                    <a:pt x="285586" y="171422"/>
+                  </a:lnTo>
+                  <a:lnTo>
+                    <a:pt x="285586" y="0"/>
                   </a:lnTo>
                   <a:close/>
                 </a:path>
@@ -20788,18 +20788,18 @@
           </p:nvSpPr>
           <p:spPr>
             <a:xfrm>
-              <a:off x="1888409" y="3382289"/>
-              <a:ext cx="163703" cy="0"/>
+              <a:off x="2249996" y="3382289"/>
+              <a:ext cx="285586" cy="0"/>
             </a:xfrm>
             <a:custGeom>
               <a:avLst/>
               <a:pathLst>
-                <a:path w="163703" h="0">
+                <a:path w="285586" h="0">
                   <a:moveTo>
                     <a:pt x="0" y="0"/>
                   </a:moveTo>
                   <a:lnTo>
-                    <a:pt x="163703" y="0"/>
+                    <a:pt x="285586" y="0"/>
                   </a:lnTo>
                 </a:path>
               </a:pathLst>
@@ -20828,7 +20828,7 @@
           </p:nvSpPr>
           <p:spPr>
             <a:xfrm>
-              <a:off x="1492008" y="3118737"/>
+              <a:off x="1584510" y="3118737"/>
               <a:ext cx="69977" cy="69977"/>
             </a:xfrm>
             <a:prstGeom prst="ellipse">
@@ -20863,7 +20863,7 @@
           </p:nvSpPr>
           <p:spPr>
             <a:xfrm>
-              <a:off x="1534458" y="3347300"/>
+              <a:off x="1658566" y="3347300"/>
               <a:ext cx="69977" cy="69977"/>
             </a:xfrm>
             <a:prstGeom prst="ellipse">
@@ -20898,7 +20898,7 @@
           </p:nvSpPr>
           <p:spPr>
             <a:xfrm>
-              <a:off x="1535800" y="3255875"/>
+              <a:off x="1660906" y="3255875"/>
               <a:ext cx="69977" cy="69977"/>
             </a:xfrm>
             <a:prstGeom prst="ellipse">
@@ -20933,7 +20933,7 @@
           </p:nvSpPr>
           <p:spPr>
             <a:xfrm>
-              <a:off x="1508169" y="3301588"/>
+              <a:off x="1612704" y="3301588"/>
               <a:ext cx="69977" cy="69977"/>
             </a:xfrm>
             <a:prstGeom prst="ellipse">
@@ -20968,7 +20968,7 @@
           </p:nvSpPr>
           <p:spPr>
             <a:xfrm>
-              <a:off x="1531969" y="3073024"/>
+              <a:off x="1654223" y="3073024"/>
               <a:ext cx="69977" cy="69977"/>
             </a:xfrm>
             <a:prstGeom prst="ellipse">
@@ -21003,7 +21003,7 @@
           </p:nvSpPr>
           <p:spPr>
             <a:xfrm>
-              <a:off x="1475596" y="2935885"/>
+              <a:off x="1555878" y="2935885"/>
               <a:ext cx="69977" cy="69977"/>
             </a:xfrm>
             <a:prstGeom prst="ellipse">
@@ -21038,7 +21038,7 @@
           </p:nvSpPr>
           <p:spPr>
             <a:xfrm>
-              <a:off x="1467629" y="3164449"/>
+              <a:off x="1541981" y="3164449"/>
               <a:ext cx="69977" cy="69977"/>
             </a:xfrm>
             <a:prstGeom prst="ellipse">
@@ -21073,7 +21073,7 @@
           </p:nvSpPr>
           <p:spPr>
             <a:xfrm>
-              <a:off x="1476390" y="3164449"/>
+              <a:off x="1557263" y="3164449"/>
               <a:ext cx="69977" cy="69977"/>
             </a:xfrm>
             <a:prstGeom prst="ellipse">
@@ -21108,7 +21108,7 @@
           </p:nvSpPr>
           <p:spPr>
             <a:xfrm>
-              <a:off x="1487322" y="3393013"/>
+              <a:off x="1576334" y="3393013"/>
               <a:ext cx="69977" cy="69977"/>
             </a:xfrm>
             <a:prstGeom prst="ellipse">
@@ -21143,7 +21143,7 @@
           </p:nvSpPr>
           <p:spPr>
             <a:xfrm>
-              <a:off x="1508039" y="3301588"/>
+              <a:off x="1612476" y="3301588"/>
               <a:ext cx="69977" cy="69977"/>
             </a:xfrm>
             <a:prstGeom prst="ellipse">
@@ -21178,7 +21178,7 @@
           </p:nvSpPr>
           <p:spPr>
             <a:xfrm>
-              <a:off x="1476252" y="3027311"/>
+              <a:off x="1557022" y="3027311"/>
               <a:ext cx="69977" cy="69977"/>
             </a:xfrm>
             <a:prstGeom prst="ellipse">
@@ -21213,7 +21213,7 @@
           </p:nvSpPr>
           <p:spPr>
             <a:xfrm>
-              <a:off x="1514998" y="3164449"/>
+              <a:off x="1624618" y="3164449"/>
               <a:ext cx="69977" cy="69977"/>
             </a:xfrm>
             <a:prstGeom prst="ellipse">
@@ -21248,7 +21248,7 @@
           </p:nvSpPr>
           <p:spPr>
             <a:xfrm>
-              <a:off x="1494912" y="3347300"/>
+              <a:off x="1589576" y="3347300"/>
               <a:ext cx="69977" cy="69977"/>
             </a:xfrm>
             <a:prstGeom prst="ellipse">
@@ -21283,7 +21283,7 @@
           </p:nvSpPr>
           <p:spPr>
             <a:xfrm>
-              <a:off x="1537679" y="3347300"/>
+              <a:off x="1664184" y="3347300"/>
               <a:ext cx="69977" cy="69977"/>
             </a:xfrm>
             <a:prstGeom prst="ellipse">
@@ -21318,7 +21318,7 @@
           </p:nvSpPr>
           <p:spPr>
             <a:xfrm>
-              <a:off x="1478522" y="2890173"/>
+              <a:off x="1560983" y="2890173"/>
               <a:ext cx="69977" cy="69977"/>
             </a:xfrm>
             <a:prstGeom prst="ellipse">
@@ -21353,7 +21353,7 @@
           </p:nvSpPr>
           <p:spPr>
             <a:xfrm>
-              <a:off x="1534894" y="2707321"/>
+              <a:off x="1659326" y="2707321"/>
               <a:ext cx="69977" cy="69977"/>
             </a:xfrm>
             <a:prstGeom prst="ellipse">
@@ -21388,7 +21388,7 @@
           </p:nvSpPr>
           <p:spPr>
             <a:xfrm>
-              <a:off x="1524240" y="2935885"/>
+              <a:off x="1640740" y="2935885"/>
               <a:ext cx="69977" cy="69977"/>
             </a:xfrm>
             <a:prstGeom prst="ellipse">
@@ -21423,7 +21423,7 @@
           </p:nvSpPr>
           <p:spPr>
             <a:xfrm>
-              <a:off x="1541888" y="3118737"/>
+              <a:off x="1671528" y="3118737"/>
               <a:ext cx="69977" cy="69977"/>
             </a:xfrm>
             <a:prstGeom prst="ellipse">
@@ -21458,7 +21458,7 @@
           </p:nvSpPr>
           <p:spPr>
             <a:xfrm>
-              <a:off x="1481052" y="2981598"/>
+              <a:off x="1565396" y="2981598"/>
               <a:ext cx="69977" cy="69977"/>
             </a:xfrm>
             <a:prstGeom prst="ellipse">
@@ -21493,7 +21493,7 @@
           </p:nvSpPr>
           <p:spPr>
             <a:xfrm>
-              <a:off x="1522981" y="2981598"/>
+              <a:off x="1638543" y="2981598"/>
               <a:ext cx="69977" cy="69977"/>
             </a:xfrm>
             <a:prstGeom prst="ellipse">
@@ -21528,7 +21528,7 @@
           </p:nvSpPr>
           <p:spPr>
             <a:xfrm>
-              <a:off x="1540213" y="3164449"/>
+              <a:off x="1668606" y="3164449"/>
               <a:ext cx="69977" cy="69977"/>
             </a:xfrm>
             <a:prstGeom prst="ellipse">
@@ -21563,7 +21563,7 @@
           </p:nvSpPr>
           <p:spPr>
             <a:xfrm>
-              <a:off x="1470816" y="3027311"/>
+              <a:off x="1547540" y="3027311"/>
               <a:ext cx="69977" cy="69977"/>
             </a:xfrm>
             <a:prstGeom prst="ellipse">
@@ -21598,7 +21598,7 @@
           </p:nvSpPr>
           <p:spPr>
             <a:xfrm>
-              <a:off x="1513206" y="3073024"/>
+              <a:off x="1621491" y="3073024"/>
               <a:ext cx="69977" cy="69977"/>
             </a:xfrm>
             <a:prstGeom prst="ellipse">
@@ -21633,7 +21633,7 @@
           </p:nvSpPr>
           <p:spPr>
             <a:xfrm>
-              <a:off x="1532551" y="3210162"/>
+              <a:off x="1655240" y="3210162"/>
               <a:ext cx="69977" cy="69977"/>
             </a:xfrm>
             <a:prstGeom prst="ellipse">
@@ -21668,7 +21668,7 @@
           </p:nvSpPr>
           <p:spPr>
             <a:xfrm>
-              <a:off x="1514321" y="3164449"/>
+              <a:off x="1623437" y="3164449"/>
               <a:ext cx="69977" cy="69977"/>
             </a:xfrm>
             <a:prstGeom prst="ellipse">
@@ -21703,7 +21703,7 @@
           </p:nvSpPr>
           <p:spPr>
             <a:xfrm>
-              <a:off x="1479822" y="3347300"/>
+              <a:off x="1563251" y="3347300"/>
               <a:ext cx="69977" cy="69977"/>
             </a:xfrm>
             <a:prstGeom prst="ellipse">
@@ -21738,7 +21738,7 @@
           </p:nvSpPr>
           <p:spPr>
             <a:xfrm>
-              <a:off x="1512438" y="3164449"/>
+              <a:off x="1620151" y="3164449"/>
               <a:ext cx="69977" cy="69977"/>
             </a:xfrm>
             <a:prstGeom prst="ellipse">
@@ -21773,7 +21773,7 @@
           </p:nvSpPr>
           <p:spPr>
             <a:xfrm>
-              <a:off x="1470983" y="3118737"/>
+              <a:off x="1547831" y="3118737"/>
               <a:ext cx="69977" cy="69977"/>
             </a:xfrm>
             <a:prstGeom prst="ellipse">
@@ -21808,7 +21808,7 @@
           </p:nvSpPr>
           <p:spPr>
             <a:xfrm>
-              <a:off x="1481670" y="3164449"/>
+              <a:off x="1566475" y="3164449"/>
               <a:ext cx="69977" cy="69977"/>
             </a:xfrm>
             <a:prstGeom prst="ellipse">
@@ -21843,7 +21843,7 @@
           </p:nvSpPr>
           <p:spPr>
             <a:xfrm>
-              <a:off x="1480370" y="3255875"/>
+              <a:off x="1564207" y="3255875"/>
               <a:ext cx="69977" cy="69977"/>
             </a:xfrm>
             <a:prstGeom prst="ellipse">
@@ -21878,7 +21878,7 @@
           </p:nvSpPr>
           <p:spPr>
             <a:xfrm>
-              <a:off x="1478529" y="3301588"/>
+              <a:off x="1560996" y="3301588"/>
               <a:ext cx="69977" cy="69977"/>
             </a:xfrm>
             <a:prstGeom prst="ellipse">
@@ -21913,7 +21913,7 @@
           </p:nvSpPr>
           <p:spPr>
             <a:xfrm>
-              <a:off x="1486941" y="3164449"/>
+              <a:off x="1575670" y="3164449"/>
               <a:ext cx="69977" cy="69977"/>
             </a:xfrm>
             <a:prstGeom prst="ellipse">
@@ -21948,7 +21948,7 @@
           </p:nvSpPr>
           <p:spPr>
             <a:xfrm>
-              <a:off x="1526743" y="2844460"/>
+              <a:off x="1645106" y="2844460"/>
               <a:ext cx="69977" cy="69977"/>
             </a:xfrm>
             <a:prstGeom prst="ellipse">
@@ -21983,7 +21983,7 @@
           </p:nvSpPr>
           <p:spPr>
             <a:xfrm>
-              <a:off x="1540303" y="2798747"/>
+              <a:off x="1668762" y="2798747"/>
               <a:ext cx="69977" cy="69977"/>
             </a:xfrm>
             <a:prstGeom prst="ellipse">
@@ -22018,7 +22018,7 @@
           </p:nvSpPr>
           <p:spPr>
             <a:xfrm>
-              <a:off x="1493939" y="3301588"/>
+              <a:off x="1587879" y="3301588"/>
               <a:ext cx="69977" cy="69977"/>
             </a:xfrm>
             <a:prstGeom prst="ellipse">
@@ -22053,7 +22053,7 @@
           </p:nvSpPr>
           <p:spPr>
             <a:xfrm>
-              <a:off x="1466510" y="3255875"/>
+              <a:off x="1540027" y="3255875"/>
               <a:ext cx="69977" cy="69977"/>
             </a:xfrm>
             <a:prstGeom prst="ellipse">
@@ -22088,7 +22088,7 @@
           </p:nvSpPr>
           <p:spPr>
             <a:xfrm>
-              <a:off x="1463604" y="3118737"/>
+              <a:off x="1534959" y="3118737"/>
               <a:ext cx="69977" cy="69977"/>
             </a:xfrm>
             <a:prstGeom prst="ellipse">
@@ -22123,7 +22123,7 @@
           </p:nvSpPr>
           <p:spPr>
             <a:xfrm>
-              <a:off x="1459462" y="3073024"/>
+              <a:off x="1527733" y="3073024"/>
               <a:ext cx="69977" cy="69977"/>
             </a:xfrm>
             <a:prstGeom prst="ellipse">
@@ -22158,7 +22158,7 @@
           </p:nvSpPr>
           <p:spPr>
             <a:xfrm>
-              <a:off x="1494200" y="3347300"/>
+              <a:off x="1588333" y="3347300"/>
               <a:ext cx="69977" cy="69977"/>
             </a:xfrm>
             <a:prstGeom prst="ellipse">
@@ -22193,7 +22193,7 @@
           </p:nvSpPr>
           <p:spPr>
             <a:xfrm>
-              <a:off x="1468835" y="3164449"/>
+              <a:off x="1544084" y="3164449"/>
               <a:ext cx="69977" cy="69977"/>
             </a:xfrm>
             <a:prstGeom prst="ellipse">
@@ -22228,7 +22228,7 @@
           </p:nvSpPr>
           <p:spPr>
             <a:xfrm>
-              <a:off x="1486798" y="3118737"/>
+              <a:off x="1575421" y="3118737"/>
               <a:ext cx="69977" cy="69977"/>
             </a:xfrm>
             <a:prstGeom prst="ellipse">
@@ -22263,7 +22263,7 @@
           </p:nvSpPr>
           <p:spPr>
             <a:xfrm>
-              <a:off x="1481239" y="3667290"/>
+              <a:off x="1565723" y="3667290"/>
               <a:ext cx="69977" cy="69977"/>
             </a:xfrm>
             <a:prstGeom prst="ellipse">
@@ -22298,7 +22298,7 @@
           </p:nvSpPr>
           <p:spPr>
             <a:xfrm>
-              <a:off x="1506271" y="3255875"/>
+              <a:off x="1609392" y="3255875"/>
               <a:ext cx="69977" cy="69977"/>
             </a:xfrm>
             <a:prstGeom prst="ellipse">
@@ -22333,7 +22333,7 @@
           </p:nvSpPr>
           <p:spPr>
             <a:xfrm>
-              <a:off x="1486513" y="3118737"/>
+              <a:off x="1574924" y="3118737"/>
               <a:ext cx="69977" cy="69977"/>
             </a:xfrm>
             <a:prstGeom prst="ellipse">
@@ -22368,7 +22368,7 @@
           </p:nvSpPr>
           <p:spPr>
             <a:xfrm>
-              <a:off x="1530658" y="2981598"/>
+              <a:off x="1651936" y="2981598"/>
               <a:ext cx="69977" cy="69977"/>
             </a:xfrm>
             <a:prstGeom prst="ellipse">
@@ -22403,7 +22403,7 @@
           </p:nvSpPr>
           <p:spPr>
             <a:xfrm>
-              <a:off x="1470617" y="3347300"/>
+              <a:off x="1547192" y="3347300"/>
               <a:ext cx="69977" cy="69977"/>
             </a:xfrm>
             <a:prstGeom prst="ellipse">
@@ -22438,7 +22438,7 @@
           </p:nvSpPr>
           <p:spPr>
             <a:xfrm>
-              <a:off x="1509594" y="2981598"/>
+              <a:off x="1615190" y="2981598"/>
               <a:ext cx="69977" cy="69977"/>
             </a:xfrm>
             <a:prstGeom prst="ellipse">
@@ -22473,7 +22473,7 @@
           </p:nvSpPr>
           <p:spPr>
             <a:xfrm>
-              <a:off x="1495308" y="3255875"/>
+              <a:off x="1590268" y="3255875"/>
               <a:ext cx="69977" cy="69977"/>
             </a:xfrm>
             <a:prstGeom prst="ellipse">
@@ -22508,7 +22508,7 @@
           </p:nvSpPr>
           <p:spPr>
             <a:xfrm>
-              <a:off x="1515255" y="3027311"/>
+              <a:off x="1625065" y="3027311"/>
               <a:ext cx="69977" cy="69977"/>
             </a:xfrm>
             <a:prstGeom prst="ellipse">
@@ -22543,7 +22543,7 @@
           </p:nvSpPr>
           <p:spPr>
             <a:xfrm>
-              <a:off x="1542102" y="3210162"/>
+              <a:off x="1671902" y="3210162"/>
               <a:ext cx="69977" cy="69977"/>
             </a:xfrm>
             <a:prstGeom prst="ellipse">
@@ -22578,7 +22578,7 @@
           </p:nvSpPr>
           <p:spPr>
             <a:xfrm>
-              <a:off x="1715057" y="3255875"/>
+              <a:off x="1973628" y="3255875"/>
               <a:ext cx="69977" cy="69977"/>
             </a:xfrm>
             <a:prstGeom prst="ellipse">
@@ -22613,7 +22613,7 @@
           </p:nvSpPr>
           <p:spPr>
             <a:xfrm>
-              <a:off x="1729795" y="3255875"/>
+              <a:off x="1999340" y="3255875"/>
               <a:ext cx="69977" cy="69977"/>
             </a:xfrm>
             <a:prstGeom prst="ellipse">
@@ -22648,7 +22648,7 @@
           </p:nvSpPr>
           <p:spPr>
             <a:xfrm>
-              <a:off x="1716525" y="3301588"/>
+              <a:off x="1976190" y="3301588"/>
               <a:ext cx="69977" cy="69977"/>
             </a:xfrm>
             <a:prstGeom prst="ellipse">
@@ -22683,7 +22683,7 @@
           </p:nvSpPr>
           <p:spPr>
             <a:xfrm>
-              <a:off x="1696563" y="3667290"/>
+              <a:off x="1941364" y="3667290"/>
               <a:ext cx="69977" cy="69977"/>
             </a:xfrm>
             <a:prstGeom prst="ellipse">
@@ -22718,7 +22718,7 @@
           </p:nvSpPr>
           <p:spPr>
             <a:xfrm>
-              <a:off x="1710360" y="3438726"/>
+              <a:off x="1965433" y="3438726"/>
               <a:ext cx="69977" cy="69977"/>
             </a:xfrm>
             <a:prstGeom prst="ellipse">
@@ -22753,7 +22753,7 @@
           </p:nvSpPr>
           <p:spPr>
             <a:xfrm>
-              <a:off x="1750862" y="3438726"/>
+              <a:off x="2036091" y="3438726"/>
               <a:ext cx="69977" cy="69977"/>
             </a:xfrm>
             <a:prstGeom prst="ellipse">
@@ -22788,7 +22788,7 @@
           </p:nvSpPr>
           <p:spPr>
             <a:xfrm>
-              <a:off x="1712587" y="3210162"/>
+              <a:off x="1969319" y="3210162"/>
               <a:ext cx="69977" cy="69977"/>
             </a:xfrm>
             <a:prstGeom prst="ellipse">
@@ -22823,7 +22823,7 @@
           </p:nvSpPr>
           <p:spPr>
             <a:xfrm>
-              <a:off x="1738943" y="3621577"/>
+              <a:off x="2015297" y="3621577"/>
               <a:ext cx="69977" cy="69977"/>
             </a:xfrm>
             <a:prstGeom prst="ellipse">
@@ -22858,7 +22858,7 @@
           </p:nvSpPr>
           <p:spPr>
             <a:xfrm>
-              <a:off x="1709499" y="3393013"/>
+              <a:off x="1963932" y="3393013"/>
               <a:ext cx="69977" cy="69977"/>
             </a:xfrm>
             <a:prstGeom prst="ellipse">
@@ -22893,7 +22893,7 @@
           </p:nvSpPr>
           <p:spPr>
             <a:xfrm>
-              <a:off x="1684898" y="3484439"/>
+              <a:off x="1921014" y="3484439"/>
               <a:ext cx="69977" cy="69977"/>
             </a:xfrm>
             <a:prstGeom prst="ellipse">
@@ -22928,7 +22928,7 @@
           </p:nvSpPr>
           <p:spPr>
             <a:xfrm>
-              <a:off x="1680769" y="3804428"/>
+              <a:off x="1913811" y="3804428"/>
               <a:ext cx="69977" cy="69977"/>
             </a:xfrm>
             <a:prstGeom prst="ellipse">
@@ -22963,7 +22963,7 @@
           </p:nvSpPr>
           <p:spPr>
             <a:xfrm>
-              <a:off x="1760522" y="3347300"/>
+              <a:off x="2052943" y="3347300"/>
               <a:ext cx="69977" cy="69977"/>
             </a:xfrm>
             <a:prstGeom prst="ellipse">
@@ -22998,7 +22998,7 @@
           </p:nvSpPr>
           <p:spPr>
             <a:xfrm>
-              <a:off x="1741112" y="3713003"/>
+              <a:off x="2019081" y="3713003"/>
               <a:ext cx="69977" cy="69977"/>
             </a:xfrm>
             <a:prstGeom prst="ellipse">
@@ -23033,7 +23033,7 @@
           </p:nvSpPr>
           <p:spPr>
             <a:xfrm>
-              <a:off x="1720021" y="3393013"/>
+              <a:off x="1982287" y="3393013"/>
               <a:ext cx="69977" cy="69977"/>
             </a:xfrm>
             <a:prstGeom prst="ellipse">
@@ -23068,7 +23068,7 @@
           </p:nvSpPr>
           <p:spPr>
             <a:xfrm>
-              <a:off x="1677665" y="3393013"/>
+              <a:off x="1908395" y="3393013"/>
               <a:ext cx="69977" cy="69977"/>
             </a:xfrm>
             <a:prstGeom prst="ellipse">
@@ -23103,7 +23103,7 @@
           </p:nvSpPr>
           <p:spPr>
             <a:xfrm>
-              <a:off x="1712829" y="3301588"/>
+              <a:off x="1969741" y="3301588"/>
               <a:ext cx="69977" cy="69977"/>
             </a:xfrm>
             <a:prstGeom prst="ellipse">
@@ -23138,7 +23138,7 @@
           </p:nvSpPr>
           <p:spPr>
             <a:xfrm>
-              <a:off x="1760238" y="3347300"/>
+              <a:off x="2052448" y="3347300"/>
               <a:ext cx="69977" cy="69977"/>
             </a:xfrm>
             <a:prstGeom prst="ellipse">
@@ -23173,7 +23173,7 @@
           </p:nvSpPr>
           <p:spPr>
             <a:xfrm>
-              <a:off x="1712919" y="3484439"/>
+              <a:off x="1969898" y="3484439"/>
               <a:ext cx="69977" cy="69977"/>
             </a:xfrm>
             <a:prstGeom prst="ellipse">
@@ -23208,7 +23208,7 @@
           </p:nvSpPr>
           <p:spPr>
             <a:xfrm>
-              <a:off x="1722852" y="3713003"/>
+              <a:off x="1987227" y="3713003"/>
               <a:ext cx="69977" cy="69977"/>
             </a:xfrm>
             <a:prstGeom prst="ellipse">
@@ -23243,7 +23243,7 @@
           </p:nvSpPr>
           <p:spPr>
             <a:xfrm>
-              <a:off x="1754809" y="3575864"/>
+              <a:off x="2042976" y="3575864"/>
               <a:ext cx="69977" cy="69977"/>
             </a:xfrm>
             <a:prstGeom prst="ellipse">
@@ -23278,7 +23278,7 @@
           </p:nvSpPr>
           <p:spPr>
             <a:xfrm>
-              <a:off x="1678655" y="3255875"/>
+              <a:off x="1910123" y="3255875"/>
               <a:ext cx="69977" cy="69977"/>
             </a:xfrm>
             <a:prstGeom prst="ellipse">
@@ -23313,7 +23313,7 @@
           </p:nvSpPr>
           <p:spPr>
             <a:xfrm>
-              <a:off x="1706941" y="3438726"/>
+              <a:off x="1959469" y="3438726"/>
               <a:ext cx="69977" cy="69977"/>
             </a:xfrm>
             <a:prstGeom prst="ellipse">
@@ -23348,7 +23348,7 @@
           </p:nvSpPr>
           <p:spPr>
             <a:xfrm>
-              <a:off x="1714097" y="3575864"/>
+              <a:off x="1971954" y="3575864"/>
               <a:ext cx="69977" cy="69977"/>
             </a:xfrm>
             <a:prstGeom prst="ellipse">
@@ -23383,7 +23383,7 @@
           </p:nvSpPr>
           <p:spPr>
             <a:xfrm>
-              <a:off x="1695717" y="3438726"/>
+              <a:off x="1939888" y="3438726"/>
               <a:ext cx="69977" cy="69977"/>
             </a:xfrm>
             <a:prstGeom prst="ellipse">
@@ -23418,7 +23418,7 @@
           </p:nvSpPr>
           <p:spPr>
             <a:xfrm>
-              <a:off x="1756675" y="3393013"/>
+              <a:off x="2046232" y="3393013"/>
               <a:ext cx="69977" cy="69977"/>
             </a:xfrm>
             <a:prstGeom prst="ellipse">
@@ -23453,7 +23453,7 @@
           </p:nvSpPr>
           <p:spPr>
             <a:xfrm>
-              <a:off x="1680909" y="3347300"/>
+              <a:off x="1914055" y="3347300"/>
               <a:ext cx="69977" cy="69977"/>
             </a:xfrm>
             <a:prstGeom prst="ellipse">
@@ -23488,7 +23488,7 @@
           </p:nvSpPr>
           <p:spPr>
             <a:xfrm>
-              <a:off x="1749465" y="3438726"/>
+              <a:off x="2033655" y="3438726"/>
               <a:ext cx="69977" cy="69977"/>
             </a:xfrm>
             <a:prstGeom prst="ellipse">
@@ -23523,7 +23523,7 @@
           </p:nvSpPr>
           <p:spPr>
             <a:xfrm>
-              <a:off x="1755860" y="3347300"/>
+              <a:off x="2044809" y="3347300"/>
               <a:ext cx="69977" cy="69977"/>
             </a:xfrm>
             <a:prstGeom prst="ellipse">
@@ -23558,7 +23558,7 @@
           </p:nvSpPr>
           <p:spPr>
             <a:xfrm>
-              <a:off x="1678514" y="3393013"/>
+              <a:off x="1909877" y="3393013"/>
               <a:ext cx="69977" cy="69977"/>
             </a:xfrm>
             <a:prstGeom prst="ellipse">
@@ -23593,7 +23593,7 @@
           </p:nvSpPr>
           <p:spPr>
             <a:xfrm>
-              <a:off x="1732191" y="3530152"/>
+              <a:off x="2003519" y="3530152"/>
               <a:ext cx="69977" cy="69977"/>
             </a:xfrm>
             <a:prstGeom prst="ellipse">
@@ -23628,7 +23628,7 @@
           </p:nvSpPr>
           <p:spPr>
             <a:xfrm>
-              <a:off x="1758037" y="3621577"/>
+              <a:off x="2048607" y="3621577"/>
               <a:ext cx="69977" cy="69977"/>
             </a:xfrm>
             <a:prstGeom prst="ellipse">
@@ -23663,7 +23663,7 @@
           </p:nvSpPr>
           <p:spPr>
             <a:xfrm>
-              <a:off x="1695182" y="3621577"/>
+              <a:off x="1938955" y="3621577"/>
               <a:ext cx="69977" cy="69977"/>
             </a:xfrm>
             <a:prstGeom prst="ellipse">
@@ -23698,7 +23698,7 @@
           </p:nvSpPr>
           <p:spPr>
             <a:xfrm>
-              <a:off x="1729722" y="3484439"/>
+              <a:off x="1999212" y="3484439"/>
               <a:ext cx="69977" cy="69977"/>
             </a:xfrm>
             <a:prstGeom prst="ellipse">
@@ -23733,7 +23733,7 @@
           </p:nvSpPr>
           <p:spPr>
             <a:xfrm>
-              <a:off x="1757175" y="3484439"/>
+              <a:off x="2047105" y="3484439"/>
               <a:ext cx="69977" cy="69977"/>
             </a:xfrm>
             <a:prstGeom prst="ellipse">
@@ -23768,7 +23768,7 @@
           </p:nvSpPr>
           <p:spPr>
             <a:xfrm>
-              <a:off x="1704412" y="3347300"/>
+              <a:off x="1955057" y="3347300"/>
               <a:ext cx="69977" cy="69977"/>
             </a:xfrm>
             <a:prstGeom prst="ellipse">
@@ -23803,7 +23803,7 @@
           </p:nvSpPr>
           <p:spPr>
             <a:xfrm>
-              <a:off x="1746760" y="3164449"/>
+              <a:off x="2028934" y="3164449"/>
               <a:ext cx="69977" cy="69977"/>
             </a:xfrm>
             <a:prstGeom prst="ellipse">
@@ -23838,7 +23838,7 @@
           </p:nvSpPr>
           <p:spPr>
             <a:xfrm>
-              <a:off x="1717839" y="3301588"/>
+              <a:off x="1978481" y="3301588"/>
               <a:ext cx="69977" cy="69977"/>
             </a:xfrm>
             <a:prstGeom prst="ellipse">
@@ -23873,7 +23873,7 @@
           </p:nvSpPr>
           <p:spPr>
             <a:xfrm>
-              <a:off x="1749829" y="3667290"/>
+              <a:off x="2034289" y="3667290"/>
               <a:ext cx="69977" cy="69977"/>
             </a:xfrm>
             <a:prstGeom prst="ellipse">
@@ -23908,7 +23908,7 @@
           </p:nvSpPr>
           <p:spPr>
             <a:xfrm>
-              <a:off x="1703448" y="3347300"/>
+              <a:off x="1953376" y="3347300"/>
               <a:ext cx="69977" cy="69977"/>
             </a:xfrm>
             <a:prstGeom prst="ellipse">
@@ -23943,7 +23943,7 @@
           </p:nvSpPr>
           <p:spPr>
             <a:xfrm>
-              <a:off x="1741282" y="3575864"/>
+              <a:off x="2019379" y="3575864"/>
               <a:ext cx="69977" cy="69977"/>
             </a:xfrm>
             <a:prstGeom prst="ellipse">
@@ -23978,7 +23978,7 @@
           </p:nvSpPr>
           <p:spPr>
             <a:xfrm>
-              <a:off x="1729769" y="3530152"/>
+              <a:off x="1999294" y="3530152"/>
               <a:ext cx="69977" cy="69977"/>
             </a:xfrm>
             <a:prstGeom prst="ellipse">
@@ -24013,7 +24013,7 @@
           </p:nvSpPr>
           <p:spPr>
             <a:xfrm>
-              <a:off x="1760324" y="3347300"/>
+              <a:off x="2052598" y="3347300"/>
               <a:ext cx="69977" cy="69977"/>
             </a:xfrm>
             <a:prstGeom prst="ellipse">
@@ -24048,7 +24048,7 @@
           </p:nvSpPr>
           <p:spPr>
             <a:xfrm>
-              <a:off x="1684391" y="3530152"/>
+              <a:off x="1920130" y="3530152"/>
               <a:ext cx="69977" cy="69977"/>
             </a:xfrm>
             <a:prstGeom prst="ellipse">
@@ -24083,7 +24083,7 @@
           </p:nvSpPr>
           <p:spPr>
             <a:xfrm>
-              <a:off x="1760429" y="3667290"/>
+              <a:off x="2052781" y="3667290"/>
               <a:ext cx="69977" cy="69977"/>
             </a:xfrm>
             <a:prstGeom prst="ellipse">
@@ -24118,7 +24118,7 @@
           </p:nvSpPr>
           <p:spPr>
             <a:xfrm>
-              <a:off x="1751879" y="3484439"/>
+              <a:off x="2037866" y="3484439"/>
               <a:ext cx="69977" cy="69977"/>
             </a:xfrm>
             <a:prstGeom prst="ellipse">
@@ -24153,7 +24153,7 @@
           </p:nvSpPr>
           <p:spPr>
             <a:xfrm>
-              <a:off x="1745027" y="3347300"/>
+              <a:off x="2025911" y="3347300"/>
               <a:ext cx="69977" cy="69977"/>
             </a:xfrm>
             <a:prstGeom prst="ellipse">
@@ -24188,7 +24188,7 @@
           </p:nvSpPr>
           <p:spPr>
             <a:xfrm>
-              <a:off x="1675409" y="3393013"/>
+              <a:off x="1904461" y="3393013"/>
               <a:ext cx="69977" cy="69977"/>
             </a:xfrm>
             <a:prstGeom prst="ellipse">
@@ -24223,7 +24223,7 @@
           </p:nvSpPr>
           <p:spPr>
             <a:xfrm>
-              <a:off x="1711485" y="3393013"/>
+              <a:off x="1967396" y="3393013"/>
               <a:ext cx="69977" cy="69977"/>
             </a:xfrm>
             <a:prstGeom prst="ellipse">
@@ -24258,7 +24258,7 @@
           </p:nvSpPr>
           <p:spPr>
             <a:xfrm>
-              <a:off x="1682493" y="3575864"/>
+              <a:off x="1916819" y="3575864"/>
               <a:ext cx="69977" cy="69977"/>
             </a:xfrm>
             <a:prstGeom prst="ellipse">
@@ -24293,7 +24293,7 @@
           </p:nvSpPr>
           <p:spPr>
             <a:xfrm>
-              <a:off x="1706274" y="3438726"/>
+              <a:off x="1958306" y="3438726"/>
               <a:ext cx="69977" cy="69977"/>
             </a:xfrm>
             <a:prstGeom prst="ellipse">
@@ -24328,7 +24328,7 @@
           </p:nvSpPr>
           <p:spPr>
             <a:xfrm>
-              <a:off x="1959398" y="3210162"/>
+              <a:off x="2399890" y="3210162"/>
               <a:ext cx="69977" cy="69977"/>
             </a:xfrm>
             <a:prstGeom prst="ellipse">
@@ -24363,7 +24363,7 @@
           </p:nvSpPr>
           <p:spPr>
             <a:xfrm>
-              <a:off x="1947296" y="3484439"/>
+              <a:off x="2378778" y="3484439"/>
               <a:ext cx="69977" cy="69977"/>
             </a:xfrm>
             <a:prstGeom prst="ellipse">
@@ -24398,7 +24398,7 @@
           </p:nvSpPr>
           <p:spPr>
             <a:xfrm>
-              <a:off x="1917744" y="3347300"/>
+              <a:off x="2327223" y="3347300"/>
               <a:ext cx="69977" cy="69977"/>
             </a:xfrm>
             <a:prstGeom prst="ellipse">
@@ -24433,7 +24433,7 @@
           </p:nvSpPr>
           <p:spPr>
             <a:xfrm>
-              <a:off x="1959095" y="3393013"/>
+              <a:off x="2399362" y="3393013"/>
               <a:ext cx="69977" cy="69977"/>
             </a:xfrm>
             <a:prstGeom prst="ellipse">
@@ -24468,7 +24468,7 @@
           </p:nvSpPr>
           <p:spPr>
             <a:xfrm>
-              <a:off x="1903980" y="3347300"/>
+              <a:off x="2303212" y="3347300"/>
               <a:ext cx="69977" cy="69977"/>
             </a:xfrm>
             <a:prstGeom prst="ellipse">
@@ -24503,7 +24503,7 @@
           </p:nvSpPr>
           <p:spPr>
             <a:xfrm>
-              <a:off x="1918003" y="3347300"/>
+              <a:off x="2327675" y="3347300"/>
               <a:ext cx="69977" cy="69977"/>
             </a:xfrm>
             <a:prstGeom prst="ellipse">
@@ -24538,7 +24538,7 @@
           </p:nvSpPr>
           <p:spPr>
             <a:xfrm>
-              <a:off x="1900495" y="3575864"/>
+              <a:off x="2297132" y="3575864"/>
               <a:ext cx="69977" cy="69977"/>
             </a:xfrm>
             <a:prstGeom prst="ellipse">
@@ -24573,7 +24573,7 @@
           </p:nvSpPr>
           <p:spPr>
             <a:xfrm>
-              <a:off x="1928386" y="3393013"/>
+              <a:off x="2345788" y="3393013"/>
               <a:ext cx="69977" cy="69977"/>
             </a:xfrm>
             <a:prstGeom prst="ellipse">
@@ -24608,7 +24608,7 @@
           </p:nvSpPr>
           <p:spPr>
             <a:xfrm>
-              <a:off x="1948592" y="3575864"/>
+              <a:off x="2381038" y="3575864"/>
               <a:ext cx="69977" cy="69977"/>
             </a:xfrm>
             <a:prstGeom prst="ellipse">
@@ -24643,7 +24643,7 @@
           </p:nvSpPr>
           <p:spPr>
             <a:xfrm>
-              <a:off x="1951034" y="3073024"/>
+              <a:off x="2385299" y="3073024"/>
               <a:ext cx="69977" cy="69977"/>
             </a:xfrm>
             <a:prstGeom prst="ellipse">
@@ -24678,7 +24678,7 @@
           </p:nvSpPr>
           <p:spPr>
             <a:xfrm>
-              <a:off x="1972175" y="3255875"/>
+              <a:off x="2422181" y="3255875"/>
               <a:ext cx="69977" cy="69977"/>
             </a:xfrm>
             <a:prstGeom prst="ellipse">
@@ -24713,7 +24713,7 @@
           </p:nvSpPr>
           <p:spPr>
             <a:xfrm>
-              <a:off x="1926917" y="3484439"/>
+              <a:off x="2343225" y="3484439"/>
               <a:ext cx="69977" cy="69977"/>
             </a:xfrm>
             <a:prstGeom prst="ellipse">
@@ -24748,7 +24748,7 @@
           </p:nvSpPr>
           <p:spPr>
             <a:xfrm>
-              <a:off x="1920856" y="3347300"/>
+              <a:off x="2332653" y="3347300"/>
               <a:ext cx="69977" cy="69977"/>
             </a:xfrm>
             <a:prstGeom prst="ellipse">
@@ -24783,7 +24783,7 @@
           </p:nvSpPr>
           <p:spPr>
             <a:xfrm>
-              <a:off x="1922545" y="3575864"/>
+              <a:off x="2335599" y="3575864"/>
               <a:ext cx="69977" cy="69977"/>
             </a:xfrm>
             <a:prstGeom prst="ellipse">
@@ -24818,7 +24818,7 @@
           </p:nvSpPr>
           <p:spPr>
             <a:xfrm>
-              <a:off x="1928221" y="3438726"/>
+              <a:off x="2345500" y="3438726"/>
               <a:ext cx="69977" cy="69977"/>
             </a:xfrm>
             <a:prstGeom prst="ellipse">
@@ -24853,7 +24853,7 @@
           </p:nvSpPr>
           <p:spPr>
             <a:xfrm>
-              <a:off x="1950805" y="3255875"/>
+              <a:off x="2384899" y="3255875"/>
               <a:ext cx="69977" cy="69977"/>
             </a:xfrm>
             <a:prstGeom prst="ellipse">
@@ -24888,7 +24888,7 @@
           </p:nvSpPr>
           <p:spPr>
             <a:xfrm>
-              <a:off x="1899388" y="3347300"/>
+              <a:off x="2295201" y="3347300"/>
               <a:ext cx="69977" cy="69977"/>
             </a:xfrm>
             <a:prstGeom prst="ellipse">
@@ -24923,7 +24923,7 @@
           </p:nvSpPr>
           <p:spPr>
             <a:xfrm>
-              <a:off x="1897897" y="2981598"/>
+              <a:off x="2292599" y="2981598"/>
               <a:ext cx="69977" cy="69977"/>
             </a:xfrm>
             <a:prstGeom prst="ellipse">
@@ -24958,7 +24958,7 @@
           </p:nvSpPr>
           <p:spPr>
             <a:xfrm>
-              <a:off x="1948003" y="3530152"/>
+              <a:off x="2380011" y="3530152"/>
               <a:ext cx="69977" cy="69977"/>
             </a:xfrm>
             <a:prstGeom prst="ellipse">
@@ -24993,7 +24993,7 @@
           </p:nvSpPr>
           <p:spPr>
             <a:xfrm>
-              <a:off x="1955359" y="3713003"/>
+              <a:off x="2392844" y="3713003"/>
               <a:ext cx="69977" cy="69977"/>
             </a:xfrm>
             <a:prstGeom prst="ellipse">
@@ -25028,7 +25028,7 @@
           </p:nvSpPr>
           <p:spPr>
             <a:xfrm>
-              <a:off x="1898257" y="3255875"/>
+              <a:off x="2293228" y="3255875"/>
               <a:ext cx="69977" cy="69977"/>
             </a:xfrm>
             <a:prstGeom prst="ellipse">
@@ -25063,7 +25063,7 @@
           </p:nvSpPr>
           <p:spPr>
             <a:xfrm>
-              <a:off x="1915241" y="3438726"/>
+              <a:off x="2322856" y="3438726"/>
               <a:ext cx="69977" cy="69977"/>
             </a:xfrm>
             <a:prstGeom prst="ellipse">
@@ -25098,7 +25098,7 @@
           </p:nvSpPr>
           <p:spPr>
             <a:xfrm>
-              <a:off x="1915644" y="3438726"/>
+              <a:off x="2323559" y="3438726"/>
               <a:ext cx="69977" cy="69977"/>
             </a:xfrm>
             <a:prstGeom prst="ellipse">
@@ -25133,7 +25133,7 @@
           </p:nvSpPr>
           <p:spPr>
             <a:xfrm>
-              <a:off x="1954813" y="3484439"/>
+              <a:off x="2391891" y="3484439"/>
               <a:ext cx="69977" cy="69977"/>
             </a:xfrm>
             <a:prstGeom prst="ellipse">
@@ -25168,7 +25168,7 @@
           </p:nvSpPr>
           <p:spPr>
             <a:xfrm>
-              <a:off x="1906442" y="3210162"/>
+              <a:off x="2307506" y="3210162"/>
               <a:ext cx="69977" cy="69977"/>
             </a:xfrm>
             <a:prstGeom prst="ellipse">
@@ -25203,7 +25203,7 @@
           </p:nvSpPr>
           <p:spPr>
             <a:xfrm>
-              <a:off x="1933076" y="3255875"/>
+              <a:off x="2353970" y="3255875"/>
               <a:ext cx="69977" cy="69977"/>
             </a:xfrm>
             <a:prstGeom prst="ellipse">
@@ -25238,7 +25238,7 @@
           </p:nvSpPr>
           <p:spPr>
             <a:xfrm>
-              <a:off x="1976294" y="3438726"/>
+              <a:off x="2429367" y="3438726"/>
               <a:ext cx="69977" cy="69977"/>
             </a:xfrm>
             <a:prstGeom prst="ellipse">
@@ -25273,7 +25273,7 @@
           </p:nvSpPr>
           <p:spPr>
             <a:xfrm>
-              <a:off x="1921583" y="3347300"/>
+              <a:off x="2333920" y="3347300"/>
               <a:ext cx="69977" cy="69977"/>
             </a:xfrm>
             <a:prstGeom prst="ellipse">
@@ -25308,7 +25308,7 @@
           </p:nvSpPr>
           <p:spPr>
             <a:xfrm>
-              <a:off x="1924751" y="3438726"/>
+              <a:off x="2339447" y="3438726"/>
               <a:ext cx="69977" cy="69977"/>
             </a:xfrm>
             <a:prstGeom prst="ellipse">
@@ -25343,7 +25343,7 @@
           </p:nvSpPr>
           <p:spPr>
             <a:xfrm>
-              <a:off x="1975981" y="3347300"/>
+              <a:off x="2428821" y="3347300"/>
               <a:ext cx="69977" cy="69977"/>
             </a:xfrm>
             <a:prstGeom prst="ellipse">
@@ -25378,7 +25378,7 @@
           </p:nvSpPr>
           <p:spPr>
             <a:xfrm>
-              <a:off x="1917803" y="3438726"/>
+              <a:off x="2327327" y="3438726"/>
               <a:ext cx="69977" cy="69977"/>
             </a:xfrm>
             <a:prstGeom prst="ellipse">
@@ -25413,7 +25413,7 @@
           </p:nvSpPr>
           <p:spPr>
             <a:xfrm>
-              <a:off x="1963123" y="2981598"/>
+              <a:off x="2406388" y="2981598"/>
               <a:ext cx="69977" cy="69977"/>
             </a:xfrm>
             <a:prstGeom prst="ellipse">
@@ -25448,7 +25448,7 @@
           </p:nvSpPr>
           <p:spPr>
             <a:xfrm>
-              <a:off x="1969832" y="3438726"/>
+              <a:off x="2418093" y="3438726"/>
               <a:ext cx="69977" cy="69977"/>
             </a:xfrm>
             <a:prstGeom prst="ellipse">
@@ -25483,7 +25483,7 @@
           </p:nvSpPr>
           <p:spPr>
             <a:xfrm>
-              <a:off x="1926639" y="3438726"/>
+              <a:off x="2342741" y="3438726"/>
               <a:ext cx="69977" cy="69977"/>
             </a:xfrm>
             <a:prstGeom prst="ellipse">
@@ -25518,7 +25518,7 @@
           </p:nvSpPr>
           <p:spPr>
             <a:xfrm>
-              <a:off x="1942459" y="3530152"/>
+              <a:off x="2370339" y="3530152"/>
               <a:ext cx="69977" cy="69977"/>
             </a:xfrm>
             <a:prstGeom prst="ellipse">
@@ -25553,7 +25553,7 @@
           </p:nvSpPr>
           <p:spPr>
             <a:xfrm>
-              <a:off x="1969380" y="3347300"/>
+              <a:off x="2417303" y="3347300"/>
               <a:ext cx="69977" cy="69977"/>
             </a:xfrm>
             <a:prstGeom prst="ellipse">
@@ -25588,7 +25588,7 @@
           </p:nvSpPr>
           <p:spPr>
             <a:xfrm>
-              <a:off x="1919974" y="3164449"/>
+              <a:off x="2331113" y="3164449"/>
               <a:ext cx="69977" cy="69977"/>
             </a:xfrm>
             <a:prstGeom prst="ellipse">
@@ -25623,7 +25623,7 @@
           </p:nvSpPr>
           <p:spPr>
             <a:xfrm>
-              <a:off x="1975039" y="3301588"/>
+              <a:off x="2427176" y="3301588"/>
               <a:ext cx="69977" cy="69977"/>
             </a:xfrm>
             <a:prstGeom prst="ellipse">
@@ -25658,7 +25658,7 @@
           </p:nvSpPr>
           <p:spPr>
             <a:xfrm>
-              <a:off x="1933995" y="3347300"/>
+              <a:off x="2355573" y="3347300"/>
               <a:ext cx="69977" cy="69977"/>
             </a:xfrm>
             <a:prstGeom prst="ellipse">
@@ -25693,7 +25693,7 @@
           </p:nvSpPr>
           <p:spPr>
             <a:xfrm>
-              <a:off x="1952141" y="3301588"/>
+              <a:off x="2387230" y="3301588"/>
               <a:ext cx="69977" cy="69977"/>
             </a:xfrm>
             <a:prstGeom prst="ellipse">
@@ -25728,7 +25728,7 @@
           </p:nvSpPr>
           <p:spPr>
             <a:xfrm>
-              <a:off x="1902187" y="3301588"/>
+              <a:off x="2300084" y="3301588"/>
               <a:ext cx="69977" cy="69977"/>
             </a:xfrm>
             <a:prstGeom prst="ellipse">
@@ -25763,7 +25763,7 @@
           </p:nvSpPr>
           <p:spPr>
             <a:xfrm>
-              <a:off x="1943895" y="3301588"/>
+              <a:off x="2372845" y="3301588"/>
               <a:ext cx="69977" cy="69977"/>
             </a:xfrm>
             <a:prstGeom prst="ellipse">
@@ -25798,7 +25798,7 @@
           </p:nvSpPr>
           <p:spPr>
             <a:xfrm>
-              <a:off x="1962676" y="3484439"/>
+              <a:off x="2405610" y="3484439"/>
               <a:ext cx="69977" cy="69977"/>
             </a:xfrm>
             <a:prstGeom prst="ellipse">
@@ -25833,7 +25833,7 @@
           </p:nvSpPr>
           <p:spPr>
             <a:xfrm>
-              <a:off x="1971180" y="3255875"/>
+              <a:off x="2420445" y="3255875"/>
               <a:ext cx="69977" cy="69977"/>
             </a:xfrm>
             <a:prstGeom prst="ellipse">
@@ -25868,7 +25868,7 @@
           </p:nvSpPr>
           <p:spPr>
             <a:xfrm>
-              <a:off x="1950261" y="3210162"/>
+              <a:off x="2383951" y="3210162"/>
               <a:ext cx="69977" cy="69977"/>
             </a:xfrm>
             <a:prstGeom prst="ellipse">
@@ -25903,7 +25903,7 @@
           </p:nvSpPr>
           <p:spPr>
             <a:xfrm>
-              <a:off x="1905052" y="3347300"/>
+              <a:off x="2305081" y="3347300"/>
               <a:ext cx="69977" cy="69977"/>
             </a:xfrm>
             <a:prstGeom prst="ellipse">
@@ -25938,7 +25938,7 @@
           </p:nvSpPr>
           <p:spPr>
             <a:xfrm>
-              <a:off x="1966406" y="3575864"/>
+              <a:off x="2412115" y="3575864"/>
               <a:ext cx="69977" cy="69977"/>
             </a:xfrm>
             <a:prstGeom prst="ellipse">
@@ -25973,7 +25973,7 @@
           </p:nvSpPr>
           <p:spPr>
             <a:xfrm>
-              <a:off x="1940932" y="3347300"/>
+              <a:off x="2367675" y="3347300"/>
               <a:ext cx="69977" cy="69977"/>
             </a:xfrm>
             <a:prstGeom prst="ellipse">
@@ -26008,7 +26008,7 @@
           </p:nvSpPr>
           <p:spPr>
             <a:xfrm>
-              <a:off x="1919347" y="3164449"/>
+              <a:off x="2330020" y="3164449"/>
               <a:ext cx="69977" cy="69977"/>
             </a:xfrm>
             <a:prstGeom prst="ellipse">
@@ -26043,7 +26043,7 @@
           </p:nvSpPr>
           <p:spPr>
             <a:xfrm>
-              <a:off x="1939789" y="3347300"/>
+              <a:off x="2365681" y="3347300"/>
               <a:ext cx="69977" cy="69977"/>
             </a:xfrm>
             <a:prstGeom prst="ellipse">
@@ -26078,21 +26078,21 @@
           </p:nvSpPr>
           <p:spPr>
             <a:xfrm>
-              <a:off x="2411177" y="2278121"/>
-              <a:ext cx="698466" cy="0"/>
+              <a:off x="2931213" y="2278121"/>
+              <a:ext cx="1218501" cy="0"/>
             </a:xfrm>
             <a:custGeom>
               <a:avLst/>
               <a:pathLst>
-                <a:path w="698466" h="0">
+                <a:path w="1218501" h="0">
                   <a:moveTo>
                     <a:pt x="0" y="0"/>
                   </a:moveTo>
                   <a:lnTo>
-                    <a:pt x="698466" y="0"/>
-                  </a:lnTo>
-                  <a:lnTo>
-                    <a:pt x="698466" y="0"/>
+                    <a:pt x="1218501" y="0"/>
+                  </a:lnTo>
+                  <a:lnTo>
+                    <a:pt x="1218501" y="0"/>
                   </a:lnTo>
                 </a:path>
               </a:pathLst>
@@ -26121,21 +26121,21 @@
           </p:nvSpPr>
           <p:spPr>
             <a:xfrm>
-              <a:off x="2411177" y="2049557"/>
-              <a:ext cx="698466" cy="0"/>
+              <a:off x="2931213" y="2049557"/>
+              <a:ext cx="1218501" cy="0"/>
             </a:xfrm>
             <a:custGeom>
               <a:avLst/>
               <a:pathLst>
-                <a:path w="698466" h="0">
+                <a:path w="1218501" h="0">
                   <a:moveTo>
                     <a:pt x="0" y="0"/>
                   </a:moveTo>
                   <a:lnTo>
-                    <a:pt x="698466" y="0"/>
-                  </a:lnTo>
-                  <a:lnTo>
-                    <a:pt x="698466" y="0"/>
+                    <a:pt x="1218501" y="0"/>
+                  </a:lnTo>
+                  <a:lnTo>
+                    <a:pt x="1218501" y="0"/>
                   </a:lnTo>
                 </a:path>
               </a:pathLst>
@@ -26164,21 +26164,21 @@
           </p:nvSpPr>
           <p:spPr>
             <a:xfrm>
-              <a:off x="2411177" y="1820993"/>
-              <a:ext cx="698466" cy="0"/>
+              <a:off x="2931213" y="1820993"/>
+              <a:ext cx="1218501" cy="0"/>
             </a:xfrm>
             <a:custGeom>
               <a:avLst/>
               <a:pathLst>
-                <a:path w="698466" h="0">
+                <a:path w="1218501" h="0">
                   <a:moveTo>
                     <a:pt x="0" y="0"/>
                   </a:moveTo>
                   <a:lnTo>
-                    <a:pt x="698466" y="0"/>
-                  </a:lnTo>
-                  <a:lnTo>
-                    <a:pt x="698466" y="0"/>
+                    <a:pt x="1218501" y="0"/>
+                  </a:lnTo>
+                  <a:lnTo>
+                    <a:pt x="1218501" y="0"/>
                   </a:lnTo>
                 </a:path>
               </a:pathLst>
@@ -26207,21 +26207,21 @@
           </p:nvSpPr>
           <p:spPr>
             <a:xfrm>
-              <a:off x="2411177" y="1592429"/>
-              <a:ext cx="698466" cy="0"/>
+              <a:off x="2931213" y="1592429"/>
+              <a:ext cx="1218501" cy="0"/>
             </a:xfrm>
             <a:custGeom>
               <a:avLst/>
               <a:pathLst>
-                <a:path w="698466" h="0">
+                <a:path w="1218501" h="0">
                   <a:moveTo>
                     <a:pt x="0" y="0"/>
                   </a:moveTo>
                   <a:lnTo>
-                    <a:pt x="698466" y="0"/>
-                  </a:lnTo>
-                  <a:lnTo>
-                    <a:pt x="698466" y="0"/>
+                    <a:pt x="1218501" y="0"/>
+                  </a:lnTo>
+                  <a:lnTo>
+                    <a:pt x="1218501" y="0"/>
                   </a:lnTo>
                 </a:path>
               </a:pathLst>
@@ -26250,21 +26250,21 @@
           </p:nvSpPr>
           <p:spPr>
             <a:xfrm>
-              <a:off x="2411177" y="1363865"/>
-              <a:ext cx="698466" cy="0"/>
+              <a:off x="2931213" y="1363865"/>
+              <a:ext cx="1218501" cy="0"/>
             </a:xfrm>
             <a:custGeom>
               <a:avLst/>
               <a:pathLst>
-                <a:path w="698466" h="0">
+                <a:path w="1218501" h="0">
                   <a:moveTo>
                     <a:pt x="0" y="0"/>
                   </a:moveTo>
                   <a:lnTo>
-                    <a:pt x="698466" y="0"/>
-                  </a:lnTo>
-                  <a:lnTo>
-                    <a:pt x="698466" y="0"/>
+                    <a:pt x="1218501" y="0"/>
+                  </a:lnTo>
+                  <a:lnTo>
+                    <a:pt x="1218501" y="0"/>
                   </a:lnTo>
                 </a:path>
               </a:pathLst>
@@ -26293,21 +26293,21 @@
           </p:nvSpPr>
           <p:spPr>
             <a:xfrm>
-              <a:off x="2411177" y="2392403"/>
-              <a:ext cx="698466" cy="0"/>
+              <a:off x="2931213" y="2392403"/>
+              <a:ext cx="1218501" cy="0"/>
             </a:xfrm>
             <a:custGeom>
               <a:avLst/>
               <a:pathLst>
-                <a:path w="698466" h="0">
+                <a:path w="1218501" h="0">
                   <a:moveTo>
                     <a:pt x="0" y="0"/>
                   </a:moveTo>
                   <a:lnTo>
-                    <a:pt x="698466" y="0"/>
-                  </a:lnTo>
-                  <a:lnTo>
-                    <a:pt x="698466" y="0"/>
+                    <a:pt x="1218501" y="0"/>
+                  </a:lnTo>
+                  <a:lnTo>
+                    <a:pt x="1218501" y="0"/>
                   </a:lnTo>
                 </a:path>
               </a:pathLst>
@@ -26336,21 +26336,21 @@
           </p:nvSpPr>
           <p:spPr>
             <a:xfrm>
-              <a:off x="2411177" y="2163839"/>
-              <a:ext cx="698466" cy="0"/>
+              <a:off x="2931213" y="2163839"/>
+              <a:ext cx="1218501" cy="0"/>
             </a:xfrm>
             <a:custGeom>
               <a:avLst/>
               <a:pathLst>
-                <a:path w="698466" h="0">
+                <a:path w="1218501" h="0">
                   <a:moveTo>
                     <a:pt x="0" y="0"/>
                   </a:moveTo>
                   <a:lnTo>
-                    <a:pt x="698466" y="0"/>
-                  </a:lnTo>
-                  <a:lnTo>
-                    <a:pt x="698466" y="0"/>
+                    <a:pt x="1218501" y="0"/>
+                  </a:lnTo>
+                  <a:lnTo>
+                    <a:pt x="1218501" y="0"/>
                   </a:lnTo>
                 </a:path>
               </a:pathLst>
@@ -26379,21 +26379,21 @@
           </p:nvSpPr>
           <p:spPr>
             <a:xfrm>
-              <a:off x="2411177" y="1935275"/>
-              <a:ext cx="698466" cy="0"/>
+              <a:off x="2931213" y="1935275"/>
+              <a:ext cx="1218501" cy="0"/>
             </a:xfrm>
             <a:custGeom>
               <a:avLst/>
               <a:pathLst>
-                <a:path w="698466" h="0">
+                <a:path w="1218501" h="0">
                   <a:moveTo>
                     <a:pt x="0" y="0"/>
                   </a:moveTo>
                   <a:lnTo>
-                    <a:pt x="698466" y="0"/>
-                  </a:lnTo>
-                  <a:lnTo>
-                    <a:pt x="698466" y="0"/>
+                    <a:pt x="1218501" y="0"/>
+                  </a:lnTo>
+                  <a:lnTo>
+                    <a:pt x="1218501" y="0"/>
                   </a:lnTo>
                 </a:path>
               </a:pathLst>
@@ -26422,21 +26422,21 @@
           </p:nvSpPr>
           <p:spPr>
             <a:xfrm>
-              <a:off x="2411177" y="1706711"/>
-              <a:ext cx="698466" cy="0"/>
+              <a:off x="2931213" y="1706711"/>
+              <a:ext cx="1218501" cy="0"/>
             </a:xfrm>
             <a:custGeom>
               <a:avLst/>
               <a:pathLst>
-                <a:path w="698466" h="0">
+                <a:path w="1218501" h="0">
                   <a:moveTo>
                     <a:pt x="0" y="0"/>
                   </a:moveTo>
                   <a:lnTo>
-                    <a:pt x="698466" y="0"/>
-                  </a:lnTo>
-                  <a:lnTo>
-                    <a:pt x="698466" y="0"/>
+                    <a:pt x="1218501" y="0"/>
+                  </a:lnTo>
+                  <a:lnTo>
+                    <a:pt x="1218501" y="0"/>
                   </a:lnTo>
                 </a:path>
               </a:pathLst>
@@ -26465,21 +26465,21 @@
           </p:nvSpPr>
           <p:spPr>
             <a:xfrm>
-              <a:off x="2411177" y="1478147"/>
-              <a:ext cx="698466" cy="0"/>
+              <a:off x="2931213" y="1478147"/>
+              <a:ext cx="1218501" cy="0"/>
             </a:xfrm>
             <a:custGeom>
               <a:avLst/>
               <a:pathLst>
-                <a:path w="698466" h="0">
+                <a:path w="1218501" h="0">
                   <a:moveTo>
                     <a:pt x="0" y="0"/>
                   </a:moveTo>
                   <a:lnTo>
-                    <a:pt x="698466" y="0"/>
-                  </a:lnTo>
-                  <a:lnTo>
-                    <a:pt x="698466" y="0"/>
+                    <a:pt x="1218501" y="0"/>
+                  </a:lnTo>
+                  <a:lnTo>
+                    <a:pt x="1218501" y="0"/>
                   </a:lnTo>
                 </a:path>
               </a:pathLst>
@@ -26508,21 +26508,21 @@
           </p:nvSpPr>
           <p:spPr>
             <a:xfrm>
-              <a:off x="2411177" y="1249583"/>
-              <a:ext cx="698466" cy="0"/>
+              <a:off x="2931213" y="1249583"/>
+              <a:ext cx="1218501" cy="0"/>
             </a:xfrm>
             <a:custGeom>
               <a:avLst/>
               <a:pathLst>
-                <a:path w="698466" h="0">
+                <a:path w="1218501" h="0">
                   <a:moveTo>
                     <a:pt x="0" y="0"/>
                   </a:moveTo>
                   <a:lnTo>
-                    <a:pt x="698466" y="0"/>
-                  </a:lnTo>
-                  <a:lnTo>
-                    <a:pt x="698466" y="0"/>
+                    <a:pt x="1218501" y="0"/>
+                  </a:lnTo>
+                  <a:lnTo>
+                    <a:pt x="1218501" y="0"/>
                   </a:lnTo>
                 </a:path>
               </a:pathLst>
@@ -26551,7 +26551,7 @@
           </p:nvSpPr>
           <p:spPr>
             <a:xfrm>
-              <a:off x="2542140" y="1194728"/>
+              <a:off x="3159682" y="1194728"/>
               <a:ext cx="0" cy="1206817"/>
             </a:xfrm>
             <a:custGeom>
@@ -26594,7 +26594,7 @@
           </p:nvSpPr>
           <p:spPr>
             <a:xfrm>
-              <a:off x="2760411" y="1194728"/>
+              <a:off x="3540464" y="1194728"/>
               <a:ext cx="0" cy="1206817"/>
             </a:xfrm>
             <a:custGeom>
@@ -26637,7 +26637,7 @@
           </p:nvSpPr>
           <p:spPr>
             <a:xfrm>
-              <a:off x="2978681" y="1194728"/>
+              <a:off x="3921246" y="1194728"/>
               <a:ext cx="0" cy="1206817"/>
             </a:xfrm>
             <a:custGeom>
@@ -26680,7 +26680,7 @@
           </p:nvSpPr>
           <p:spPr>
             <a:xfrm>
-              <a:off x="2542140" y="2209552"/>
+              <a:off x="3159682" y="2209552"/>
               <a:ext cx="0" cy="45712"/>
             </a:xfrm>
             <a:custGeom>
@@ -26720,7 +26720,7 @@
           </p:nvSpPr>
           <p:spPr>
             <a:xfrm>
-              <a:off x="2542140" y="2300977"/>
+              <a:off x="3159682" y="2300977"/>
               <a:ext cx="0" cy="45712"/>
             </a:xfrm>
             <a:custGeom>
@@ -26760,13 +26760,13 @@
           </p:nvSpPr>
           <p:spPr>
             <a:xfrm>
-              <a:off x="2460288" y="2255265"/>
-              <a:ext cx="163703" cy="45712"/>
+              <a:off x="3016889" y="2255265"/>
+              <a:ext cx="285586" cy="45712"/>
             </a:xfrm>
             <a:custGeom>
               <a:avLst/>
               <a:pathLst>
-                <a:path w="163703" h="45712">
+                <a:path w="285586" h="45712">
                   <a:moveTo>
                     <a:pt x="0" y="0"/>
                   </a:moveTo>
@@ -26774,10 +26774,10 @@
                     <a:pt x="0" y="45712"/>
                   </a:lnTo>
                   <a:lnTo>
-                    <a:pt x="163703" y="45712"/>
-                  </a:lnTo>
-                  <a:lnTo>
-                    <a:pt x="163703" y="0"/>
+                    <a:pt x="285586" y="45712"/>
+                  </a:lnTo>
+                  <a:lnTo>
+                    <a:pt x="285586" y="0"/>
                   </a:lnTo>
                   <a:close/>
                 </a:path>
@@ -26812,18 +26812,18 @@
           </p:nvSpPr>
           <p:spPr>
             <a:xfrm>
-              <a:off x="2460288" y="2300977"/>
-              <a:ext cx="163703" cy="0"/>
+              <a:off x="3016889" y="2300977"/>
+              <a:ext cx="285586" cy="0"/>
             </a:xfrm>
             <a:custGeom>
               <a:avLst/>
               <a:pathLst>
-                <a:path w="163703" h="0">
+                <a:path w="285586" h="0">
                   <a:moveTo>
                     <a:pt x="0" y="0"/>
                   </a:moveTo>
                   <a:lnTo>
-                    <a:pt x="163703" y="0"/>
+                    <a:pt x="285586" y="0"/>
                   </a:lnTo>
                 </a:path>
               </a:pathLst>
@@ -26852,7 +26852,7 @@
           </p:nvSpPr>
           <p:spPr>
             <a:xfrm>
-              <a:off x="2760411" y="1569573"/>
+              <a:off x="3540464" y="1569573"/>
               <a:ext cx="0" cy="137138"/>
             </a:xfrm>
             <a:custGeom>
@@ -26892,7 +26892,7 @@
           </p:nvSpPr>
           <p:spPr>
             <a:xfrm>
-              <a:off x="2760411" y="1843850"/>
+              <a:off x="3540464" y="1843850"/>
               <a:ext cx="0" cy="91425"/>
             </a:xfrm>
             <a:custGeom>
@@ -26932,13 +26932,13 @@
           </p:nvSpPr>
           <p:spPr>
             <a:xfrm>
-              <a:off x="2678559" y="1706711"/>
-              <a:ext cx="163703" cy="137138"/>
+              <a:off x="3397671" y="1706711"/>
+              <a:ext cx="285586" cy="137138"/>
             </a:xfrm>
             <a:custGeom>
               <a:avLst/>
               <a:pathLst>
-                <a:path w="163703" h="137138">
+                <a:path w="285586" h="137138">
                   <a:moveTo>
                     <a:pt x="0" y="0"/>
                   </a:moveTo>
@@ -26946,10 +26946,10 @@
                     <a:pt x="0" y="137138"/>
                   </a:lnTo>
                   <a:lnTo>
-                    <a:pt x="163703" y="137138"/>
-                  </a:lnTo>
-                  <a:lnTo>
-                    <a:pt x="163703" y="0"/>
+                    <a:pt x="285586" y="137138"/>
+                  </a:lnTo>
+                  <a:lnTo>
+                    <a:pt x="285586" y="0"/>
                   </a:lnTo>
                   <a:close/>
                 </a:path>
@@ -26984,18 +26984,18 @@
           </p:nvSpPr>
           <p:spPr>
             <a:xfrm>
-              <a:off x="2678559" y="1798137"/>
-              <a:ext cx="163703" cy="0"/>
+              <a:off x="3397671" y="1798137"/>
+              <a:ext cx="285586" cy="0"/>
             </a:xfrm>
             <a:custGeom>
               <a:avLst/>
               <a:pathLst>
-                <a:path w="163703" h="0">
+                <a:path w="285586" h="0">
                   <a:moveTo>
                     <a:pt x="0" y="0"/>
                   </a:moveTo>
                   <a:lnTo>
-                    <a:pt x="163703" y="0"/>
+                    <a:pt x="285586" y="0"/>
                   </a:lnTo>
                 </a:path>
               </a:pathLst>
@@ -27024,7 +27024,7 @@
           </p:nvSpPr>
           <p:spPr>
             <a:xfrm>
-              <a:off x="2978681" y="1249583"/>
+              <a:off x="3921246" y="1249583"/>
               <a:ext cx="0" cy="91425"/>
             </a:xfrm>
             <a:custGeom>
@@ -27064,7 +27064,7 @@
           </p:nvSpPr>
           <p:spPr>
             <a:xfrm>
-              <a:off x="2978681" y="1569573"/>
+              <a:off x="3921246" y="1569573"/>
               <a:ext cx="0" cy="182851"/>
             </a:xfrm>
             <a:custGeom>
@@ -27104,13 +27104,13 @@
           </p:nvSpPr>
           <p:spPr>
             <a:xfrm>
-              <a:off x="2896830" y="1341009"/>
-              <a:ext cx="163703" cy="228563"/>
+              <a:off x="3778453" y="1341009"/>
+              <a:ext cx="285586" cy="228563"/>
             </a:xfrm>
             <a:custGeom>
               <a:avLst/>
               <a:pathLst>
-                <a:path w="163703" h="228563">
+                <a:path w="285586" h="228563">
                   <a:moveTo>
                     <a:pt x="0" y="0"/>
                   </a:moveTo>
@@ -27118,10 +27118,10 @@
                     <a:pt x="0" y="228563"/>
                   </a:lnTo>
                   <a:lnTo>
-                    <a:pt x="163703" y="228563"/>
-                  </a:lnTo>
-                  <a:lnTo>
-                    <a:pt x="163703" y="0"/>
+                    <a:pt x="285586" y="228563"/>
+                  </a:lnTo>
+                  <a:lnTo>
+                    <a:pt x="285586" y="0"/>
                   </a:lnTo>
                   <a:close/>
                 </a:path>
@@ -27156,18 +27156,18 @@
           </p:nvSpPr>
           <p:spPr>
             <a:xfrm>
-              <a:off x="2896830" y="1478147"/>
-              <a:ext cx="163703" cy="0"/>
+              <a:off x="3778453" y="1478147"/>
+              <a:ext cx="285586" cy="0"/>
             </a:xfrm>
             <a:custGeom>
               <a:avLst/>
               <a:pathLst>
-                <a:path w="163703" h="0">
+                <a:path w="285586" h="0">
                   <a:moveTo>
                     <a:pt x="0" y="0"/>
                   </a:moveTo>
                   <a:lnTo>
-                    <a:pt x="163703" y="0"/>
+                    <a:pt x="285586" y="0"/>
                   </a:lnTo>
                 </a:path>
               </a:pathLst>
@@ -27196,7 +27196,7 @@
           </p:nvSpPr>
           <p:spPr>
             <a:xfrm>
-              <a:off x="2490368" y="2265988"/>
+              <a:off x="3095415" y="2265988"/>
               <a:ext cx="69977" cy="69977"/>
             </a:xfrm>
             <a:prstGeom prst="ellipse">
@@ -27231,7 +27231,7 @@
           </p:nvSpPr>
           <p:spPr>
             <a:xfrm>
-              <a:off x="2532983" y="2265988"/>
+              <a:off x="3169758" y="2265988"/>
               <a:ext cx="69977" cy="69977"/>
             </a:xfrm>
             <a:prstGeom prst="ellipse">
@@ -27266,7 +27266,7 @@
           </p:nvSpPr>
           <p:spPr>
             <a:xfrm>
-              <a:off x="2543926" y="2265988"/>
+              <a:off x="3188848" y="2265988"/>
               <a:ext cx="69977" cy="69977"/>
             </a:xfrm>
             <a:prstGeom prst="ellipse">
@@ -27301,7 +27301,7 @@
           </p:nvSpPr>
           <p:spPr>
             <a:xfrm>
-              <a:off x="2546622" y="2265988"/>
+              <a:off x="3193552" y="2265988"/>
               <a:ext cx="69977" cy="69977"/>
             </a:xfrm>
             <a:prstGeom prst="ellipse">
@@ -27336,7 +27336,7 @@
           </p:nvSpPr>
           <p:spPr>
             <a:xfrm>
-              <a:off x="2495141" y="2265988"/>
+              <a:off x="3103741" y="2265988"/>
               <a:ext cx="69977" cy="69977"/>
             </a:xfrm>
             <a:prstGeom prst="ellipse">
@@ -27371,7 +27371,7 @@
           </p:nvSpPr>
           <p:spPr>
             <a:xfrm>
-              <a:off x="2516456" y="2174563"/>
+              <a:off x="3140926" y="2174563"/>
               <a:ext cx="69977" cy="69977"/>
             </a:xfrm>
             <a:prstGeom prst="ellipse">
@@ -27406,7 +27406,7 @@
           </p:nvSpPr>
           <p:spPr>
             <a:xfrm>
-              <a:off x="2538590" y="2220276"/>
+              <a:off x="3179541" y="2220276"/>
               <a:ext cx="69977" cy="69977"/>
             </a:xfrm>
             <a:prstGeom prst="ellipse">
@@ -27441,7 +27441,7 @@
           </p:nvSpPr>
           <p:spPr>
             <a:xfrm>
-              <a:off x="2542280" y="2265988"/>
+              <a:off x="3185978" y="2265988"/>
               <a:ext cx="69977" cy="69977"/>
             </a:xfrm>
             <a:prstGeom prst="ellipse">
@@ -27476,7 +27476,7 @@
           </p:nvSpPr>
           <p:spPr>
             <a:xfrm>
-              <a:off x="2535479" y="2265988"/>
+              <a:off x="3174112" y="2265988"/>
               <a:ext cx="69977" cy="69977"/>
             </a:xfrm>
             <a:prstGeom prst="ellipse">
@@ -27511,7 +27511,7 @@
           </p:nvSpPr>
           <p:spPr>
             <a:xfrm>
-              <a:off x="2549933" y="2311701"/>
+              <a:off x="3199327" y="2311701"/>
               <a:ext cx="69977" cy="69977"/>
             </a:xfrm>
             <a:prstGeom prst="ellipse">
@@ -27546,7 +27546,7 @@
           </p:nvSpPr>
           <p:spPr>
             <a:xfrm>
-              <a:off x="2508076" y="2265988"/>
+              <a:off x="3126307" y="2265988"/>
               <a:ext cx="69977" cy="69977"/>
             </a:xfrm>
             <a:prstGeom prst="ellipse">
@@ -27581,7 +27581,7 @@
           </p:nvSpPr>
           <p:spPr>
             <a:xfrm>
-              <a:off x="2472496" y="2265988"/>
+              <a:off x="3064236" y="2265988"/>
               <a:ext cx="69977" cy="69977"/>
             </a:xfrm>
             <a:prstGeom prst="ellipse">
@@ -27616,7 +27616,7 @@
           </p:nvSpPr>
           <p:spPr>
             <a:xfrm>
-              <a:off x="2542438" y="2311701"/>
+              <a:off x="3186254" y="2311701"/>
               <a:ext cx="69977" cy="69977"/>
             </a:xfrm>
             <a:prstGeom prst="ellipse">
@@ -27651,7 +27651,7 @@
           </p:nvSpPr>
           <p:spPr>
             <a:xfrm>
-              <a:off x="2466822" y="2311701"/>
+              <a:off x="3054338" y="2311701"/>
               <a:ext cx="69977" cy="69977"/>
             </a:xfrm>
             <a:prstGeom prst="ellipse">
@@ -27686,7 +27686,7 @@
           </p:nvSpPr>
           <p:spPr>
             <a:xfrm>
-              <a:off x="2470824" y="2265988"/>
+              <a:off x="3061319" y="2265988"/>
               <a:ext cx="69977" cy="69977"/>
             </a:xfrm>
             <a:prstGeom prst="ellipse">
@@ -27721,7 +27721,7 @@
           </p:nvSpPr>
           <p:spPr>
             <a:xfrm>
-              <a:off x="2495779" y="2174563"/>
+              <a:off x="3104855" y="2174563"/>
               <a:ext cx="69977" cy="69977"/>
             </a:xfrm>
             <a:prstGeom prst="ellipse">
@@ -27756,7 +27756,7 @@
           </p:nvSpPr>
           <p:spPr>
             <a:xfrm>
-              <a:off x="2490227" y="2174563"/>
+              <a:off x="3095168" y="2174563"/>
               <a:ext cx="69977" cy="69977"/>
             </a:xfrm>
             <a:prstGeom prst="ellipse">
@@ -27791,7 +27791,7 @@
           </p:nvSpPr>
           <p:spPr>
             <a:xfrm>
-              <a:off x="2510225" y="2220276"/>
+              <a:off x="3130056" y="2220276"/>
               <a:ext cx="69977" cy="69977"/>
             </a:xfrm>
             <a:prstGeom prst="ellipse">
@@ -27826,7 +27826,7 @@
           </p:nvSpPr>
           <p:spPr>
             <a:xfrm>
-              <a:off x="2534674" y="2220276"/>
+              <a:off x="3172709" y="2220276"/>
               <a:ext cx="69977" cy="69977"/>
             </a:xfrm>
             <a:prstGeom prst="ellipse">
@@ -27861,7 +27861,7 @@
           </p:nvSpPr>
           <p:spPr>
             <a:xfrm>
-              <a:off x="2482193" y="2220276"/>
+              <a:off x="3081154" y="2220276"/>
               <a:ext cx="69977" cy="69977"/>
             </a:xfrm>
             <a:prstGeom prst="ellipse">
@@ -27896,7 +27896,7 @@
           </p:nvSpPr>
           <p:spPr>
             <a:xfrm>
-              <a:off x="2483165" y="2265988"/>
+              <a:off x="3082849" y="2265988"/>
               <a:ext cx="69977" cy="69977"/>
             </a:xfrm>
             <a:prstGeom prst="ellipse">
@@ -27931,7 +27931,7 @@
           </p:nvSpPr>
           <p:spPr>
             <a:xfrm>
-              <a:off x="2496091" y="2174563"/>
+              <a:off x="3105399" y="2174563"/>
               <a:ext cx="69977" cy="69977"/>
             </a:xfrm>
             <a:prstGeom prst="ellipse">
@@ -27966,7 +27966,7 @@
           </p:nvSpPr>
           <p:spPr>
             <a:xfrm>
-              <a:off x="2476666" y="2265988"/>
+              <a:off x="3071511" y="2265988"/>
               <a:ext cx="69977" cy="69977"/>
             </a:xfrm>
             <a:prstGeom prst="ellipse">
@@ -28001,7 +28001,7 @@
           </p:nvSpPr>
           <p:spPr>
             <a:xfrm>
-              <a:off x="2537368" y="2128850"/>
+              <a:off x="3177408" y="2128850"/>
               <a:ext cx="69977" cy="69977"/>
             </a:xfrm>
             <a:prstGeom prst="ellipse">
@@ -28036,7 +28036,7 @@
           </p:nvSpPr>
           <p:spPr>
             <a:xfrm>
-              <a:off x="2517762" y="2265988"/>
+              <a:off x="3143205" y="2265988"/>
               <a:ext cx="69977" cy="69977"/>
             </a:xfrm>
             <a:prstGeom prst="ellipse">
@@ -28071,7 +28071,7 @@
           </p:nvSpPr>
           <p:spPr>
             <a:xfrm>
-              <a:off x="2473185" y="2265988"/>
+              <a:off x="3065438" y="2265988"/>
               <a:ext cx="69977" cy="69977"/>
             </a:xfrm>
             <a:prstGeom prst="ellipse">
@@ -28106,7 +28106,7 @@
           </p:nvSpPr>
           <p:spPr>
             <a:xfrm>
-              <a:off x="2546100" y="2174563"/>
+              <a:off x="3192641" y="2174563"/>
               <a:ext cx="69977" cy="69977"/>
             </a:xfrm>
             <a:prstGeom prst="ellipse">
@@ -28141,7 +28141,7 @@
           </p:nvSpPr>
           <p:spPr>
             <a:xfrm>
-              <a:off x="2549598" y="2265988"/>
+              <a:off x="3198744" y="2265988"/>
               <a:ext cx="69977" cy="69977"/>
             </a:xfrm>
             <a:prstGeom prst="ellipse">
@@ -28176,7 +28176,7 @@
           </p:nvSpPr>
           <p:spPr>
             <a:xfrm>
-              <a:off x="2546120" y="2265988"/>
+              <a:off x="3192677" y="2265988"/>
               <a:ext cx="69977" cy="69977"/>
             </a:xfrm>
             <a:prstGeom prst="ellipse">
@@ -28211,7 +28211,7 @@
           </p:nvSpPr>
           <p:spPr>
             <a:xfrm>
-              <a:off x="2468487" y="2265988"/>
+              <a:off x="3057242" y="2265988"/>
               <a:ext cx="69977" cy="69977"/>
             </a:xfrm>
             <a:prstGeom prst="ellipse">
@@ -28246,7 +28246,7 @@
           </p:nvSpPr>
           <p:spPr>
             <a:xfrm>
-              <a:off x="2473072" y="2265988"/>
+              <a:off x="3065242" y="2265988"/>
               <a:ext cx="69977" cy="69977"/>
             </a:xfrm>
             <a:prstGeom prst="ellipse">
@@ -28281,7 +28281,7 @@
           </p:nvSpPr>
           <p:spPr>
             <a:xfrm>
-              <a:off x="2502205" y="2174563"/>
+              <a:off x="3116065" y="2174563"/>
               <a:ext cx="69977" cy="69977"/>
             </a:xfrm>
             <a:prstGeom prst="ellipse">
@@ -28316,7 +28316,7 @@
           </p:nvSpPr>
           <p:spPr>
             <a:xfrm>
-              <a:off x="2537195" y="2311701"/>
+              <a:off x="3177106" y="2311701"/>
               <a:ext cx="69977" cy="69977"/>
             </a:xfrm>
             <a:prstGeom prst="ellipse">
@@ -28351,7 +28351,7 @@
           </p:nvSpPr>
           <p:spPr>
             <a:xfrm>
-              <a:off x="2486391" y="2265988"/>
+              <a:off x="3088477" y="2265988"/>
               <a:ext cx="69977" cy="69977"/>
             </a:xfrm>
             <a:prstGeom prst="ellipse">
@@ -28386,7 +28386,7 @@
           </p:nvSpPr>
           <p:spPr>
             <a:xfrm>
-              <a:off x="2483938" y="2265988"/>
+              <a:off x="3084197" y="2265988"/>
               <a:ext cx="69977" cy="69977"/>
             </a:xfrm>
             <a:prstGeom prst="ellipse">
@@ -28421,7 +28421,7 @@
           </p:nvSpPr>
           <p:spPr>
             <a:xfrm>
-              <a:off x="2500451" y="2265988"/>
+              <a:off x="3113004" y="2265988"/>
               <a:ext cx="69977" cy="69977"/>
             </a:xfrm>
             <a:prstGeom prst="ellipse">
@@ -28456,7 +28456,7 @@
           </p:nvSpPr>
           <p:spPr>
             <a:xfrm>
-              <a:off x="2473018" y="2265988"/>
+              <a:off x="3065147" y="2265988"/>
               <a:ext cx="69977" cy="69977"/>
             </a:xfrm>
             <a:prstGeom prst="ellipse">
@@ -28491,7 +28491,7 @@
           </p:nvSpPr>
           <p:spPr>
             <a:xfrm>
-              <a:off x="2544136" y="2311701"/>
+              <a:off x="3189215" y="2311701"/>
               <a:ext cx="69977" cy="69977"/>
             </a:xfrm>
             <a:prstGeom prst="ellipse">
@@ -28526,7 +28526,7 @@
           </p:nvSpPr>
           <p:spPr>
             <a:xfrm>
-              <a:off x="2537458" y="2265988"/>
+              <a:off x="3177565" y="2265988"/>
               <a:ext cx="69977" cy="69977"/>
             </a:xfrm>
             <a:prstGeom prst="ellipse">
@@ -28561,7 +28561,7 @@
           </p:nvSpPr>
           <p:spPr>
             <a:xfrm>
-              <a:off x="2524183" y="2265988"/>
+              <a:off x="3154406" y="2265988"/>
               <a:ext cx="69977" cy="69977"/>
             </a:xfrm>
             <a:prstGeom prst="ellipse">
@@ -28596,7 +28596,7 @@
           </p:nvSpPr>
           <p:spPr>
             <a:xfrm>
-              <a:off x="2521524" y="2220276"/>
+              <a:off x="3149767" y="2220276"/>
               <a:ext cx="69977" cy="69977"/>
             </a:xfrm>
             <a:prstGeom prst="ellipse">
@@ -28631,7 +28631,7 @@
           </p:nvSpPr>
           <p:spPr>
             <a:xfrm>
-              <a:off x="2530747" y="2220276"/>
+              <a:off x="3165857" y="2220276"/>
               <a:ext cx="69977" cy="69977"/>
             </a:xfrm>
             <a:prstGeom prst="ellipse">
@@ -28666,7 +28666,7 @@
           </p:nvSpPr>
           <p:spPr>
             <a:xfrm>
-              <a:off x="2548310" y="2265988"/>
+              <a:off x="3196497" y="2265988"/>
               <a:ext cx="69977" cy="69977"/>
             </a:xfrm>
             <a:prstGeom prst="ellipse">
@@ -28701,7 +28701,7 @@
           </p:nvSpPr>
           <p:spPr>
             <a:xfrm>
-              <a:off x="2518276" y="2083137"/>
+              <a:off x="3144102" y="2083137"/>
               <a:ext cx="69977" cy="69977"/>
             </a:xfrm>
             <a:prstGeom prst="ellipse">
@@ -28736,7 +28736,7 @@
           </p:nvSpPr>
           <p:spPr>
             <a:xfrm>
-              <a:off x="2479832" y="2174563"/>
+              <a:off x="3077034" y="2174563"/>
               <a:ext cx="69977" cy="69977"/>
             </a:xfrm>
             <a:prstGeom prst="ellipse">
@@ -28771,7 +28771,7 @@
           </p:nvSpPr>
           <p:spPr>
             <a:xfrm>
-              <a:off x="2521797" y="2220276"/>
+              <a:off x="3150244" y="2220276"/>
               <a:ext cx="69977" cy="69977"/>
             </a:xfrm>
             <a:prstGeom prst="ellipse">
@@ -28806,7 +28806,7 @@
           </p:nvSpPr>
           <p:spPr>
             <a:xfrm>
-              <a:off x="2475261" y="2265988"/>
+              <a:off x="3069059" y="2265988"/>
               <a:ext cx="69977" cy="69977"/>
             </a:xfrm>
             <a:prstGeom prst="ellipse">
@@ -28841,7 +28841,7 @@
           </p:nvSpPr>
           <p:spPr>
             <a:xfrm>
-              <a:off x="2483321" y="2265988"/>
+              <a:off x="3083120" y="2265988"/>
               <a:ext cx="69977" cy="69977"/>
             </a:xfrm>
             <a:prstGeom prst="ellipse">
@@ -28876,7 +28876,7 @@
           </p:nvSpPr>
           <p:spPr>
             <a:xfrm>
-              <a:off x="2547566" y="2265988"/>
+              <a:off x="3195198" y="2265988"/>
               <a:ext cx="69977" cy="69977"/>
             </a:xfrm>
             <a:prstGeom prst="ellipse">
@@ -28911,7 +28911,7 @@
           </p:nvSpPr>
           <p:spPr>
             <a:xfrm>
-              <a:off x="2529066" y="2265988"/>
+              <a:off x="3162924" y="2265988"/>
               <a:ext cx="69977" cy="69977"/>
             </a:xfrm>
             <a:prstGeom prst="ellipse">
@@ -28946,7 +28946,7 @@
           </p:nvSpPr>
           <p:spPr>
             <a:xfrm>
-              <a:off x="2761721" y="1717435"/>
+              <a:off x="3568801" y="1717435"/>
               <a:ext cx="69977" cy="69977"/>
             </a:xfrm>
             <a:prstGeom prst="ellipse">
@@ -28981,7 +28981,7 @@
           </p:nvSpPr>
           <p:spPr>
             <a:xfrm>
-              <a:off x="2738112" y="1671722"/>
+              <a:off x="3527614" y="1671722"/>
               <a:ext cx="69977" cy="69977"/>
             </a:xfrm>
             <a:prstGeom prst="ellipse">
@@ -29016,7 +29016,7 @@
           </p:nvSpPr>
           <p:spPr>
             <a:xfrm>
-              <a:off x="2767095" y="1671722"/>
+              <a:off x="3578176" y="1671722"/>
               <a:ext cx="69977" cy="69977"/>
             </a:xfrm>
             <a:prstGeom prst="ellipse">
@@ -29051,7 +29051,7 @@
           </p:nvSpPr>
           <p:spPr>
             <a:xfrm>
-              <a:off x="2768771" y="1763148"/>
+              <a:off x="3581100" y="1763148"/>
               <a:ext cx="69977" cy="69977"/>
             </a:xfrm>
             <a:prstGeom prst="ellipse">
@@ -29086,7 +29086,7 @@
           </p:nvSpPr>
           <p:spPr>
             <a:xfrm>
-              <a:off x="2715978" y="1671722"/>
+              <a:off x="3489000" y="1671722"/>
               <a:ext cx="69977" cy="69977"/>
             </a:xfrm>
             <a:prstGeom prst="ellipse">
@@ -29121,7 +29121,7 @@
           </p:nvSpPr>
           <p:spPr>
             <a:xfrm>
-              <a:off x="2702357" y="1763148"/>
+              <a:off x="3465238" y="1763148"/>
               <a:ext cx="69977" cy="69977"/>
             </a:xfrm>
             <a:prstGeom prst="ellipse">
@@ -29156,7 +29156,7 @@
           </p:nvSpPr>
           <p:spPr>
             <a:xfrm>
-              <a:off x="2713221" y="1626009"/>
+              <a:off x="3484191" y="1626009"/>
               <a:ext cx="69977" cy="69977"/>
             </a:xfrm>
             <a:prstGeom prst="ellipse">
@@ -29191,7 +29191,7 @@
           </p:nvSpPr>
           <p:spPr>
             <a:xfrm>
-              <a:off x="2713435" y="1900286"/>
+              <a:off x="3484564" y="1900286"/>
               <a:ext cx="69977" cy="69977"/>
             </a:xfrm>
             <a:prstGeom prst="ellipse">
@@ -29226,7 +29226,7 @@
           </p:nvSpPr>
           <p:spPr>
             <a:xfrm>
-              <a:off x="2738540" y="1763148"/>
+              <a:off x="3528361" y="1763148"/>
               <a:ext cx="69977" cy="69977"/>
             </a:xfrm>
             <a:prstGeom prst="ellipse">
@@ -29261,7 +29261,7 @@
           </p:nvSpPr>
           <p:spPr>
             <a:xfrm>
-              <a:off x="2714987" y="1717435"/>
+              <a:off x="3487271" y="1717435"/>
               <a:ext cx="69977" cy="69977"/>
             </a:xfrm>
             <a:prstGeom prst="ellipse">
@@ -29296,7 +29296,7 @@
           </p:nvSpPr>
           <p:spPr>
             <a:xfrm>
-              <a:off x="2733836" y="1900286"/>
+              <a:off x="3520153" y="1900286"/>
               <a:ext cx="69977" cy="69977"/>
             </a:xfrm>
             <a:prstGeom prst="ellipse">
@@ -29331,7 +29331,7 @@
           </p:nvSpPr>
           <p:spPr>
             <a:xfrm>
-              <a:off x="2742667" y="1671722"/>
+              <a:off x="3535561" y="1671722"/>
               <a:ext cx="69977" cy="69977"/>
             </a:xfrm>
             <a:prstGeom prst="ellipse">
@@ -29366,7 +29366,7 @@
           </p:nvSpPr>
           <p:spPr>
             <a:xfrm>
-              <a:off x="2764140" y="1900286"/>
+              <a:off x="3573020" y="1900286"/>
               <a:ext cx="69977" cy="69977"/>
             </a:xfrm>
             <a:prstGeom prst="ellipse">
@@ -29401,7 +29401,7 @@
           </p:nvSpPr>
           <p:spPr>
             <a:xfrm>
-              <a:off x="2746931" y="1717435"/>
+              <a:off x="3542998" y="1717435"/>
               <a:ext cx="69977" cy="69977"/>
             </a:xfrm>
             <a:prstGeom prst="ellipse">
@@ -29436,7 +29436,7 @@
           </p:nvSpPr>
           <p:spPr>
             <a:xfrm>
-              <a:off x="2723447" y="1763148"/>
+              <a:off x="3502031" y="1763148"/>
               <a:ext cx="69977" cy="69977"/>
             </a:xfrm>
             <a:prstGeom prst="ellipse">
@@ -29471,7 +29471,7 @@
           </p:nvSpPr>
           <p:spPr>
             <a:xfrm>
-              <a:off x="2704002" y="1717435"/>
+              <a:off x="3468108" y="1717435"/>
               <a:ext cx="69977" cy="69977"/>
             </a:xfrm>
             <a:prstGeom prst="ellipse">
@@ -29506,7 +29506,7 @@
           </p:nvSpPr>
           <p:spPr>
             <a:xfrm>
-              <a:off x="2761107" y="1671722"/>
+              <a:off x="3567729" y="1671722"/>
               <a:ext cx="69977" cy="69977"/>
             </a:xfrm>
             <a:prstGeom prst="ellipse">
@@ -29541,7 +29541,7 @@
           </p:nvSpPr>
           <p:spPr>
             <a:xfrm>
-              <a:off x="2721049" y="1900286"/>
+              <a:off x="3497846" y="1900286"/>
               <a:ext cx="69977" cy="69977"/>
             </a:xfrm>
             <a:prstGeom prst="ellipse">
@@ -29576,7 +29576,7 @@
           </p:nvSpPr>
           <p:spPr>
             <a:xfrm>
-              <a:off x="2710782" y="1671722"/>
+              <a:off x="3479935" y="1671722"/>
               <a:ext cx="69977" cy="69977"/>
             </a:xfrm>
             <a:prstGeom prst="ellipse">
@@ -29611,7 +29611,7 @@
           </p:nvSpPr>
           <p:spPr>
             <a:xfrm>
-              <a:off x="2701176" y="1854573"/>
+              <a:off x="3463178" y="1854573"/>
               <a:ext cx="69977" cy="69977"/>
             </a:xfrm>
             <a:prstGeom prst="ellipse">
@@ -29646,7 +29646,7 @@
           </p:nvSpPr>
           <p:spPr>
             <a:xfrm>
-              <a:off x="2743718" y="1534584"/>
+              <a:off x="3537393" y="1534584"/>
               <a:ext cx="69977" cy="69977"/>
             </a:xfrm>
             <a:prstGeom prst="ellipse">
@@ -29681,7 +29681,7 @@
           </p:nvSpPr>
           <p:spPr>
             <a:xfrm>
-              <a:off x="2720955" y="1763148"/>
+              <a:off x="3497683" y="1763148"/>
               <a:ext cx="69977" cy="69977"/>
             </a:xfrm>
             <a:prstGeom prst="ellipse">
@@ -29716,7 +29716,7 @@
           </p:nvSpPr>
           <p:spPr>
             <a:xfrm>
-              <a:off x="2733069" y="1671722"/>
+              <a:off x="3518816" y="1671722"/>
               <a:ext cx="69977" cy="69977"/>
             </a:xfrm>
             <a:prstGeom prst="ellipse">
@@ -29751,7 +29751,7 @@
           </p:nvSpPr>
           <p:spPr>
             <a:xfrm>
-              <a:off x="2749809" y="1808861"/>
+              <a:off x="3548019" y="1808861"/>
               <a:ext cx="69977" cy="69977"/>
             </a:xfrm>
             <a:prstGeom prst="ellipse">
@@ -29786,7 +29786,7 @@
           </p:nvSpPr>
           <p:spPr>
             <a:xfrm>
-              <a:off x="2752511" y="1763148"/>
+              <a:off x="3552733" y="1763148"/>
               <a:ext cx="69977" cy="69977"/>
             </a:xfrm>
             <a:prstGeom prst="ellipse">
@@ -29821,7 +29821,7 @@
           </p:nvSpPr>
           <p:spPr>
             <a:xfrm>
-              <a:off x="2697221" y="1717435"/>
+              <a:off x="3456279" y="1717435"/>
               <a:ext cx="69977" cy="69977"/>
             </a:xfrm>
             <a:prstGeom prst="ellipse">
@@ -29856,7 +29856,7 @@
           </p:nvSpPr>
           <p:spPr>
             <a:xfrm>
-              <a:off x="2758415" y="1717435"/>
+              <a:off x="3563033" y="1717435"/>
               <a:ext cx="69977" cy="69977"/>
             </a:xfrm>
             <a:prstGeom prst="ellipse">
@@ -29891,7 +29891,7 @@
           </p:nvSpPr>
           <p:spPr>
             <a:xfrm>
-              <a:off x="2699208" y="1580297"/>
+              <a:off x="3459744" y="1580297"/>
               <a:ext cx="69977" cy="69977"/>
             </a:xfrm>
             <a:prstGeom prst="ellipse">
@@ -29926,7 +29926,7 @@
           </p:nvSpPr>
           <p:spPr>
             <a:xfrm>
-              <a:off x="2762585" y="1671722"/>
+              <a:off x="3570308" y="1671722"/>
               <a:ext cx="69977" cy="69977"/>
             </a:xfrm>
             <a:prstGeom prst="ellipse">
@@ -29961,7 +29961,7 @@
           </p:nvSpPr>
           <p:spPr>
             <a:xfrm>
-              <a:off x="2716855" y="1900286"/>
+              <a:off x="3490530" y="1900286"/>
               <a:ext cx="69977" cy="69977"/>
             </a:xfrm>
             <a:prstGeom prst="ellipse">
@@ -29996,7 +29996,7 @@
           </p:nvSpPr>
           <p:spPr>
             <a:xfrm>
-              <a:off x="2722795" y="1854573"/>
+              <a:off x="3500892" y="1854573"/>
               <a:ext cx="69977" cy="69977"/>
             </a:xfrm>
             <a:prstGeom prst="ellipse">
@@ -30031,7 +30031,7 @@
           </p:nvSpPr>
           <p:spPr>
             <a:xfrm>
-              <a:off x="2700781" y="1900286"/>
+              <a:off x="3462489" y="1900286"/>
               <a:ext cx="69977" cy="69977"/>
             </a:xfrm>
             <a:prstGeom prst="ellipse">
@@ -30066,7 +30066,7 @@
           </p:nvSpPr>
           <p:spPr>
             <a:xfrm>
-              <a:off x="2701439" y="1808861"/>
+              <a:off x="3463636" y="1808861"/>
               <a:ext cx="69977" cy="69977"/>
             </a:xfrm>
             <a:prstGeom prst="ellipse">
@@ -30101,7 +30101,7 @@
           </p:nvSpPr>
           <p:spPr>
             <a:xfrm>
-              <a:off x="2768212" y="1626009"/>
+              <a:off x="3580124" y="1626009"/>
               <a:ext cx="69977" cy="69977"/>
             </a:xfrm>
             <a:prstGeom prst="ellipse">
@@ -30136,7 +30136,7 @@
           </p:nvSpPr>
           <p:spPr>
             <a:xfrm>
-              <a:off x="2740155" y="1671722"/>
+              <a:off x="3531178" y="1671722"/>
               <a:ext cx="69977" cy="69977"/>
             </a:xfrm>
             <a:prstGeom prst="ellipse">
@@ -30171,7 +30171,7 @@
           </p:nvSpPr>
           <p:spPr>
             <a:xfrm>
-              <a:off x="2703994" y="1626009"/>
+              <a:off x="3468094" y="1626009"/>
               <a:ext cx="69977" cy="69977"/>
             </a:xfrm>
             <a:prstGeom prst="ellipse">
@@ -30206,7 +30206,7 @@
           </p:nvSpPr>
           <p:spPr>
             <a:xfrm>
-              <a:off x="2724489" y="1671722"/>
+              <a:off x="3503848" y="1671722"/>
               <a:ext cx="69977" cy="69977"/>
             </a:xfrm>
             <a:prstGeom prst="ellipse">
@@ -30241,7 +30241,7 @@
           </p:nvSpPr>
           <p:spPr>
             <a:xfrm>
-              <a:off x="2699990" y="1763148"/>
+              <a:off x="3461109" y="1763148"/>
               <a:ext cx="69977" cy="69977"/>
             </a:xfrm>
             <a:prstGeom prst="ellipse">
@@ -30276,7 +30276,7 @@
           </p:nvSpPr>
           <p:spPr>
             <a:xfrm>
-              <a:off x="2745942" y="1763148"/>
+              <a:off x="3541274" y="1763148"/>
               <a:ext cx="69977" cy="69977"/>
             </a:xfrm>
             <a:prstGeom prst="ellipse">
@@ -30311,7 +30311,7 @@
           </p:nvSpPr>
           <p:spPr>
             <a:xfrm>
-              <a:off x="2747937" y="1763148"/>
+              <a:off x="3544754" y="1763148"/>
               <a:ext cx="69977" cy="69977"/>
             </a:xfrm>
             <a:prstGeom prst="ellipse">
@@ -30346,7 +30346,7 @@
           </p:nvSpPr>
           <p:spPr>
             <a:xfrm>
-              <a:off x="2687539" y="1808861"/>
+              <a:off x="3439387" y="1808861"/>
               <a:ext cx="69977" cy="69977"/>
             </a:xfrm>
             <a:prstGeom prst="ellipse">
@@ -30381,7 +30381,7 @@
           </p:nvSpPr>
           <p:spPr>
             <a:xfrm>
-              <a:off x="2710532" y="1717435"/>
+              <a:off x="3479499" y="1717435"/>
               <a:ext cx="69977" cy="69977"/>
             </a:xfrm>
             <a:prstGeom prst="ellipse">
@@ -30416,7 +30416,7 @@
           </p:nvSpPr>
           <p:spPr>
             <a:xfrm>
-              <a:off x="2757933" y="1808861"/>
+              <a:off x="3562192" y="1808861"/>
               <a:ext cx="69977" cy="69977"/>
             </a:xfrm>
             <a:prstGeom prst="ellipse">
@@ -30451,7 +30451,7 @@
           </p:nvSpPr>
           <p:spPr>
             <a:xfrm>
-              <a:off x="2731574" y="1900286"/>
+              <a:off x="3516208" y="1900286"/>
               <a:ext cx="69977" cy="69977"/>
             </a:xfrm>
             <a:prstGeom prst="ellipse">
@@ -30486,7 +30486,7 @@
           </p:nvSpPr>
           <p:spPr>
             <a:xfrm>
-              <a:off x="2710179" y="1763148"/>
+              <a:off x="3478884" y="1763148"/>
               <a:ext cx="69977" cy="69977"/>
             </a:xfrm>
             <a:prstGeom prst="ellipse">
@@ -30521,7 +30521,7 @@
           </p:nvSpPr>
           <p:spPr>
             <a:xfrm>
-              <a:off x="2762574" y="1808861"/>
+              <a:off x="3570289" y="1808861"/>
               <a:ext cx="69977" cy="69977"/>
             </a:xfrm>
             <a:prstGeom prst="ellipse">
@@ -30556,7 +30556,7 @@
           </p:nvSpPr>
           <p:spPr>
             <a:xfrm>
-              <a:off x="2686796" y="1763148"/>
+              <a:off x="3438091" y="1763148"/>
               <a:ext cx="69977" cy="69977"/>
             </a:xfrm>
             <a:prstGeom prst="ellipse">
@@ -30591,7 +30591,7 @@
           </p:nvSpPr>
           <p:spPr>
             <a:xfrm>
-              <a:off x="2707822" y="1763148"/>
+              <a:off x="3474771" y="1763148"/>
               <a:ext cx="69977" cy="69977"/>
             </a:xfrm>
             <a:prstGeom prst="ellipse">
@@ -30626,7 +30626,7 @@
           </p:nvSpPr>
           <p:spPr>
             <a:xfrm>
-              <a:off x="2735655" y="1854573"/>
+              <a:off x="3523328" y="1854573"/>
               <a:ext cx="69977" cy="69977"/>
             </a:xfrm>
             <a:prstGeom prst="ellipse">
@@ -30661,7 +30661,7 @@
           </p:nvSpPr>
           <p:spPr>
             <a:xfrm>
-              <a:off x="2743134" y="1763148"/>
+              <a:off x="3536375" y="1763148"/>
               <a:ext cx="69977" cy="69977"/>
             </a:xfrm>
             <a:prstGeom prst="ellipse">
@@ -30696,7 +30696,7 @@
           </p:nvSpPr>
           <p:spPr>
             <a:xfrm>
-              <a:off x="2922742" y="1214594"/>
+              <a:off x="3849708" y="1214594"/>
               <a:ext cx="69977" cy="69977"/>
             </a:xfrm>
             <a:prstGeom prst="ellipse">
@@ -30731,7 +30731,7 @@
           </p:nvSpPr>
           <p:spPr>
             <a:xfrm>
-              <a:off x="2936869" y="1488871"/>
+              <a:off x="3874353" y="1488871"/>
               <a:ext cx="69977" cy="69977"/>
             </a:xfrm>
             <a:prstGeom prst="ellipse">
@@ -30766,7 +30766,7 @@
           </p:nvSpPr>
           <p:spPr>
             <a:xfrm>
-              <a:off x="2944278" y="1397446"/>
+              <a:off x="3887278" y="1397446"/>
               <a:ext cx="69977" cy="69977"/>
             </a:xfrm>
             <a:prstGeom prst="ellipse">
@@ -30801,7 +30801,7 @@
           </p:nvSpPr>
           <p:spPr>
             <a:xfrm>
-              <a:off x="2925358" y="1534584"/>
+              <a:off x="3854272" y="1534584"/>
               <a:ext cx="69977" cy="69977"/>
             </a:xfrm>
             <a:prstGeom prst="ellipse">
@@ -30836,7 +30836,7 @@
           </p:nvSpPr>
           <p:spPr>
             <a:xfrm>
-              <a:off x="2950166" y="1351733"/>
+              <a:off x="3897551" y="1351733"/>
               <a:ext cx="69977" cy="69977"/>
             </a:xfrm>
             <a:prstGeom prst="ellipse">
@@ -30871,7 +30871,7 @@
           </p:nvSpPr>
           <p:spPr>
             <a:xfrm>
-              <a:off x="2976240" y="1397446"/>
+              <a:off x="3943037" y="1397446"/>
               <a:ext cx="69977" cy="69977"/>
             </a:xfrm>
             <a:prstGeom prst="ellipse">
@@ -30906,7 +30906,7 @@
           </p:nvSpPr>
           <p:spPr>
             <a:xfrm>
-              <a:off x="2984483" y="1580297"/>
+              <a:off x="3957417" y="1580297"/>
               <a:ext cx="69977" cy="69977"/>
             </a:xfrm>
             <a:prstGeom prst="ellipse">
@@ -30941,7 +30941,7 @@
           </p:nvSpPr>
           <p:spPr>
             <a:xfrm>
-              <a:off x="2979724" y="1534584"/>
+              <a:off x="3949115" y="1534584"/>
               <a:ext cx="69977" cy="69977"/>
             </a:xfrm>
             <a:prstGeom prst="ellipse">
@@ -30976,7 +30976,7 @@
           </p:nvSpPr>
           <p:spPr>
             <a:xfrm>
-              <a:off x="2907121" y="1534584"/>
+              <a:off x="3822457" y="1534584"/>
               <a:ext cx="69977" cy="69977"/>
             </a:xfrm>
             <a:prstGeom prst="ellipse">
@@ -31011,7 +31011,7 @@
           </p:nvSpPr>
           <p:spPr>
             <a:xfrm>
-              <a:off x="2925038" y="1214594"/>
+              <a:off x="3853714" y="1214594"/>
               <a:ext cx="69977" cy="69977"/>
             </a:xfrm>
             <a:prstGeom prst="ellipse">
@@ -31046,7 +31046,7 @@
           </p:nvSpPr>
           <p:spPr>
             <a:xfrm>
-              <a:off x="2923047" y="1443158"/>
+              <a:off x="3850239" y="1443158"/>
               <a:ext cx="69977" cy="69977"/>
             </a:xfrm>
             <a:prstGeom prst="ellipse">
@@ -31081,7 +31081,7 @@
           </p:nvSpPr>
           <p:spPr>
             <a:xfrm>
-              <a:off x="2911800" y="1488871"/>
+              <a:off x="3830620" y="1488871"/>
               <a:ext cx="69977" cy="69977"/>
             </a:xfrm>
             <a:prstGeom prst="ellipse">
@@ -31116,7 +31116,7 @@
           </p:nvSpPr>
           <p:spPr>
             <a:xfrm>
-              <a:off x="2916913" y="1397446"/>
+              <a:off x="3839539" y="1397446"/>
               <a:ext cx="69977" cy="69977"/>
             </a:xfrm>
             <a:prstGeom prst="ellipse">
@@ -31151,7 +31151,7 @@
           </p:nvSpPr>
           <p:spPr>
             <a:xfrm>
-              <a:off x="2961759" y="1443158"/>
+              <a:off x="3917776" y="1443158"/>
               <a:ext cx="69977" cy="69977"/>
             </a:xfrm>
             <a:prstGeom prst="ellipse">
@@ -31186,7 +31186,7 @@
           </p:nvSpPr>
           <p:spPr>
             <a:xfrm>
-              <a:off x="2978953" y="1260307"/>
+              <a:off x="3947771" y="1260307"/>
               <a:ext cx="69977" cy="69977"/>
             </a:xfrm>
             <a:prstGeom prst="ellipse">
@@ -31221,7 +31221,7 @@
           </p:nvSpPr>
           <p:spPr>
             <a:xfrm>
-              <a:off x="2930041" y="1306020"/>
+              <a:off x="3862441" y="1306020"/>
               <a:ext cx="69977" cy="69977"/>
             </a:xfrm>
             <a:prstGeom prst="ellipse">
@@ -31256,7 +31256,7 @@
           </p:nvSpPr>
           <p:spPr>
             <a:xfrm>
-              <a:off x="2937275" y="1534584"/>
+              <a:off x="3875062" y="1534584"/>
               <a:ext cx="69977" cy="69977"/>
             </a:xfrm>
             <a:prstGeom prst="ellipse">
@@ -31291,7 +31291,7 @@
           </p:nvSpPr>
           <p:spPr>
             <a:xfrm>
-              <a:off x="2971517" y="1351733"/>
+              <a:off x="3934798" y="1351733"/>
               <a:ext cx="69977" cy="69977"/>
             </a:xfrm>
             <a:prstGeom prst="ellipse">
@@ -31326,7 +31326,7 @@
           </p:nvSpPr>
           <p:spPr>
             <a:xfrm>
-              <a:off x="2963619" y="1306020"/>
+              <a:off x="3921020" y="1306020"/>
               <a:ext cx="69977" cy="69977"/>
             </a:xfrm>
             <a:prstGeom prst="ellipse">
@@ -31361,7 +31361,7 @@
           </p:nvSpPr>
           <p:spPr>
             <a:xfrm>
-              <a:off x="2958538" y="1671722"/>
+              <a:off x="3912156" y="1671722"/>
               <a:ext cx="69977" cy="69977"/>
             </a:xfrm>
             <a:prstGeom prst="ellipse">
@@ -31396,7 +31396,7 @@
           </p:nvSpPr>
           <p:spPr>
             <a:xfrm>
-              <a:off x="2983698" y="1306020"/>
+              <a:off x="3956048" y="1306020"/>
               <a:ext cx="69977" cy="69977"/>
             </a:xfrm>
             <a:prstGeom prst="ellipse">
@@ -31431,7 +31431,7 @@
           </p:nvSpPr>
           <p:spPr>
             <a:xfrm>
-              <a:off x="2912192" y="1443158"/>
+              <a:off x="3831302" y="1443158"/>
               <a:ext cx="69977" cy="69977"/>
             </a:xfrm>
             <a:prstGeom prst="ellipse">
@@ -31466,7 +31466,7 @@
           </p:nvSpPr>
           <p:spPr>
             <a:xfrm>
-              <a:off x="2965778" y="1443158"/>
+              <a:off x="3924786" y="1443158"/>
               <a:ext cx="69977" cy="69977"/>
             </a:xfrm>
             <a:prstGeom prst="ellipse">
@@ -31501,7 +31501,7 @@
           </p:nvSpPr>
           <p:spPr>
             <a:xfrm>
-              <a:off x="2986905" y="1534584"/>
+              <a:off x="3961642" y="1534584"/>
               <a:ext cx="69977" cy="69977"/>
             </a:xfrm>
             <a:prstGeom prst="ellipse">
@@ -31536,7 +31536,7 @@
           </p:nvSpPr>
           <p:spPr>
             <a:xfrm>
-              <a:off x="2984875" y="1397446"/>
+              <a:off x="3958102" y="1397446"/>
               <a:ext cx="69977" cy="69977"/>
             </a:xfrm>
             <a:prstGeom prst="ellipse">
@@ -31571,7 +31571,7 @@
           </p:nvSpPr>
           <p:spPr>
             <a:xfrm>
-              <a:off x="2924760" y="1534584"/>
+              <a:off x="3853228" y="1534584"/>
               <a:ext cx="69977" cy="69977"/>
             </a:xfrm>
             <a:prstGeom prst="ellipse">
@@ -31606,7 +31606,7 @@
           </p:nvSpPr>
           <p:spPr>
             <a:xfrm>
-              <a:off x="2901751" y="1534584"/>
+              <a:off x="3813088" y="1534584"/>
               <a:ext cx="69977" cy="69977"/>
             </a:xfrm>
             <a:prstGeom prst="ellipse">
@@ -31641,7 +31641,7 @@
           </p:nvSpPr>
           <p:spPr>
             <a:xfrm>
-              <a:off x="2922794" y="1534584"/>
+              <a:off x="3849798" y="1534584"/>
               <a:ext cx="69977" cy="69977"/>
             </a:xfrm>
             <a:prstGeom prst="ellipse">
@@ -31676,7 +31676,7 @@
           </p:nvSpPr>
           <p:spPr>
             <a:xfrm>
-              <a:off x="2962945" y="1397446"/>
+              <a:off x="3919844" y="1397446"/>
               <a:ext cx="69977" cy="69977"/>
             </a:xfrm>
             <a:prstGeom prst="ellipse">
@@ -31711,7 +31711,7 @@
           </p:nvSpPr>
           <p:spPr>
             <a:xfrm>
-              <a:off x="2914055" y="1626009"/>
+              <a:off x="3834553" y="1626009"/>
               <a:ext cx="69977" cy="69977"/>
             </a:xfrm>
             <a:prstGeom prst="ellipse">
@@ -31746,7 +31746,7 @@
           </p:nvSpPr>
           <p:spPr>
             <a:xfrm>
-              <a:off x="2946398" y="1488871"/>
+              <a:off x="3890977" y="1488871"/>
               <a:ext cx="69977" cy="69977"/>
             </a:xfrm>
             <a:prstGeom prst="ellipse">
@@ -31781,7 +31781,7 @@
           </p:nvSpPr>
           <p:spPr>
             <a:xfrm>
-              <a:off x="2938064" y="1443158"/>
+              <a:off x="3876438" y="1443158"/>
               <a:ext cx="69977" cy="69977"/>
             </a:xfrm>
             <a:prstGeom prst="ellipse">
@@ -31816,7 +31816,7 @@
           </p:nvSpPr>
           <p:spPr>
             <a:xfrm>
-              <a:off x="2923102" y="1351733"/>
+              <a:off x="3850337" y="1351733"/>
               <a:ext cx="69977" cy="69977"/>
             </a:xfrm>
             <a:prstGeom prst="ellipse">
@@ -31851,7 +31851,7 @@
           </p:nvSpPr>
           <p:spPr>
             <a:xfrm>
-              <a:off x="2922044" y="1671722"/>
+              <a:off x="3848491" y="1671722"/>
               <a:ext cx="69977" cy="69977"/>
             </a:xfrm>
             <a:prstGeom prst="ellipse">
@@ -31886,7 +31886,7 @@
           </p:nvSpPr>
           <p:spPr>
             <a:xfrm>
-              <a:off x="2954571" y="1717435"/>
+              <a:off x="3905235" y="1717435"/>
               <a:ext cx="69977" cy="69977"/>
             </a:xfrm>
             <a:prstGeom prst="ellipse">
@@ -31921,7 +31921,7 @@
           </p:nvSpPr>
           <p:spPr>
             <a:xfrm>
-              <a:off x="2929371" y="1306020"/>
+              <a:off x="3861272" y="1306020"/>
               <a:ext cx="69977" cy="69977"/>
             </a:xfrm>
             <a:prstGeom prst="ellipse">
@@ -31956,7 +31956,7 @@
           </p:nvSpPr>
           <p:spPr>
             <a:xfrm>
-              <a:off x="2937188" y="1260307"/>
+              <a:off x="3874910" y="1260307"/>
               <a:ext cx="69977" cy="69977"/>
             </a:xfrm>
             <a:prstGeom prst="ellipse">
@@ -31991,7 +31991,7 @@
           </p:nvSpPr>
           <p:spPr>
             <a:xfrm>
-              <a:off x="2943580" y="1534584"/>
+              <a:off x="3886060" y="1534584"/>
               <a:ext cx="69977" cy="69977"/>
             </a:xfrm>
             <a:prstGeom prst="ellipse">
@@ -32026,7 +32026,7 @@
           </p:nvSpPr>
           <p:spPr>
             <a:xfrm>
-              <a:off x="2908156" y="1534584"/>
+              <a:off x="3824262" y="1534584"/>
               <a:ext cx="69977" cy="69977"/>
             </a:xfrm>
             <a:prstGeom prst="ellipse">
@@ -32061,7 +32061,7 @@
           </p:nvSpPr>
           <p:spPr>
             <a:xfrm>
-              <a:off x="2962969" y="1397446"/>
+              <a:off x="3919885" y="1397446"/>
               <a:ext cx="69977" cy="69977"/>
             </a:xfrm>
             <a:prstGeom prst="ellipse">
@@ -32096,7 +32096,7 @@
           </p:nvSpPr>
           <p:spPr>
             <a:xfrm>
-              <a:off x="2936875" y="1260307"/>
+              <a:off x="3874363" y="1260307"/>
               <a:ext cx="69977" cy="69977"/>
             </a:xfrm>
             <a:prstGeom prst="ellipse">
@@ -32131,7 +32131,7 @@
           </p:nvSpPr>
           <p:spPr>
             <a:xfrm>
-              <a:off x="2975974" y="1306020"/>
+              <a:off x="3942573" y="1306020"/>
               <a:ext cx="69977" cy="69977"/>
             </a:xfrm>
             <a:prstGeom prst="ellipse">
@@ -32166,7 +32166,7 @@
           </p:nvSpPr>
           <p:spPr>
             <a:xfrm>
-              <a:off x="2919015" y="1488871"/>
+              <a:off x="3843206" y="1488871"/>
               <a:ext cx="69977" cy="69977"/>
             </a:xfrm>
             <a:prstGeom prst="ellipse">
@@ -32201,7 +32201,7 @@
           </p:nvSpPr>
           <p:spPr>
             <a:xfrm>
-              <a:off x="2905014" y="1306020"/>
+              <a:off x="3818781" y="1306020"/>
               <a:ext cx="69977" cy="69977"/>
             </a:xfrm>
             <a:prstGeom prst="ellipse">
@@ -32236,7 +32236,7 @@
           </p:nvSpPr>
           <p:spPr>
             <a:xfrm>
-              <a:off x="2979862" y="1214594"/>
+              <a:off x="3949356" y="1214594"/>
               <a:ext cx="69977" cy="69977"/>
             </a:xfrm>
             <a:prstGeom prst="ellipse">
@@ -32271,7 +32271,7 @@
           </p:nvSpPr>
           <p:spPr>
             <a:xfrm>
-              <a:off x="2936163" y="1306020"/>
+              <a:off x="3873121" y="1306020"/>
               <a:ext cx="69977" cy="69977"/>
             </a:xfrm>
             <a:prstGeom prst="ellipse">
@@ -32306,7 +32306,7 @@
           </p:nvSpPr>
           <p:spPr>
             <a:xfrm>
-              <a:off x="2967447" y="1488871"/>
+              <a:off x="3927698" y="1488871"/>
               <a:ext cx="69977" cy="69977"/>
             </a:xfrm>
             <a:prstGeom prst="ellipse">
@@ -32341,7 +32341,7 @@
           </p:nvSpPr>
           <p:spPr>
             <a:xfrm>
-              <a:off x="2901228" y="1443158"/>
+              <a:off x="3812177" y="1443158"/>
               <a:ext cx="69977" cy="69977"/>
             </a:xfrm>
             <a:prstGeom prst="ellipse">
@@ -32376,7 +32376,7 @@
           </p:nvSpPr>
           <p:spPr>
             <a:xfrm>
-              <a:off x="2924527" y="1306020"/>
+              <a:off x="3852821" y="1306020"/>
               <a:ext cx="69977" cy="69977"/>
             </a:xfrm>
             <a:prstGeom prst="ellipse">
@@ -32411,7 +32411,7 @@
           </p:nvSpPr>
           <p:spPr>
             <a:xfrm>
-              <a:off x="2959278" y="1534584"/>
+              <a:off x="3913446" y="1534584"/>
               <a:ext cx="69977" cy="69977"/>
             </a:xfrm>
             <a:prstGeom prst="ellipse">
@@ -32446,21 +32446,21 @@
           </p:nvSpPr>
           <p:spPr>
             <a:xfrm>
-              <a:off x="3312968" y="2285740"/>
-              <a:ext cx="698466" cy="0"/>
+              <a:off x="4353039" y="2285740"/>
+              <a:ext cx="1218501" cy="0"/>
             </a:xfrm>
             <a:custGeom>
               <a:avLst/>
               <a:pathLst>
-                <a:path w="698466" h="0">
+                <a:path w="1218501" h="0">
                   <a:moveTo>
                     <a:pt x="0" y="0"/>
                   </a:moveTo>
                   <a:lnTo>
-                    <a:pt x="698466" y="0"/>
-                  </a:lnTo>
-                  <a:lnTo>
-                    <a:pt x="698466" y="0"/>
+                    <a:pt x="1218501" y="0"/>
+                  </a:lnTo>
+                  <a:lnTo>
+                    <a:pt x="1218501" y="0"/>
                   </a:lnTo>
                 </a:path>
               </a:pathLst>
@@ -32489,21 +32489,21 @@
           </p:nvSpPr>
           <p:spPr>
             <a:xfrm>
-              <a:off x="3312968" y="1980988"/>
-              <a:ext cx="698466" cy="0"/>
+              <a:off x="4353039" y="1980988"/>
+              <a:ext cx="1218501" cy="0"/>
             </a:xfrm>
             <a:custGeom>
               <a:avLst/>
               <a:pathLst>
-                <a:path w="698466" h="0">
+                <a:path w="1218501" h="0">
                   <a:moveTo>
                     <a:pt x="0" y="0"/>
                   </a:moveTo>
                   <a:lnTo>
-                    <a:pt x="698466" y="0"/>
-                  </a:lnTo>
-                  <a:lnTo>
-                    <a:pt x="698466" y="0"/>
+                    <a:pt x="1218501" y="0"/>
+                  </a:lnTo>
+                  <a:lnTo>
+                    <a:pt x="1218501" y="0"/>
                   </a:lnTo>
                 </a:path>
               </a:pathLst>
@@ -32532,21 +32532,21 @@
           </p:nvSpPr>
           <p:spPr>
             <a:xfrm>
-              <a:off x="3312968" y="1676236"/>
-              <a:ext cx="698466" cy="0"/>
+              <a:off x="4353039" y="1676236"/>
+              <a:ext cx="1218501" cy="0"/>
             </a:xfrm>
             <a:custGeom>
               <a:avLst/>
               <a:pathLst>
-                <a:path w="698466" h="0">
+                <a:path w="1218501" h="0">
                   <a:moveTo>
                     <a:pt x="0" y="0"/>
                   </a:moveTo>
                   <a:lnTo>
-                    <a:pt x="698466" y="0"/>
-                  </a:lnTo>
-                  <a:lnTo>
-                    <a:pt x="698466" y="0"/>
+                    <a:pt x="1218501" y="0"/>
+                  </a:lnTo>
+                  <a:lnTo>
+                    <a:pt x="1218501" y="0"/>
                   </a:lnTo>
                 </a:path>
               </a:pathLst>
@@ -32575,21 +32575,21 @@
           </p:nvSpPr>
           <p:spPr>
             <a:xfrm>
-              <a:off x="3312968" y="1371484"/>
-              <a:ext cx="698466" cy="0"/>
+              <a:off x="4353039" y="1371484"/>
+              <a:ext cx="1218501" cy="0"/>
             </a:xfrm>
             <a:custGeom>
               <a:avLst/>
               <a:pathLst>
-                <a:path w="698466" h="0">
+                <a:path w="1218501" h="0">
                   <a:moveTo>
                     <a:pt x="0" y="0"/>
                   </a:moveTo>
                   <a:lnTo>
-                    <a:pt x="698466" y="0"/>
-                  </a:lnTo>
-                  <a:lnTo>
-                    <a:pt x="698466" y="0"/>
+                    <a:pt x="1218501" y="0"/>
+                  </a:lnTo>
+                  <a:lnTo>
+                    <a:pt x="1218501" y="0"/>
                   </a:lnTo>
                 </a:path>
               </a:pathLst>
@@ -32618,21 +32618,21 @@
           </p:nvSpPr>
           <p:spPr>
             <a:xfrm>
-              <a:off x="3312968" y="2133364"/>
-              <a:ext cx="698466" cy="0"/>
+              <a:off x="4353039" y="2133364"/>
+              <a:ext cx="1218501" cy="0"/>
             </a:xfrm>
             <a:custGeom>
               <a:avLst/>
               <a:pathLst>
-                <a:path w="698466" h="0">
+                <a:path w="1218501" h="0">
                   <a:moveTo>
                     <a:pt x="0" y="0"/>
                   </a:moveTo>
                   <a:lnTo>
-                    <a:pt x="698466" y="0"/>
-                  </a:lnTo>
-                  <a:lnTo>
-                    <a:pt x="698466" y="0"/>
+                    <a:pt x="1218501" y="0"/>
+                  </a:lnTo>
+                  <a:lnTo>
+                    <a:pt x="1218501" y="0"/>
                   </a:lnTo>
                 </a:path>
               </a:pathLst>
@@ -32661,21 +32661,21 @@
           </p:nvSpPr>
           <p:spPr>
             <a:xfrm>
-              <a:off x="3312968" y="1828612"/>
-              <a:ext cx="698466" cy="0"/>
+              <a:off x="4353039" y="1828612"/>
+              <a:ext cx="1218501" cy="0"/>
             </a:xfrm>
             <a:custGeom>
               <a:avLst/>
               <a:pathLst>
-                <a:path w="698466" h="0">
+                <a:path w="1218501" h="0">
                   <a:moveTo>
                     <a:pt x="0" y="0"/>
                   </a:moveTo>
                   <a:lnTo>
-                    <a:pt x="698466" y="0"/>
-                  </a:lnTo>
-                  <a:lnTo>
-                    <a:pt x="698466" y="0"/>
+                    <a:pt x="1218501" y="0"/>
+                  </a:lnTo>
+                  <a:lnTo>
+                    <a:pt x="1218501" y="0"/>
                   </a:lnTo>
                 </a:path>
               </a:pathLst>
@@ -32704,21 +32704,21 @@
           </p:nvSpPr>
           <p:spPr>
             <a:xfrm>
-              <a:off x="3312968" y="1523860"/>
-              <a:ext cx="698466" cy="0"/>
+              <a:off x="4353039" y="1523860"/>
+              <a:ext cx="1218501" cy="0"/>
             </a:xfrm>
             <a:custGeom>
               <a:avLst/>
               <a:pathLst>
-                <a:path w="698466" h="0">
+                <a:path w="1218501" h="0">
                   <a:moveTo>
                     <a:pt x="0" y="0"/>
                   </a:moveTo>
                   <a:lnTo>
-                    <a:pt x="698466" y="0"/>
-                  </a:lnTo>
-                  <a:lnTo>
-                    <a:pt x="698466" y="0"/>
+                    <a:pt x="1218501" y="0"/>
+                  </a:lnTo>
+                  <a:lnTo>
+                    <a:pt x="1218501" y="0"/>
                   </a:lnTo>
                 </a:path>
               </a:pathLst>
@@ -32747,21 +32747,21 @@
           </p:nvSpPr>
           <p:spPr>
             <a:xfrm>
-              <a:off x="3312968" y="1219108"/>
-              <a:ext cx="698466" cy="0"/>
+              <a:off x="4353039" y="1219108"/>
+              <a:ext cx="1218501" cy="0"/>
             </a:xfrm>
             <a:custGeom>
               <a:avLst/>
               <a:pathLst>
-                <a:path w="698466" h="0">
+                <a:path w="1218501" h="0">
                   <a:moveTo>
                     <a:pt x="0" y="0"/>
                   </a:moveTo>
                   <a:lnTo>
-                    <a:pt x="698466" y="0"/>
-                  </a:lnTo>
-                  <a:lnTo>
-                    <a:pt x="698466" y="0"/>
+                    <a:pt x="1218501" y="0"/>
+                  </a:lnTo>
+                  <a:lnTo>
+                    <a:pt x="1218501" y="0"/>
                   </a:lnTo>
                 </a:path>
               </a:pathLst>
@@ -32790,7 +32790,7 @@
           </p:nvSpPr>
           <p:spPr>
             <a:xfrm>
-              <a:off x="3443931" y="1194728"/>
+              <a:off x="4581508" y="1194728"/>
               <a:ext cx="0" cy="1206817"/>
             </a:xfrm>
             <a:custGeom>
@@ -32833,7 +32833,7 @@
           </p:nvSpPr>
           <p:spPr>
             <a:xfrm>
-              <a:off x="3662201" y="1194728"/>
+              <a:off x="4962290" y="1194728"/>
               <a:ext cx="0" cy="1206817"/>
             </a:xfrm>
             <a:custGeom>
@@ -32876,7 +32876,7 @@
           </p:nvSpPr>
           <p:spPr>
             <a:xfrm>
-              <a:off x="3880472" y="1194728"/>
+              <a:off x="5343072" y="1194728"/>
               <a:ext cx="0" cy="1206817"/>
             </a:xfrm>
             <a:custGeom>
@@ -32919,7 +32919,7 @@
           </p:nvSpPr>
           <p:spPr>
             <a:xfrm>
-              <a:off x="3443931" y="1889562"/>
+              <a:off x="4581508" y="1889562"/>
               <a:ext cx="0" cy="182851"/>
             </a:xfrm>
             <a:custGeom>
@@ -32959,7 +32959,7 @@
           </p:nvSpPr>
           <p:spPr>
             <a:xfrm>
-              <a:off x="3443931" y="2194314"/>
+              <a:off x="4581508" y="2194314"/>
               <a:ext cx="0" cy="152375"/>
             </a:xfrm>
             <a:custGeom>
@@ -32999,13 +32999,13 @@
           </p:nvSpPr>
           <p:spPr>
             <a:xfrm>
-              <a:off x="3362079" y="2072413"/>
-              <a:ext cx="163703" cy="121900"/>
+              <a:off x="4438715" y="2072413"/>
+              <a:ext cx="285586" cy="121900"/>
             </a:xfrm>
             <a:custGeom>
               <a:avLst/>
               <a:pathLst>
-                <a:path w="163703" h="121900">
+                <a:path w="285586" h="121900">
                   <a:moveTo>
                     <a:pt x="0" y="0"/>
                   </a:moveTo>
@@ -33013,10 +33013,10 @@
                     <a:pt x="0" y="121900"/>
                   </a:lnTo>
                   <a:lnTo>
-                    <a:pt x="163703" y="121900"/>
-                  </a:lnTo>
-                  <a:lnTo>
-                    <a:pt x="163703" y="0"/>
+                    <a:pt x="285586" y="121900"/>
+                  </a:lnTo>
+                  <a:lnTo>
+                    <a:pt x="285586" y="0"/>
                   </a:lnTo>
                   <a:close/>
                 </a:path>
@@ -33051,18 +33051,18 @@
           </p:nvSpPr>
           <p:spPr>
             <a:xfrm>
-              <a:off x="3362079" y="2133364"/>
-              <a:ext cx="163703" cy="0"/>
+              <a:off x="4438715" y="2133364"/>
+              <a:ext cx="285586" cy="0"/>
             </a:xfrm>
             <a:custGeom>
               <a:avLst/>
               <a:pathLst>
-                <a:path w="163703" h="0">
+                <a:path w="285586" h="0">
                   <a:moveTo>
                     <a:pt x="0" y="0"/>
                   </a:moveTo>
                   <a:lnTo>
-                    <a:pt x="163703" y="0"/>
+                    <a:pt x="285586" y="0"/>
                   </a:lnTo>
                 </a:path>
               </a:pathLst>
@@ -33091,7 +33091,7 @@
           </p:nvSpPr>
           <p:spPr>
             <a:xfrm>
-              <a:off x="3662201" y="1523860"/>
+              <a:off x="4962290" y="1523860"/>
               <a:ext cx="0" cy="213326"/>
             </a:xfrm>
             <a:custGeom>
@@ -33131,7 +33131,7 @@
           </p:nvSpPr>
           <p:spPr>
             <a:xfrm>
-              <a:off x="3662201" y="1950513"/>
+              <a:off x="4962290" y="1950513"/>
               <a:ext cx="0" cy="213326"/>
             </a:xfrm>
             <a:custGeom>
@@ -33171,13 +33171,13 @@
           </p:nvSpPr>
           <p:spPr>
             <a:xfrm>
-              <a:off x="3580350" y="1737186"/>
-              <a:ext cx="163703" cy="213326"/>
+              <a:off x="4819497" y="1737186"/>
+              <a:ext cx="285586" cy="213326"/>
             </a:xfrm>
             <a:custGeom>
               <a:avLst/>
               <a:pathLst>
-                <a:path w="163703" h="213326">
+                <a:path w="285586" h="213326">
                   <a:moveTo>
                     <a:pt x="0" y="0"/>
                   </a:moveTo>
@@ -33185,10 +33185,10 @@
                     <a:pt x="0" y="213326"/>
                   </a:lnTo>
                   <a:lnTo>
-                    <a:pt x="163703" y="213326"/>
-                  </a:lnTo>
-                  <a:lnTo>
-                    <a:pt x="163703" y="0"/>
+                    <a:pt x="285586" y="213326"/>
+                  </a:lnTo>
+                  <a:lnTo>
+                    <a:pt x="285586" y="0"/>
                   </a:lnTo>
                   <a:close/>
                 </a:path>
@@ -33223,18 +33223,18 @@
           </p:nvSpPr>
           <p:spPr>
             <a:xfrm>
-              <a:off x="3580350" y="1859087"/>
-              <a:ext cx="163703" cy="0"/>
+              <a:off x="4819497" y="1859087"/>
+              <a:ext cx="285586" cy="0"/>
             </a:xfrm>
             <a:custGeom>
               <a:avLst/>
               <a:pathLst>
-                <a:path w="163703" h="0">
+                <a:path w="285586" h="0">
                   <a:moveTo>
                     <a:pt x="0" y="0"/>
                   </a:moveTo>
                   <a:lnTo>
-                    <a:pt x="163703" y="0"/>
+                    <a:pt x="285586" y="0"/>
                   </a:lnTo>
                 </a:path>
               </a:pathLst>
@@ -33263,7 +33263,7 @@
           </p:nvSpPr>
           <p:spPr>
             <a:xfrm>
-              <a:off x="3880472" y="1249583"/>
+              <a:off x="5343072" y="1249583"/>
               <a:ext cx="0" cy="304751"/>
             </a:xfrm>
             <a:custGeom>
@@ -33303,7 +33303,7 @@
           </p:nvSpPr>
           <p:spPr>
             <a:xfrm>
-              <a:off x="3880472" y="1760043"/>
+              <a:off x="5343072" y="1760043"/>
               <a:ext cx="0" cy="190469"/>
             </a:xfrm>
             <a:custGeom>
@@ -33343,13 +33343,13 @@
           </p:nvSpPr>
           <p:spPr>
             <a:xfrm>
-              <a:off x="3798621" y="1554335"/>
-              <a:ext cx="163703" cy="205707"/>
+              <a:off x="5200279" y="1554335"/>
+              <a:ext cx="285586" cy="205707"/>
             </a:xfrm>
             <a:custGeom>
               <a:avLst/>
               <a:pathLst>
-                <a:path w="163703" h="205707">
+                <a:path w="285586" h="205707">
                   <a:moveTo>
                     <a:pt x="0" y="0"/>
                   </a:moveTo>
@@ -33357,10 +33357,10 @@
                     <a:pt x="0" y="205707"/>
                   </a:lnTo>
                   <a:lnTo>
-                    <a:pt x="163703" y="205707"/>
-                  </a:lnTo>
-                  <a:lnTo>
-                    <a:pt x="163703" y="0"/>
+                    <a:pt x="285586" y="205707"/>
+                  </a:lnTo>
+                  <a:lnTo>
+                    <a:pt x="285586" y="0"/>
                   </a:lnTo>
                   <a:close/>
                 </a:path>
@@ -33395,18 +33395,18 @@
           </p:nvSpPr>
           <p:spPr>
             <a:xfrm>
-              <a:off x="3798621" y="1676236"/>
-              <a:ext cx="163703" cy="0"/>
+              <a:off x="5200279" y="1676236"/>
+              <a:ext cx="285586" cy="0"/>
             </a:xfrm>
             <a:custGeom>
               <a:avLst/>
               <a:pathLst>
-                <a:path w="163703" h="0">
+                <a:path w="285586" h="0">
                   <a:moveTo>
                     <a:pt x="0" y="0"/>
                   </a:moveTo>
                   <a:lnTo>
-                    <a:pt x="163703" y="0"/>
+                    <a:pt x="285586" y="0"/>
                   </a:lnTo>
                 </a:path>
               </a:pathLst>
@@ -33435,7 +33435,7 @@
           </p:nvSpPr>
           <p:spPr>
             <a:xfrm>
-              <a:off x="3390852" y="2067900"/>
+              <a:off x="4514961" y="2067900"/>
               <a:ext cx="69977" cy="69977"/>
             </a:xfrm>
             <a:prstGeom prst="ellipse">
@@ -33470,7 +33470,7 @@
           </p:nvSpPr>
           <p:spPr>
             <a:xfrm>
-              <a:off x="3430033" y="2128850"/>
+              <a:off x="4583315" y="2128850"/>
               <a:ext cx="69977" cy="69977"/>
             </a:xfrm>
             <a:prstGeom prst="ellipse">
@@ -33505,7 +33505,7 @@
           </p:nvSpPr>
           <p:spPr>
             <a:xfrm>
-              <a:off x="3379767" y="2189800"/>
+              <a:off x="4495623" y="2189800"/>
               <a:ext cx="69977" cy="69977"/>
             </a:xfrm>
             <a:prstGeom prst="ellipse">
@@ -33540,7 +33540,7 @@
           </p:nvSpPr>
           <p:spPr>
             <a:xfrm>
-              <a:off x="3417567" y="2220276"/>
+              <a:off x="4561567" y="2220276"/>
               <a:ext cx="69977" cy="69977"/>
             </a:xfrm>
             <a:prstGeom prst="ellipse">
@@ -33575,7 +33575,7 @@
           </p:nvSpPr>
           <p:spPr>
             <a:xfrm>
-              <a:off x="3427642" y="2098375"/>
+              <a:off x="4579142" y="2098375"/>
               <a:ext cx="69977" cy="69977"/>
             </a:xfrm>
             <a:prstGeom prst="ellipse">
@@ -33610,7 +33610,7 @@
           </p:nvSpPr>
           <p:spPr>
             <a:xfrm>
-              <a:off x="3370707" y="1976474"/>
+              <a:off x="4479818" y="1976474"/>
               <a:ext cx="69977" cy="69977"/>
             </a:xfrm>
             <a:prstGeom prst="ellipse">
@@ -33645,7 +33645,7 @@
           </p:nvSpPr>
           <p:spPr>
             <a:xfrm>
-              <a:off x="3419645" y="2220276"/>
+              <a:off x="4565191" y="2220276"/>
               <a:ext cx="69977" cy="69977"/>
             </a:xfrm>
             <a:prstGeom prst="ellipse">
@@ -33680,7 +33680,7 @@
           </p:nvSpPr>
           <p:spPr>
             <a:xfrm>
-              <a:off x="3404322" y="2098375"/>
+              <a:off x="4538460" y="2098375"/>
               <a:ext cx="69977" cy="69977"/>
             </a:xfrm>
             <a:prstGeom prst="ellipse">
@@ -33715,7 +33715,7 @@
           </p:nvSpPr>
           <p:spPr>
             <a:xfrm>
-              <a:off x="3394041" y="2281226"/>
+              <a:off x="4520525" y="2281226"/>
               <a:ext cx="69977" cy="69977"/>
             </a:xfrm>
             <a:prstGeom prst="ellipse">
@@ -33750,7 +33750,7 @@
           </p:nvSpPr>
           <p:spPr>
             <a:xfrm>
-              <a:off x="3399823" y="2128850"/>
+              <a:off x="4530612" y="2128850"/>
               <a:ext cx="69977" cy="69977"/>
             </a:xfrm>
             <a:prstGeom prst="ellipse">
@@ -33785,7 +33785,7 @@
           </p:nvSpPr>
           <p:spPr>
             <a:xfrm>
-              <a:off x="3402811" y="1976474"/>
+              <a:off x="4535824" y="1976474"/>
               <a:ext cx="69977" cy="69977"/>
             </a:xfrm>
             <a:prstGeom prst="ellipse">
@@ -33820,7 +33820,7 @@
           </p:nvSpPr>
           <p:spPr>
             <a:xfrm>
-              <a:off x="3409609" y="2159325"/>
+              <a:off x="4547684" y="2159325"/>
               <a:ext cx="69977" cy="69977"/>
             </a:xfrm>
             <a:prstGeom prst="ellipse">
@@ -33855,7 +33855,7 @@
           </p:nvSpPr>
           <p:spPr>
             <a:xfrm>
-              <a:off x="3448618" y="2159325"/>
+              <a:off x="4615736" y="2159325"/>
               <a:ext cx="69977" cy="69977"/>
             </a:xfrm>
             <a:prstGeom prst="ellipse">
@@ -33890,7 +33890,7 @@
           </p:nvSpPr>
           <p:spPr>
             <a:xfrm>
-              <a:off x="3405357" y="2311701"/>
+              <a:off x="4540266" y="2311701"/>
               <a:ext cx="69977" cy="69977"/>
             </a:xfrm>
             <a:prstGeom prst="ellipse">
@@ -33925,7 +33925,7 @@
           </p:nvSpPr>
           <p:spPr>
             <a:xfrm>
-              <a:off x="3422679" y="1854573"/>
+              <a:off x="4570485" y="1854573"/>
               <a:ext cx="69977" cy="69977"/>
             </a:xfrm>
             <a:prstGeom prst="ellipse">
@@ -33960,7 +33960,7 @@
           </p:nvSpPr>
           <p:spPr>
             <a:xfrm>
-              <a:off x="3390571" y="1885049"/>
+              <a:off x="4514472" y="1885049"/>
               <a:ext cx="69977" cy="69977"/>
             </a:xfrm>
             <a:prstGeom prst="ellipse">
@@ -33995,7 +33995,7 @@
           </p:nvSpPr>
           <p:spPr>
             <a:xfrm>
-              <a:off x="3423979" y="1976474"/>
+              <a:off x="4572753" y="1976474"/>
               <a:ext cx="69977" cy="69977"/>
             </a:xfrm>
             <a:prstGeom prst="ellipse">
@@ -34030,7 +34030,7 @@
           </p:nvSpPr>
           <p:spPr>
             <a:xfrm>
-              <a:off x="3429035" y="2067900"/>
+              <a:off x="4581573" y="2067900"/>
               <a:ext cx="69977" cy="69977"/>
             </a:xfrm>
             <a:prstGeom prst="ellipse">
@@ -34065,7 +34065,7 @@
           </p:nvSpPr>
           <p:spPr>
             <a:xfrm>
-              <a:off x="3447942" y="1885049"/>
+              <a:off x="4614556" y="1885049"/>
               <a:ext cx="69977" cy="69977"/>
             </a:xfrm>
             <a:prstGeom prst="ellipse">
@@ -34100,7 +34100,7 @@
           </p:nvSpPr>
           <p:spPr>
             <a:xfrm>
-              <a:off x="3393859" y="2067900"/>
+              <a:off x="4520206" y="2067900"/>
               <a:ext cx="69977" cy="69977"/>
             </a:xfrm>
             <a:prstGeom prst="ellipse">
@@ -34135,7 +34135,7 @@
           </p:nvSpPr>
           <p:spPr>
             <a:xfrm>
-              <a:off x="3425366" y="1976474"/>
+              <a:off x="4575172" y="1976474"/>
               <a:ext cx="69977" cy="69977"/>
             </a:xfrm>
             <a:prstGeom prst="ellipse">
@@ -34170,7 +34170,7 @@
           </p:nvSpPr>
           <p:spPr>
             <a:xfrm>
-              <a:off x="3415506" y="2067900"/>
+              <a:off x="4557972" y="2067900"/>
               <a:ext cx="69977" cy="69977"/>
             </a:xfrm>
             <a:prstGeom prst="ellipse">
@@ -34205,7 +34205,7 @@
           </p:nvSpPr>
           <p:spPr>
             <a:xfrm>
-              <a:off x="3366581" y="2220276"/>
+              <a:off x="4472620" y="2220276"/>
               <a:ext cx="69977" cy="69977"/>
             </a:xfrm>
             <a:prstGeom prst="ellipse">
@@ -34240,7 +34240,7 @@
           </p:nvSpPr>
           <p:spPr>
             <a:xfrm>
-              <a:off x="3377069" y="2067900"/>
+              <a:off x="4490917" y="2067900"/>
               <a:ext cx="69977" cy="69977"/>
             </a:xfrm>
             <a:prstGeom prst="ellipse">
@@ -34275,7 +34275,7 @@
           </p:nvSpPr>
           <p:spPr>
             <a:xfrm>
-              <a:off x="3441764" y="2159325"/>
+              <a:off x="4603780" y="2159325"/>
               <a:ext cx="69977" cy="69977"/>
             </a:xfrm>
             <a:prstGeom prst="ellipse">
@@ -34310,7 +34310,7 @@
           </p:nvSpPr>
           <p:spPr>
             <a:xfrm>
-              <a:off x="3414482" y="2098375"/>
+              <a:off x="4556185" y="2098375"/>
               <a:ext cx="69977" cy="69977"/>
             </a:xfrm>
             <a:prstGeom prst="ellipse">
@@ -34345,7 +34345,7 @@
           </p:nvSpPr>
           <p:spPr>
             <a:xfrm>
-              <a:off x="3422479" y="2098375"/>
+              <a:off x="4570136" y="2098375"/>
               <a:ext cx="69977" cy="69977"/>
             </a:xfrm>
             <a:prstGeom prst="ellipse">
@@ -34380,7 +34380,7 @@
           </p:nvSpPr>
           <p:spPr>
             <a:xfrm>
-              <a:off x="3388362" y="2037425"/>
+              <a:off x="4510617" y="2037425"/>
               <a:ext cx="69977" cy="69977"/>
             </a:xfrm>
             <a:prstGeom prst="ellipse">
@@ -34415,7 +34415,7 @@
           </p:nvSpPr>
           <p:spPr>
             <a:xfrm>
-              <a:off x="3438194" y="2037425"/>
+              <a:off x="4597551" y="2037425"/>
               <a:ext cx="69977" cy="69977"/>
             </a:xfrm>
             <a:prstGeom prst="ellipse">
@@ -34450,7 +34450,7 @@
           </p:nvSpPr>
           <p:spPr>
             <a:xfrm>
-              <a:off x="3368752" y="2189800"/>
+              <a:off x="4476408" y="2189800"/>
               <a:ext cx="69977" cy="69977"/>
             </a:xfrm>
             <a:prstGeom prst="ellipse">
@@ -34485,7 +34485,7 @@
           </p:nvSpPr>
           <p:spPr>
             <a:xfrm>
-              <a:off x="3421163" y="2159325"/>
+              <a:off x="4567841" y="2159325"/>
               <a:ext cx="69977" cy="69977"/>
             </a:xfrm>
             <a:prstGeom prst="ellipse">
@@ -34520,7 +34520,7 @@
           </p:nvSpPr>
           <p:spPr>
             <a:xfrm>
-              <a:off x="3375143" y="1976474"/>
+              <a:off x="4487557" y="1976474"/>
               <a:ext cx="69977" cy="69977"/>
             </a:xfrm>
             <a:prstGeom prst="ellipse">
@@ -34555,7 +34555,7 @@
           </p:nvSpPr>
           <p:spPr>
             <a:xfrm>
-              <a:off x="3440099" y="2037425"/>
+              <a:off x="4600875" y="2037425"/>
               <a:ext cx="69977" cy="69977"/>
             </a:xfrm>
             <a:prstGeom prst="ellipse">
@@ -34590,7 +34590,7 @@
           </p:nvSpPr>
           <p:spPr>
             <a:xfrm>
-              <a:off x="3389259" y="1945999"/>
+              <a:off x="4512182" y="1945999"/>
               <a:ext cx="69977" cy="69977"/>
             </a:xfrm>
             <a:prstGeom prst="ellipse">
@@ -34625,7 +34625,7 @@
           </p:nvSpPr>
           <p:spPr>
             <a:xfrm>
-              <a:off x="3429366" y="2128850"/>
+              <a:off x="4582150" y="2128850"/>
               <a:ext cx="69977" cy="69977"/>
             </a:xfrm>
             <a:prstGeom prst="ellipse">
@@ -34660,7 +34660,7 @@
           </p:nvSpPr>
           <p:spPr>
             <a:xfrm>
-              <a:off x="3451315" y="2098375"/>
+              <a:off x="4620442" y="2098375"/>
               <a:ext cx="69977" cy="69977"/>
             </a:xfrm>
             <a:prstGeom prst="ellipse">
@@ -34695,7 +34695,7 @@
           </p:nvSpPr>
           <p:spPr>
             <a:xfrm>
-              <a:off x="3389232" y="1945999"/>
+              <a:off x="4512136" y="1945999"/>
               <a:ext cx="69977" cy="69977"/>
             </a:xfrm>
             <a:prstGeom prst="ellipse">
@@ -34730,7 +34730,7 @@
           </p:nvSpPr>
           <p:spPr>
             <a:xfrm>
-              <a:off x="3441439" y="2128850"/>
+              <a:off x="4603212" y="2128850"/>
               <a:ext cx="69977" cy="69977"/>
             </a:xfrm>
             <a:prstGeom prst="ellipse">
@@ -34765,7 +34765,7 @@
           </p:nvSpPr>
           <p:spPr>
             <a:xfrm>
-              <a:off x="3382813" y="2281226"/>
+              <a:off x="4500936" y="2281226"/>
               <a:ext cx="69977" cy="69977"/>
             </a:xfrm>
             <a:prstGeom prst="ellipse">
@@ -34800,7 +34800,7 @@
           </p:nvSpPr>
           <p:spPr>
             <a:xfrm>
-              <a:off x="3387024" y="2067900"/>
+              <a:off x="4508283" y="2067900"/>
               <a:ext cx="69977" cy="69977"/>
             </a:xfrm>
             <a:prstGeom prst="ellipse">
@@ -34835,7 +34835,7 @@
           </p:nvSpPr>
           <p:spPr>
             <a:xfrm>
-              <a:off x="3389766" y="2098375"/>
+              <a:off x="4513067" y="2098375"/>
               <a:ext cx="69977" cy="69977"/>
             </a:xfrm>
             <a:prstGeom prst="ellipse">
@@ -34870,7 +34870,7 @@
           </p:nvSpPr>
           <p:spPr>
             <a:xfrm>
-              <a:off x="3387069" y="2250751"/>
+              <a:off x="4508361" y="2250751"/>
               <a:ext cx="69977" cy="69977"/>
             </a:xfrm>
             <a:prstGeom prst="ellipse">
@@ -34905,7 +34905,7 @@
           </p:nvSpPr>
           <p:spPr>
             <a:xfrm>
-              <a:off x="3428504" y="2281226"/>
+              <a:off x="4580647" y="2281226"/>
               <a:ext cx="69977" cy="69977"/>
             </a:xfrm>
             <a:prstGeom prst="ellipse">
@@ -34940,7 +34940,7 @@
           </p:nvSpPr>
           <p:spPr>
             <a:xfrm>
-              <a:off x="3441989" y="2098375"/>
+              <a:off x="4604172" y="2098375"/>
               <a:ext cx="69977" cy="69977"/>
             </a:xfrm>
             <a:prstGeom prst="ellipse">
@@ -34975,7 +34975,7 @@
           </p:nvSpPr>
           <p:spPr>
             <a:xfrm>
-              <a:off x="3430794" y="2067900"/>
+              <a:off x="4584641" y="2067900"/>
               <a:ext cx="69977" cy="69977"/>
             </a:xfrm>
             <a:prstGeom prst="ellipse">
@@ -35010,7 +35010,7 @@
           </p:nvSpPr>
           <p:spPr>
             <a:xfrm>
-              <a:off x="3408180" y="2159325"/>
+              <a:off x="4545191" y="2159325"/>
               <a:ext cx="69977" cy="69977"/>
             </a:xfrm>
             <a:prstGeom prst="ellipse">
@@ -35045,7 +35045,7 @@
           </p:nvSpPr>
           <p:spPr>
             <a:xfrm>
-              <a:off x="3423996" y="2067900"/>
+              <a:off x="4572782" y="2067900"/>
               <a:ext cx="69977" cy="69977"/>
             </a:xfrm>
             <a:prstGeom prst="ellipse">
@@ -35080,7 +35080,7 @@
           </p:nvSpPr>
           <p:spPr>
             <a:xfrm>
-              <a:off x="3416018" y="2220276"/>
+              <a:off x="4558865" y="2220276"/>
               <a:ext cx="69977" cy="69977"/>
             </a:xfrm>
             <a:prstGeom prst="ellipse">
@@ -35115,7 +35115,7 @@
           </p:nvSpPr>
           <p:spPr>
             <a:xfrm>
-              <a:off x="3366487" y="2006949"/>
+              <a:off x="4472455" y="2006949"/>
               <a:ext cx="69977" cy="69977"/>
             </a:xfrm>
             <a:prstGeom prst="ellipse">
@@ -35150,7 +35150,7 @@
           </p:nvSpPr>
           <p:spPr>
             <a:xfrm>
-              <a:off x="3377095" y="2098375"/>
+              <a:off x="4490962" y="2098375"/>
               <a:ext cx="69977" cy="69977"/>
             </a:xfrm>
             <a:prstGeom prst="ellipse">
@@ -35185,7 +35185,7 @@
           </p:nvSpPr>
           <p:spPr>
             <a:xfrm>
-              <a:off x="3614627" y="1488871"/>
+              <a:off x="4905345" y="1488871"/>
               <a:ext cx="69977" cy="69977"/>
             </a:xfrm>
             <a:prstGeom prst="ellipse">
@@ -35220,7 +35220,7 @@
           </p:nvSpPr>
           <p:spPr>
             <a:xfrm>
-              <a:off x="3599829" y="1671722"/>
+              <a:off x="4879529" y="1671722"/>
               <a:ext cx="69977" cy="69977"/>
             </a:xfrm>
             <a:prstGeom prst="ellipse">
@@ -35255,7 +35255,7 @@
           </p:nvSpPr>
           <p:spPr>
             <a:xfrm>
-              <a:off x="3607342" y="1519346"/>
+              <a:off x="4892636" y="1519346"/>
               <a:ext cx="69977" cy="69977"/>
             </a:xfrm>
             <a:prstGeom prst="ellipse">
@@ -35290,7 +35290,7 @@
           </p:nvSpPr>
           <p:spPr>
             <a:xfrm>
-              <a:off x="3643511" y="1945999"/>
+              <a:off x="4955735" y="1945999"/>
               <a:ext cx="69977" cy="69977"/>
             </a:xfrm>
             <a:prstGeom prst="ellipse">
@@ -35325,7 +35325,7 @@
           </p:nvSpPr>
           <p:spPr>
             <a:xfrm>
-              <a:off x="3655522" y="1641247"/>
+              <a:off x="4976688" y="1641247"/>
               <a:ext cx="69977" cy="69977"/>
             </a:xfrm>
             <a:prstGeom prst="ellipse">
@@ -35360,7 +35360,7 @@
           </p:nvSpPr>
           <p:spPr>
             <a:xfrm>
-              <a:off x="3626736" y="1885049"/>
+              <a:off x="4926469" y="1885049"/>
               <a:ext cx="69977" cy="69977"/>
             </a:xfrm>
             <a:prstGeom prst="ellipse">
@@ -35395,7 +35395,7 @@
           </p:nvSpPr>
           <p:spPr>
             <a:xfrm>
-              <a:off x="3593527" y="1702197"/>
+              <a:off x="4868536" y="1702197"/>
               <a:ext cx="69977" cy="69977"/>
             </a:xfrm>
             <a:prstGeom prst="ellipse">
@@ -35430,7 +35430,7 @@
           </p:nvSpPr>
           <p:spPr>
             <a:xfrm>
-              <a:off x="3650592" y="2128850"/>
+              <a:off x="4968089" y="2128850"/>
               <a:ext cx="69977" cy="69977"/>
             </a:xfrm>
             <a:prstGeom prst="ellipse">
@@ -35465,7 +35465,7 @@
           </p:nvSpPr>
           <p:spPr>
             <a:xfrm>
-              <a:off x="3602361" y="1610772"/>
+              <a:off x="4883947" y="1610772"/>
               <a:ext cx="69977" cy="69977"/>
             </a:xfrm>
             <a:prstGeom prst="ellipse">
@@ -35500,7 +35500,7 @@
           </p:nvSpPr>
           <p:spPr>
             <a:xfrm>
-              <a:off x="3589154" y="2037425"/>
+              <a:off x="4860907" y="2037425"/>
               <a:ext cx="69977" cy="69977"/>
             </a:xfrm>
             <a:prstGeom prst="ellipse">
@@ -35535,7 +35535,7 @@
           </p:nvSpPr>
           <p:spPr>
             <a:xfrm>
-              <a:off x="3638669" y="2098375"/>
+              <a:off x="4947287" y="2098375"/>
               <a:ext cx="69977" cy="69977"/>
             </a:xfrm>
             <a:prstGeom prst="ellipse">
@@ -35570,7 +35570,7 @@
           </p:nvSpPr>
           <p:spPr>
             <a:xfrm>
-              <a:off x="3660378" y="1824098"/>
+              <a:off x="4985160" y="1824098"/>
               <a:ext cx="69977" cy="69977"/>
             </a:xfrm>
             <a:prstGeom prst="ellipse">
@@ -35605,7 +35605,7 @@
           </p:nvSpPr>
           <p:spPr>
             <a:xfrm>
-              <a:off x="3610477" y="1793623"/>
+              <a:off x="4898106" y="1793623"/>
               <a:ext cx="69977" cy="69977"/>
             </a:xfrm>
             <a:prstGeom prst="ellipse">
@@ -35640,7 +35640,7 @@
           </p:nvSpPr>
           <p:spPr>
             <a:xfrm>
-              <a:off x="3591695" y="1763148"/>
+              <a:off x="4865341" y="1763148"/>
               <a:ext cx="69977" cy="69977"/>
             </a:xfrm>
             <a:prstGeom prst="ellipse">
@@ -35675,7 +35675,7 @@
           </p:nvSpPr>
           <p:spPr>
             <a:xfrm>
-              <a:off x="3592724" y="1915524"/>
+              <a:off x="4867134" y="1915524"/>
               <a:ext cx="69977" cy="69977"/>
             </a:xfrm>
             <a:prstGeom prst="ellipse">
@@ -35710,7 +35710,7 @@
           </p:nvSpPr>
           <p:spPr>
             <a:xfrm>
-              <a:off x="3669386" y="1580297"/>
+              <a:off x="5000875" y="1580297"/>
               <a:ext cx="69977" cy="69977"/>
             </a:xfrm>
             <a:prstGeom prst="ellipse">
@@ -35745,7 +35745,7 @@
           </p:nvSpPr>
           <p:spPr>
             <a:xfrm>
-              <a:off x="3621632" y="1915524"/>
+              <a:off x="4917566" y="1915524"/>
               <a:ext cx="69977" cy="69977"/>
             </a:xfrm>
             <a:prstGeom prst="ellipse">
@@ -35780,7 +35780,7 @@
           </p:nvSpPr>
           <p:spPr>
             <a:xfrm>
-              <a:off x="3633715" y="1854573"/>
+              <a:off x="4938645" y="1854573"/>
               <a:ext cx="69977" cy="69977"/>
             </a:xfrm>
             <a:prstGeom prst="ellipse">
@@ -35815,7 +35815,7 @@
           </p:nvSpPr>
           <p:spPr>
             <a:xfrm>
-              <a:off x="3669529" y="1732673"/>
+              <a:off x="5001125" y="1732673"/>
               <a:ext cx="69977" cy="69977"/>
             </a:xfrm>
             <a:prstGeom prst="ellipse">
@@ -35850,7 +35850,7 @@
           </p:nvSpPr>
           <p:spPr>
             <a:xfrm>
-              <a:off x="3604419" y="1915524"/>
+              <a:off x="4887538" y="1915524"/>
               <a:ext cx="69977" cy="69977"/>
             </a:xfrm>
             <a:prstGeom prst="ellipse">
@@ -35885,7 +35885,7 @@
           </p:nvSpPr>
           <p:spPr>
             <a:xfrm>
-              <a:off x="3639893" y="1824098"/>
+              <a:off x="4949423" y="1824098"/>
               <a:ext cx="69977" cy="69977"/>
             </a:xfrm>
             <a:prstGeom prst="ellipse">
@@ -35920,7 +35920,7 @@
           </p:nvSpPr>
           <p:spPr>
             <a:xfrm>
-              <a:off x="3625277" y="1763148"/>
+              <a:off x="4923926" y="1763148"/>
               <a:ext cx="69977" cy="69977"/>
             </a:xfrm>
             <a:prstGeom prst="ellipse">
@@ -35955,7 +35955,7 @@
           </p:nvSpPr>
           <p:spPr>
             <a:xfrm>
-              <a:off x="3653504" y="1702197"/>
+              <a:off x="4973168" y="1702197"/>
               <a:ext cx="69977" cy="69977"/>
             </a:xfrm>
             <a:prstGeom prst="ellipse">
@@ -35990,7 +35990,7 @@
           </p:nvSpPr>
           <p:spPr>
             <a:xfrm>
-              <a:off x="3593129" y="1763148"/>
+              <a:off x="4867841" y="1763148"/>
               <a:ext cx="69977" cy="69977"/>
             </a:xfrm>
             <a:prstGeom prst="ellipse">
@@ -36025,7 +36025,7 @@
           </p:nvSpPr>
           <p:spPr>
             <a:xfrm>
-              <a:off x="3635671" y="1671722"/>
+              <a:off x="4942057" y="1671722"/>
               <a:ext cx="69977" cy="69977"/>
             </a:xfrm>
             <a:prstGeom prst="ellipse">
@@ -36060,7 +36060,7 @@
           </p:nvSpPr>
           <p:spPr>
             <a:xfrm>
-              <a:off x="3658358" y="1610772"/>
+              <a:off x="4981636" y="1610772"/>
               <a:ext cx="69977" cy="69977"/>
             </a:xfrm>
             <a:prstGeom prst="ellipse">
@@ -36095,7 +36095,7 @@
           </p:nvSpPr>
           <p:spPr>
             <a:xfrm>
-              <a:off x="3592504" y="1549821"/>
+              <a:off x="4866751" y="1549821"/>
               <a:ext cx="69977" cy="69977"/>
             </a:xfrm>
             <a:prstGeom prst="ellipse">
@@ -36130,7 +36130,7 @@
           </p:nvSpPr>
           <p:spPr>
             <a:xfrm>
-              <a:off x="3617043" y="1580297"/>
+              <a:off x="4909561" y="1580297"/>
               <a:ext cx="69977" cy="69977"/>
             </a:xfrm>
             <a:prstGeom prst="ellipse">
@@ -36165,7 +36165,7 @@
           </p:nvSpPr>
           <p:spPr>
             <a:xfrm>
-              <a:off x="3596173" y="1793623"/>
+              <a:off x="4873152" y="1793623"/>
               <a:ext cx="69977" cy="69977"/>
             </a:xfrm>
             <a:prstGeom prst="ellipse">
@@ -36200,7 +36200,7 @@
           </p:nvSpPr>
           <p:spPr>
             <a:xfrm>
-              <a:off x="3636896" y="1885049"/>
+              <a:off x="4944195" y="1885049"/>
               <a:ext cx="69977" cy="69977"/>
             </a:xfrm>
             <a:prstGeom prst="ellipse">
@@ -36235,7 +36235,7 @@
           </p:nvSpPr>
           <p:spPr>
             <a:xfrm>
-              <a:off x="3595330" y="1945999"/>
+              <a:off x="4871681" y="1945999"/>
               <a:ext cx="69977" cy="69977"/>
             </a:xfrm>
             <a:prstGeom prst="ellipse">
@@ -36270,7 +36270,7 @@
           </p:nvSpPr>
           <p:spPr>
             <a:xfrm>
-              <a:off x="3634353" y="1945999"/>
+              <a:off x="4939758" y="1945999"/>
               <a:ext cx="69977" cy="69977"/>
             </a:xfrm>
             <a:prstGeom prst="ellipse">
@@ -36305,7 +36305,7 @@
           </p:nvSpPr>
           <p:spPr>
             <a:xfrm>
-              <a:off x="3610087" y="1854573"/>
+              <a:off x="4897426" y="1854573"/>
               <a:ext cx="69977" cy="69977"/>
             </a:xfrm>
             <a:prstGeom prst="ellipse">
@@ -36340,7 +36340,7 @@
           </p:nvSpPr>
           <p:spPr>
             <a:xfrm>
-              <a:off x="3621672" y="1793623"/>
+              <a:off x="4917636" y="1793623"/>
               <a:ext cx="69977" cy="69977"/>
             </a:xfrm>
             <a:prstGeom prst="ellipse">
@@ -36375,7 +36375,7 @@
           </p:nvSpPr>
           <p:spPr>
             <a:xfrm>
-              <a:off x="3629181" y="1976474"/>
+              <a:off x="4930735" y="1976474"/>
               <a:ext cx="69977" cy="69977"/>
             </a:xfrm>
             <a:prstGeom prst="ellipse">
@@ -36410,7 +36410,7 @@
           </p:nvSpPr>
           <p:spPr>
             <a:xfrm>
-              <a:off x="3594404" y="1793623"/>
+              <a:off x="4870066" y="1793623"/>
               <a:ext cx="69977" cy="69977"/>
             </a:xfrm>
             <a:prstGeom prst="ellipse">
@@ -36445,7 +36445,7 @@
           </p:nvSpPr>
           <p:spPr>
             <a:xfrm>
-              <a:off x="3614967" y="1580297"/>
+              <a:off x="4905938" y="1580297"/>
               <a:ext cx="69977" cy="69977"/>
             </a:xfrm>
             <a:prstGeom prst="ellipse">
@@ -36480,7 +36480,7 @@
           </p:nvSpPr>
           <p:spPr>
             <a:xfrm>
-              <a:off x="3665518" y="1702197"/>
+              <a:off x="4994126" y="1702197"/>
               <a:ext cx="69977" cy="69977"/>
             </a:xfrm>
             <a:prstGeom prst="ellipse">
@@ -36515,7 +36515,7 @@
           </p:nvSpPr>
           <p:spPr>
             <a:xfrm>
-              <a:off x="3666324" y="1915524"/>
+              <a:off x="4995533" y="1915524"/>
               <a:ext cx="69977" cy="69977"/>
             </a:xfrm>
             <a:prstGeom prst="ellipse">
@@ -36550,7 +36550,7 @@
           </p:nvSpPr>
           <p:spPr>
             <a:xfrm>
-              <a:off x="3598363" y="1945999"/>
+              <a:off x="4876973" y="1945999"/>
               <a:ext cx="69977" cy="69977"/>
             </a:xfrm>
             <a:prstGeom prst="ellipse">
@@ -36585,7 +36585,7 @@
           </p:nvSpPr>
           <p:spPr>
             <a:xfrm>
-              <a:off x="3621026" y="1945999"/>
+              <a:off x="4916509" y="1945999"/>
               <a:ext cx="69977" cy="69977"/>
             </a:xfrm>
             <a:prstGeom prst="ellipse">
@@ -36620,7 +36620,7 @@
           </p:nvSpPr>
           <p:spPr>
             <a:xfrm>
-              <a:off x="3660183" y="1763148"/>
+              <a:off x="4984820" y="1763148"/>
               <a:ext cx="69977" cy="69977"/>
             </a:xfrm>
             <a:prstGeom prst="ellipse">
@@ -36655,7 +36655,7 @@
           </p:nvSpPr>
           <p:spPr>
             <a:xfrm>
-              <a:off x="3584686" y="1854573"/>
+              <a:off x="4853112" y="1854573"/>
               <a:ext cx="69977" cy="69977"/>
             </a:xfrm>
             <a:prstGeom prst="ellipse">
@@ -36690,7 +36690,7 @@
           </p:nvSpPr>
           <p:spPr>
             <a:xfrm>
-              <a:off x="3664003" y="2098375"/>
+              <a:off x="4991484" y="2098375"/>
               <a:ext cx="69977" cy="69977"/>
             </a:xfrm>
             <a:prstGeom prst="ellipse">
@@ -36725,7 +36725,7 @@
           </p:nvSpPr>
           <p:spPr>
             <a:xfrm>
-              <a:off x="3651325" y="1915524"/>
+              <a:off x="4969367" y="1915524"/>
               <a:ext cx="69977" cy="69977"/>
             </a:xfrm>
             <a:prstGeom prst="ellipse">
@@ -36760,7 +36760,7 @@
           </p:nvSpPr>
           <p:spPr>
             <a:xfrm>
-              <a:off x="3589179" y="1885049"/>
+              <a:off x="4860950" y="1885049"/>
               <a:ext cx="69977" cy="69977"/>
             </a:xfrm>
             <a:prstGeom prst="ellipse">
@@ -36795,7 +36795,7 @@
           </p:nvSpPr>
           <p:spPr>
             <a:xfrm>
-              <a:off x="3623910" y="1885049"/>
+              <a:off x="4921539" y="1885049"/>
               <a:ext cx="69977" cy="69977"/>
             </a:xfrm>
             <a:prstGeom prst="ellipse">
@@ -36830,7 +36830,7 @@
           </p:nvSpPr>
           <p:spPr>
             <a:xfrm>
-              <a:off x="3627990" y="1732673"/>
+              <a:off x="4928657" y="1732673"/>
               <a:ext cx="69977" cy="69977"/>
             </a:xfrm>
             <a:prstGeom prst="ellipse">
@@ -36865,7 +36865,7 @@
           </p:nvSpPr>
           <p:spPr>
             <a:xfrm>
-              <a:off x="3598509" y="2067900"/>
+              <a:off x="4877227" y="2067900"/>
               <a:ext cx="69977" cy="69977"/>
             </a:xfrm>
             <a:prstGeom prst="ellipse">
@@ -36900,7 +36900,7 @@
           </p:nvSpPr>
           <p:spPr>
             <a:xfrm>
-              <a:off x="3613537" y="1885049"/>
+              <a:off x="4903444" y="1885049"/>
               <a:ext cx="69977" cy="69977"/>
             </a:xfrm>
             <a:prstGeom prst="ellipse">
@@ -36935,7 +36935,7 @@
           </p:nvSpPr>
           <p:spPr>
             <a:xfrm>
-              <a:off x="3874790" y="1702197"/>
+              <a:off x="5359210" y="1702197"/>
               <a:ext cx="69977" cy="69977"/>
             </a:xfrm>
             <a:prstGeom prst="ellipse">
@@ -36970,7 +36970,7 @@
           </p:nvSpPr>
           <p:spPr>
             <a:xfrm>
-              <a:off x="3858437" y="1854573"/>
+              <a:off x="5330681" y="1854573"/>
               <a:ext cx="69977" cy="69977"/>
             </a:xfrm>
             <a:prstGeom prst="ellipse">
@@ -37005,7 +37005,7 @@
           </p:nvSpPr>
           <p:spPr>
             <a:xfrm>
-              <a:off x="3853545" y="1458396"/>
+              <a:off x="5322147" y="1458396"/>
               <a:ext cx="69977" cy="69977"/>
             </a:xfrm>
             <a:prstGeom prst="ellipse">
@@ -37040,7 +37040,7 @@
           </p:nvSpPr>
           <p:spPr>
             <a:xfrm>
-              <a:off x="3808815" y="1702197"/>
+              <a:off x="5244114" y="1702197"/>
               <a:ext cx="69977" cy="69977"/>
             </a:xfrm>
             <a:prstGeom prst="ellipse">
@@ -37075,7 +37075,7 @@
           </p:nvSpPr>
           <p:spPr>
             <a:xfrm>
-              <a:off x="3854374" y="1641247"/>
+              <a:off x="5323594" y="1641247"/>
               <a:ext cx="69977" cy="69977"/>
             </a:xfrm>
             <a:prstGeom prst="ellipse">
@@ -37110,7 +37110,7 @@
           </p:nvSpPr>
           <p:spPr>
             <a:xfrm>
-              <a:off x="3884695" y="1306020"/>
+              <a:off x="5376489" y="1306020"/>
               <a:ext cx="69977" cy="69977"/>
             </a:xfrm>
             <a:prstGeom prst="ellipse">
@@ -37145,7 +37145,7 @@
           </p:nvSpPr>
           <p:spPr>
             <a:xfrm>
-              <a:off x="3877877" y="2128850"/>
+              <a:off x="5364595" y="2128850"/>
               <a:ext cx="69977" cy="69977"/>
             </a:xfrm>
             <a:prstGeom prst="ellipse">
@@ -37180,7 +37180,7 @@
           </p:nvSpPr>
           <p:spPr>
             <a:xfrm>
-              <a:off x="3882582" y="1397446"/>
+              <a:off x="5372803" y="1397446"/>
               <a:ext cx="69977" cy="69977"/>
             </a:xfrm>
             <a:prstGeom prst="ellipse">
@@ -37215,7 +37215,7 @@
           </p:nvSpPr>
           <p:spPr>
             <a:xfrm>
-              <a:off x="3826677" y="1580297"/>
+              <a:off x="5275274" y="1580297"/>
               <a:ext cx="69977" cy="69977"/>
             </a:xfrm>
             <a:prstGeom prst="ellipse">
@@ -37250,7 +37250,7 @@
           </p:nvSpPr>
           <p:spPr>
             <a:xfrm>
-              <a:off x="3808034" y="1427921"/>
+              <a:off x="5242752" y="1427921"/>
               <a:ext cx="69977" cy="69977"/>
             </a:xfrm>
             <a:prstGeom prst="ellipse">
@@ -37285,7 +37285,7 @@
           </p:nvSpPr>
           <p:spPr>
             <a:xfrm>
-              <a:off x="3828243" y="1641247"/>
+              <a:off x="5278006" y="1641247"/>
               <a:ext cx="69977" cy="69977"/>
             </a:xfrm>
             <a:prstGeom prst="ellipse">
@@ -37320,7 +37320,7 @@
           </p:nvSpPr>
           <p:spPr>
             <a:xfrm>
-              <a:off x="3805502" y="1671722"/>
+              <a:off x="5238334" y="1671722"/>
               <a:ext cx="69977" cy="69977"/>
             </a:xfrm>
             <a:prstGeom prst="ellipse">
@@ -37355,7 +37355,7 @@
           </p:nvSpPr>
           <p:spPr>
             <a:xfrm>
-              <a:off x="3864365" y="1549821"/>
+              <a:off x="5341023" y="1549821"/>
               <a:ext cx="69977" cy="69977"/>
             </a:xfrm>
             <a:prstGeom prst="ellipse">
@@ -37390,7 +37390,7 @@
           </p:nvSpPr>
           <p:spPr>
             <a:xfrm>
-              <a:off x="3803350" y="1885049"/>
+              <a:off x="5234580" y="1885049"/>
               <a:ext cx="69977" cy="69977"/>
             </a:xfrm>
             <a:prstGeom prst="ellipse">
@@ -37425,7 +37425,7 @@
           </p:nvSpPr>
           <p:spPr>
             <a:xfrm>
-              <a:off x="3872607" y="1854573"/>
+              <a:off x="5355402" y="1854573"/>
               <a:ext cx="69977" cy="69977"/>
             </a:xfrm>
             <a:prstGeom prst="ellipse">
@@ -37460,7 +37460,7 @@
           </p:nvSpPr>
           <p:spPr>
             <a:xfrm>
-              <a:off x="3869120" y="1671722"/>
+              <a:off x="5349318" y="1671722"/>
               <a:ext cx="69977" cy="69977"/>
             </a:xfrm>
             <a:prstGeom prst="ellipse">
@@ -37495,7 +37495,7 @@
           </p:nvSpPr>
           <p:spPr>
             <a:xfrm>
-              <a:off x="3861521" y="1641247"/>
+              <a:off x="5336062" y="1641247"/>
               <a:ext cx="69977" cy="69977"/>
             </a:xfrm>
             <a:prstGeom prst="ellipse">
@@ -37530,7 +37530,7 @@
           </p:nvSpPr>
           <p:spPr>
             <a:xfrm>
-              <a:off x="3874937" y="1275545"/>
+              <a:off x="5359467" y="1275545"/>
               <a:ext cx="69977" cy="69977"/>
             </a:xfrm>
             <a:prstGeom prst="ellipse">
@@ -37565,7 +37565,7 @@
           </p:nvSpPr>
           <p:spPr>
             <a:xfrm>
-              <a:off x="3849375" y="1275545"/>
+              <a:off x="5314873" y="1275545"/>
               <a:ext cx="69977" cy="69977"/>
             </a:xfrm>
             <a:prstGeom prst="ellipse">
@@ -37600,7 +37600,7 @@
           </p:nvSpPr>
           <p:spPr>
             <a:xfrm>
-              <a:off x="3836385" y="1793623"/>
+              <a:off x="5292211" y="1793623"/>
               <a:ext cx="69977" cy="69977"/>
             </a:xfrm>
             <a:prstGeom prst="ellipse">
@@ -37635,7 +37635,7 @@
           </p:nvSpPr>
           <p:spPr>
             <a:xfrm>
-              <a:off x="3811407" y="1519346"/>
+              <a:off x="5248636" y="1519346"/>
               <a:ext cx="69977" cy="69977"/>
             </a:xfrm>
             <a:prstGeom prst="ellipse">
@@ -37670,7 +37670,7 @@
           </p:nvSpPr>
           <p:spPr>
             <a:xfrm>
-              <a:off x="3870552" y="1915524"/>
+              <a:off x="5351818" y="1915524"/>
               <a:ext cx="69977" cy="69977"/>
             </a:xfrm>
             <a:prstGeom prst="ellipse">
@@ -37705,7 +37705,7 @@
           </p:nvSpPr>
           <p:spPr>
             <a:xfrm>
-              <a:off x="3870808" y="1275545"/>
+              <a:off x="5352263" y="1275545"/>
               <a:ext cx="69977" cy="69977"/>
             </a:xfrm>
             <a:prstGeom prst="ellipse">
@@ -37740,7 +37740,7 @@
           </p:nvSpPr>
           <p:spPr>
             <a:xfrm>
-              <a:off x="3852671" y="1702197"/>
+              <a:off x="5320623" y="1702197"/>
               <a:ext cx="69977" cy="69977"/>
             </a:xfrm>
             <a:prstGeom prst="ellipse">
@@ -37775,7 +37775,7 @@
           </p:nvSpPr>
           <p:spPr>
             <a:xfrm>
-              <a:off x="3864396" y="1580297"/>
+              <a:off x="5341077" y="1580297"/>
               <a:ext cx="69977" cy="69977"/>
             </a:xfrm>
             <a:prstGeom prst="ellipse">
@@ -37810,7 +37810,7 @@
           </p:nvSpPr>
           <p:spPr>
             <a:xfrm>
-              <a:off x="3882257" y="1427921"/>
+              <a:off x="5372237" y="1427921"/>
               <a:ext cx="69977" cy="69977"/>
             </a:xfrm>
             <a:prstGeom prst="ellipse">
@@ -37845,7 +37845,7 @@
           </p:nvSpPr>
           <p:spPr>
             <a:xfrm>
-              <a:off x="3841201" y="1732673"/>
+              <a:off x="5300614" y="1732673"/>
               <a:ext cx="69977" cy="69977"/>
             </a:xfrm>
             <a:prstGeom prst="ellipse">
@@ -37880,7 +37880,7 @@
           </p:nvSpPr>
           <p:spPr>
             <a:xfrm>
-              <a:off x="3835180" y="1763148"/>
+              <a:off x="5290109" y="1763148"/>
               <a:ext cx="69977" cy="69977"/>
             </a:xfrm>
             <a:prstGeom prst="ellipse">
@@ -37915,7 +37915,7 @@
           </p:nvSpPr>
           <p:spPr>
             <a:xfrm>
-              <a:off x="3858184" y="1671722"/>
+              <a:off x="5330239" y="1671722"/>
               <a:ext cx="69977" cy="69977"/>
             </a:xfrm>
             <a:prstGeom prst="ellipse">
@@ -37950,7 +37950,7 @@
           </p:nvSpPr>
           <p:spPr>
             <a:xfrm>
-              <a:off x="3833861" y="1427921"/>
+              <a:off x="5287808" y="1427921"/>
               <a:ext cx="69977" cy="69977"/>
             </a:xfrm>
             <a:prstGeom prst="ellipse">
@@ -37985,7 +37985,7 @@
           </p:nvSpPr>
           <p:spPr>
             <a:xfrm>
-              <a:off x="3845570" y="1366970"/>
+              <a:off x="5308234" y="1366970"/>
               <a:ext cx="69977" cy="69977"/>
             </a:xfrm>
             <a:prstGeom prst="ellipse">
@@ -38020,7 +38020,7 @@
           </p:nvSpPr>
           <p:spPr>
             <a:xfrm>
-              <a:off x="3840988" y="1214594"/>
+              <a:off x="5300241" y="1214594"/>
               <a:ext cx="69977" cy="69977"/>
             </a:xfrm>
             <a:prstGeom prst="ellipse">
@@ -38055,7 +38055,7 @@
           </p:nvSpPr>
           <p:spPr>
             <a:xfrm>
-              <a:off x="3839169" y="1671722"/>
+              <a:off x="5297069" y="1671722"/>
               <a:ext cx="69977" cy="69977"/>
             </a:xfrm>
             <a:prstGeom prst="ellipse">
@@ -38090,7 +38090,7 @@
           </p:nvSpPr>
           <p:spPr>
             <a:xfrm>
-              <a:off x="3827304" y="1702197"/>
+              <a:off x="5276368" y="1702197"/>
               <a:ext cx="69977" cy="69977"/>
             </a:xfrm>
             <a:prstGeom prst="ellipse">
@@ -38125,7 +38125,7 @@
           </p:nvSpPr>
           <p:spPr>
             <a:xfrm>
-              <a:off x="3874430" y="1763148"/>
+              <a:off x="5358582" y="1763148"/>
               <a:ext cx="69977" cy="69977"/>
             </a:xfrm>
             <a:prstGeom prst="ellipse">
@@ -38160,7 +38160,7 @@
           </p:nvSpPr>
           <p:spPr>
             <a:xfrm>
-              <a:off x="3876963" y="1275545"/>
+              <a:off x="5363001" y="1275545"/>
               <a:ext cx="69977" cy="69977"/>
             </a:xfrm>
             <a:prstGeom prst="ellipse">
@@ -38195,7 +38195,7 @@
           </p:nvSpPr>
           <p:spPr>
             <a:xfrm>
-              <a:off x="3869125" y="1702197"/>
+              <a:off x="5349328" y="1702197"/>
               <a:ext cx="69977" cy="69977"/>
             </a:xfrm>
             <a:prstGeom prst="ellipse">
@@ -38230,7 +38230,7 @@
           </p:nvSpPr>
           <p:spPr>
             <a:xfrm>
-              <a:off x="3858834" y="1671722"/>
+              <a:off x="5331374" y="1671722"/>
               <a:ext cx="69977" cy="69977"/>
             </a:xfrm>
             <a:prstGeom prst="ellipse">
@@ -38265,7 +38265,7 @@
           </p:nvSpPr>
           <p:spPr>
             <a:xfrm>
-              <a:off x="3822245" y="1793623"/>
+              <a:off x="5267544" y="1793623"/>
               <a:ext cx="69977" cy="69977"/>
             </a:xfrm>
             <a:prstGeom prst="ellipse">
@@ -38300,7 +38300,7 @@
           </p:nvSpPr>
           <p:spPr>
             <a:xfrm>
-              <a:off x="3874772" y="1519346"/>
+              <a:off x="5359179" y="1519346"/>
               <a:ext cx="69977" cy="69977"/>
             </a:xfrm>
             <a:prstGeom prst="ellipse">
@@ -38335,7 +38335,7 @@
           </p:nvSpPr>
           <p:spPr>
             <a:xfrm>
-              <a:off x="3876314" y="1580297"/>
+              <a:off x="5361870" y="1580297"/>
               <a:ext cx="69977" cy="69977"/>
             </a:xfrm>
             <a:prstGeom prst="ellipse">
@@ -38370,7 +38370,7 @@
           </p:nvSpPr>
           <p:spPr>
             <a:xfrm>
-              <a:off x="3815814" y="1519346"/>
+              <a:off x="5256324" y="1519346"/>
               <a:ext cx="69977" cy="69977"/>
             </a:xfrm>
             <a:prstGeom prst="ellipse">
@@ -38405,7 +38405,7 @@
           </p:nvSpPr>
           <p:spPr>
             <a:xfrm>
-              <a:off x="3825716" y="1854573"/>
+              <a:off x="5273598" y="1854573"/>
               <a:ext cx="69977" cy="69977"/>
             </a:xfrm>
             <a:prstGeom prst="ellipse">
@@ -38440,7 +38440,7 @@
           </p:nvSpPr>
           <p:spPr>
             <a:xfrm>
-              <a:off x="3808583" y="1549821"/>
+              <a:off x="5243710" y="1549821"/>
               <a:ext cx="69977" cy="69977"/>
             </a:xfrm>
             <a:prstGeom prst="ellipse">
@@ -38475,7 +38475,7 @@
           </p:nvSpPr>
           <p:spPr>
             <a:xfrm>
-              <a:off x="3828308" y="1580297"/>
+              <a:off x="5278120" y="1580297"/>
               <a:ext cx="69977" cy="69977"/>
             </a:xfrm>
             <a:prstGeom prst="ellipse">
@@ -38510,7 +38510,7 @@
           </p:nvSpPr>
           <p:spPr>
             <a:xfrm>
-              <a:off x="3849685" y="1580297"/>
+              <a:off x="5315413" y="1580297"/>
               <a:ext cx="69977" cy="69977"/>
             </a:xfrm>
             <a:prstGeom prst="ellipse">
@@ -38545,7 +38545,7 @@
           </p:nvSpPr>
           <p:spPr>
             <a:xfrm>
-              <a:off x="3837749" y="1702197"/>
+              <a:off x="5294591" y="1702197"/>
               <a:ext cx="69977" cy="69977"/>
             </a:xfrm>
             <a:prstGeom prst="ellipse">
@@ -38580,7 +38580,7 @@
           </p:nvSpPr>
           <p:spPr>
             <a:xfrm>
-              <a:off x="3875229" y="1641247"/>
+              <a:off x="5359977" y="1641247"/>
               <a:ext cx="69977" cy="69977"/>
             </a:xfrm>
             <a:prstGeom prst="ellipse">
@@ -38615,7 +38615,7 @@
           </p:nvSpPr>
           <p:spPr>
             <a:xfrm>
-              <a:off x="3864359" y="1732673"/>
+              <a:off x="5341013" y="1732673"/>
               <a:ext cx="69977" cy="69977"/>
             </a:xfrm>
             <a:prstGeom prst="ellipse">
@@ -38650,7 +38650,7 @@
           </p:nvSpPr>
           <p:spPr>
             <a:xfrm>
-              <a:off x="3856036" y="1824098"/>
+              <a:off x="5326494" y="1824098"/>
               <a:ext cx="69977" cy="69977"/>
             </a:xfrm>
             <a:prstGeom prst="ellipse">
@@ -38686,7 +38686,7 @@
           <p:spPr>
             <a:xfrm>
               <a:off x="1402756" y="2471135"/>
-              <a:ext cx="698466" cy="216320"/>
+              <a:ext cx="1218501" cy="216320"/>
             </a:xfrm>
             <a:prstGeom prst="rect">
               <a:avLst/>
@@ -38711,7 +38711,7 @@
           </p:nvSpPr>
           <p:spPr>
             <a:xfrm>
-              <a:off x="1415563" y="2511873"/>
+              <a:off x="1675581" y="2511873"/>
               <a:ext cx="672851" cy="108158"/>
             </a:xfrm>
             <a:prstGeom prst="rect">
@@ -38758,7 +38758,7 @@
           <p:spPr>
             <a:xfrm>
               <a:off x="1402756" y="978407"/>
-              <a:ext cx="698466" cy="216320"/>
+              <a:ext cx="1218501" cy="216320"/>
             </a:xfrm>
             <a:prstGeom prst="rect">
               <a:avLst/>
@@ -38783,7 +38783,7 @@
           </p:nvSpPr>
           <p:spPr>
             <a:xfrm>
-              <a:off x="1400748" y="1019146"/>
+              <a:off x="1660765" y="1019146"/>
               <a:ext cx="702483" cy="108158"/>
             </a:xfrm>
             <a:prstGeom prst="rect">
@@ -38829,8 +38829,8 @@
           </p:nvSpPr>
           <p:spPr>
             <a:xfrm>
-              <a:off x="2411177" y="978407"/>
-              <a:ext cx="698466" cy="216320"/>
+              <a:off x="2931213" y="978407"/>
+              <a:ext cx="1218501" cy="216320"/>
             </a:xfrm>
             <a:prstGeom prst="rect">
               <a:avLst/>
@@ -38855,7 +38855,7 @@
           </p:nvSpPr>
           <p:spPr>
             <a:xfrm>
-              <a:off x="2439319" y="1040811"/>
+              <a:off x="3219372" y="1040811"/>
               <a:ext cx="642183" cy="86493"/>
             </a:xfrm>
             <a:prstGeom prst="rect">
@@ -38901,8 +38901,8 @@
           </p:nvSpPr>
           <p:spPr>
             <a:xfrm>
-              <a:off x="3312968" y="978407"/>
-              <a:ext cx="698466" cy="216320"/>
+              <a:off x="4353039" y="978407"/>
+              <a:ext cx="1218501" cy="216320"/>
             </a:xfrm>
             <a:prstGeom prst="rect">
               <a:avLst/>
@@ -38927,7 +38927,7 @@
           </p:nvSpPr>
           <p:spPr>
             <a:xfrm>
-              <a:off x="3295625" y="1019146"/>
+              <a:off x="4595714" y="1019146"/>
               <a:ext cx="733152" cy="108158"/>
             </a:xfrm>
             <a:prstGeom prst="rect">
@@ -38974,17 +38974,17 @@
           <p:spPr>
             <a:xfrm>
               <a:off x="1402756" y="3894273"/>
-              <a:ext cx="698466" cy="0"/>
+              <a:ext cx="1218501" cy="0"/>
             </a:xfrm>
             <a:custGeom>
               <a:avLst/>
               <a:pathLst>
-                <a:path w="698466" h="0">
+                <a:path w="1218501" h="0">
                   <a:moveTo>
                     <a:pt x="0" y="0"/>
                   </a:moveTo>
                   <a:lnTo>
-                    <a:pt x="698466" y="0"/>
+                    <a:pt x="1218501" y="0"/>
                   </a:lnTo>
                 </a:path>
               </a:pathLst>
@@ -39013,7 +39013,7 @@
           </p:nvSpPr>
           <p:spPr>
             <a:xfrm rot="-2700000">
-              <a:off x="1250715" y="4075545"/>
+              <a:off x="1348222" y="4075545"/>
               <a:ext cx="365893" cy="80054"/>
             </a:xfrm>
             <a:prstGeom prst="rect">
@@ -39059,7 +39059,7 @@
           </p:nvSpPr>
           <p:spPr>
             <a:xfrm rot="-2700000">
-              <a:off x="1313559" y="4133486"/>
+              <a:off x="1573577" y="4133486"/>
               <a:ext cx="545321" cy="86493"/>
             </a:xfrm>
             <a:prstGeom prst="rect">
@@ -39105,7 +39105,7 @@
           </p:nvSpPr>
           <p:spPr>
             <a:xfrm rot="-2700000">
-              <a:off x="1582533" y="4090820"/>
+              <a:off x="2005062" y="4090820"/>
               <a:ext cx="476944" cy="108158"/>
             </a:xfrm>
             <a:prstGeom prst="rect">
@@ -39151,18 +39151,18 @@
           </p:nvSpPr>
           <p:spPr>
             <a:xfrm>
-              <a:off x="2411177" y="2401546"/>
-              <a:ext cx="698466" cy="0"/>
+              <a:off x="2931213" y="2401546"/>
+              <a:ext cx="1218501" cy="0"/>
             </a:xfrm>
             <a:custGeom>
               <a:avLst/>
               <a:pathLst>
-                <a:path w="698466" h="0">
+                <a:path w="1218501" h="0">
                   <a:moveTo>
                     <a:pt x="0" y="0"/>
                   </a:moveTo>
                   <a:lnTo>
-                    <a:pt x="698466" y="0"/>
+                    <a:pt x="1218501" y="0"/>
                   </a:lnTo>
                 </a:path>
               </a:pathLst>
@@ -39191,7 +39191,7 @@
           </p:nvSpPr>
           <p:spPr>
             <a:xfrm rot="-2700000">
-              <a:off x="2259137" y="2582818"/>
+              <a:off x="2876679" y="2582818"/>
               <a:ext cx="365893" cy="80054"/>
             </a:xfrm>
             <a:prstGeom prst="rect">
@@ -39237,7 +39237,7 @@
           </p:nvSpPr>
           <p:spPr>
             <a:xfrm rot="-2700000">
-              <a:off x="2321980" y="2640759"/>
+              <a:off x="3102033" y="2640759"/>
               <a:ext cx="545321" cy="86493"/>
             </a:xfrm>
             <a:prstGeom prst="rect">
@@ -39283,7 +39283,7 @@
           </p:nvSpPr>
           <p:spPr>
             <a:xfrm rot="-2700000">
-              <a:off x="2590954" y="2598093"/>
+              <a:off x="3533519" y="2598093"/>
               <a:ext cx="476944" cy="108158"/>
             </a:xfrm>
             <a:prstGeom prst="rect">
@@ -39329,18 +39329,18 @@
           </p:nvSpPr>
           <p:spPr>
             <a:xfrm>
-              <a:off x="3312968" y="2401546"/>
-              <a:ext cx="698466" cy="0"/>
+              <a:off x="4353039" y="2401546"/>
+              <a:ext cx="1218501" cy="0"/>
             </a:xfrm>
             <a:custGeom>
               <a:avLst/>
               <a:pathLst>
-                <a:path w="698466" h="0">
+                <a:path w="1218501" h="0">
                   <a:moveTo>
                     <a:pt x="0" y="0"/>
                   </a:moveTo>
                   <a:lnTo>
-                    <a:pt x="698466" y="0"/>
+                    <a:pt x="1218501" y="0"/>
                   </a:lnTo>
                 </a:path>
               </a:pathLst>
@@ -39369,7 +39369,7 @@
           </p:nvSpPr>
           <p:spPr>
             <a:xfrm rot="-2700000">
-              <a:off x="3160927" y="2582818"/>
+              <a:off x="4298505" y="2582818"/>
               <a:ext cx="365893" cy="80054"/>
             </a:xfrm>
             <a:prstGeom prst="rect">
@@ -39415,7 +39415,7 @@
           </p:nvSpPr>
           <p:spPr>
             <a:xfrm rot="-2700000">
-              <a:off x="3223771" y="2640759"/>
+              <a:off x="4523860" y="2640759"/>
               <a:ext cx="545321" cy="86493"/>
             </a:xfrm>
             <a:prstGeom prst="rect">
@@ -39461,7 +39461,7 @@
           </p:nvSpPr>
           <p:spPr>
             <a:xfrm rot="-2700000">
-              <a:off x="3492745" y="2598093"/>
+              <a:off x="4955345" y="2598093"/>
               <a:ext cx="476944" cy="108158"/>
             </a:xfrm>
             <a:prstGeom prst="rect">
@@ -39507,7 +39507,7 @@
           </p:nvSpPr>
           <p:spPr>
             <a:xfrm>
-              <a:off x="3312968" y="1194728"/>
+              <a:off x="4353039" y="1194728"/>
               <a:ext cx="0" cy="1206817"/>
             </a:xfrm>
             <a:custGeom>
@@ -39547,7 +39547,7 @@
           </p:nvSpPr>
           <p:spPr>
             <a:xfrm>
-              <a:off x="3179233" y="2091045"/>
+              <a:off x="4219304" y="2091045"/>
               <a:ext cx="71105" cy="83056"/>
             </a:xfrm>
             <a:prstGeom prst="rect">
@@ -39593,7 +39593,7 @@
           </p:nvSpPr>
           <p:spPr>
             <a:xfrm>
-              <a:off x="3179233" y="1784819"/>
+              <a:off x="4219304" y="1784819"/>
               <a:ext cx="71105" cy="84529"/>
             </a:xfrm>
             <a:prstGeom prst="rect">
@@ -39639,7 +39639,7 @@
           </p:nvSpPr>
           <p:spPr>
             <a:xfrm>
-              <a:off x="3179233" y="1483123"/>
+              <a:off x="4219304" y="1483123"/>
               <a:ext cx="71105" cy="81473"/>
             </a:xfrm>
             <a:prstGeom prst="rect">
@@ -39685,7 +39685,7 @@
           </p:nvSpPr>
           <p:spPr>
             <a:xfrm>
-              <a:off x="3179233" y="1175315"/>
+              <a:off x="4219304" y="1175315"/>
               <a:ext cx="71105" cy="84529"/>
             </a:xfrm>
             <a:prstGeom prst="rect">
@@ -39731,7 +39731,7 @@
           </p:nvSpPr>
           <p:spPr>
             <a:xfrm>
-              <a:off x="2411177" y="1194728"/>
+              <a:off x="2931213" y="1194728"/>
               <a:ext cx="0" cy="1206817"/>
             </a:xfrm>
             <a:custGeom>
@@ -39771,7 +39771,7 @@
           </p:nvSpPr>
           <p:spPr>
             <a:xfrm>
-              <a:off x="2170812" y="2348610"/>
+              <a:off x="2690847" y="2348610"/>
               <a:ext cx="177735" cy="84529"/>
             </a:xfrm>
             <a:prstGeom prst="rect">
@@ -39817,7 +39817,7 @@
           </p:nvSpPr>
           <p:spPr>
             <a:xfrm>
-              <a:off x="2170812" y="2120046"/>
+              <a:off x="2690847" y="2120046"/>
               <a:ext cx="177735" cy="84529"/>
             </a:xfrm>
             <a:prstGeom prst="rect">
@@ -39863,7 +39863,7 @@
           </p:nvSpPr>
           <p:spPr>
             <a:xfrm>
-              <a:off x="2170812" y="1891482"/>
+              <a:off x="2690847" y="1891482"/>
               <a:ext cx="177735" cy="84529"/>
             </a:xfrm>
             <a:prstGeom prst="rect">
@@ -39909,7 +39909,7 @@
           </p:nvSpPr>
           <p:spPr>
             <a:xfrm>
-              <a:off x="2170812" y="1664392"/>
+              <a:off x="2690847" y="1664392"/>
               <a:ext cx="177735" cy="83056"/>
             </a:xfrm>
             <a:prstGeom prst="rect">
@@ -39955,7 +39955,7 @@
           </p:nvSpPr>
           <p:spPr>
             <a:xfrm>
-              <a:off x="2170812" y="1434355"/>
+              <a:off x="2690847" y="1434355"/>
               <a:ext cx="177735" cy="84529"/>
             </a:xfrm>
             <a:prstGeom prst="rect">
@@ -40001,7 +40001,7 @@
           </p:nvSpPr>
           <p:spPr>
             <a:xfrm>
-              <a:off x="2170812" y="1205791"/>
+              <a:off x="2690847" y="1205791"/>
               <a:ext cx="177735" cy="84529"/>
             </a:xfrm>
             <a:prstGeom prst="rect">
@@ -40587,7 +40587,7 @@
           </p:nvSpPr>
           <p:spPr>
             <a:xfrm>
-              <a:off x="4220202" y="2315701"/>
+              <a:off x="5780308" y="2096245"/>
               <a:ext cx="537654" cy="135197"/>
             </a:xfrm>
             <a:prstGeom prst="rect">
@@ -40633,7 +40633,7 @@
           </p:nvSpPr>
           <p:spPr>
             <a:xfrm>
-              <a:off x="4329930" y="2699609"/>
+              <a:off x="5890036" y="2480153"/>
               <a:ext cx="0" cy="32918"/>
             </a:xfrm>
             <a:custGeom>
@@ -40673,7 +40673,7 @@
           </p:nvSpPr>
           <p:spPr>
             <a:xfrm>
-              <a:off x="4329930" y="2556963"/>
+              <a:off x="5890036" y="2337507"/>
               <a:ext cx="0" cy="32918"/>
             </a:xfrm>
             <a:custGeom>
@@ -40713,8 +40713,8 @@
           </p:nvSpPr>
           <p:spPr>
             <a:xfrm>
-              <a:off x="4247634" y="2589881"/>
-              <a:ext cx="164591" cy="109727"/>
+              <a:off x="5807740" y="2370425"/>
+              <a:ext cx="164591" cy="109728"/>
             </a:xfrm>
             <a:prstGeom prst="rect">
               <a:avLst/>
@@ -40748,18 +40748,18 @@
           </p:nvSpPr>
           <p:spPr>
             <a:xfrm>
-              <a:off x="4247634" y="2644745"/>
-              <a:ext cx="164592" cy="0"/>
+              <a:off x="5807740" y="2425289"/>
+              <a:ext cx="164591" cy="0"/>
             </a:xfrm>
             <a:custGeom>
               <a:avLst/>
               <a:pathLst>
-                <a:path w="164592" h="0">
+                <a:path w="164591" h="0">
                   <a:moveTo>
                     <a:pt x="0" y="0"/>
                   </a:moveTo>
                   <a:lnTo>
-                    <a:pt x="164592" y="0"/>
+                    <a:pt x="164591" y="0"/>
                   </a:lnTo>
                 </a:path>
               </a:pathLst>
@@ -40788,7 +40788,7 @@
           </p:nvSpPr>
           <p:spPr>
             <a:xfrm>
-              <a:off x="4294941" y="2609756"/>
+              <a:off x="5855047" y="2390300"/>
               <a:ext cx="69977" cy="69977"/>
             </a:xfrm>
             <a:prstGeom prst="ellipse">
@@ -40823,7 +40823,7 @@
           </p:nvSpPr>
           <p:spPr>
             <a:xfrm>
-              <a:off x="5054458" y="2699609"/>
+              <a:off x="5890036" y="2699609"/>
               <a:ext cx="0" cy="32918"/>
             </a:xfrm>
             <a:custGeom>
@@ -40863,7 +40863,7 @@
           </p:nvSpPr>
           <p:spPr>
             <a:xfrm>
-              <a:off x="5054458" y="2556963"/>
+              <a:off x="5890036" y="2556963"/>
               <a:ext cx="0" cy="32918"/>
             </a:xfrm>
             <a:custGeom>
@@ -40903,7 +40903,7 @@
           </p:nvSpPr>
           <p:spPr>
             <a:xfrm>
-              <a:off x="4972162" y="2589881"/>
+              <a:off x="5807740" y="2589881"/>
               <a:ext cx="164591" cy="109727"/>
             </a:xfrm>
             <a:prstGeom prst="rect">
@@ -40938,7 +40938,7 @@
           </p:nvSpPr>
           <p:spPr>
             <a:xfrm>
-              <a:off x="4972162" y="2644745"/>
+              <a:off x="5807740" y="2644745"/>
               <a:ext cx="164591" cy="0"/>
             </a:xfrm>
             <a:custGeom>
@@ -40978,7 +40978,7 @@
           </p:nvSpPr>
           <p:spPr>
             <a:xfrm>
-              <a:off x="5019469" y="2609756"/>
+              <a:off x="5855047" y="2609756"/>
               <a:ext cx="69977" cy="69977"/>
             </a:xfrm>
             <a:prstGeom prst="ellipse">
@@ -41013,7 +41013,7 @@
           </p:nvSpPr>
           <p:spPr>
             <a:xfrm>
-              <a:off x="5958413" y="2699609"/>
+              <a:off x="5890036" y="2919065"/>
               <a:ext cx="0" cy="32918"/>
             </a:xfrm>
             <a:custGeom>
@@ -41053,7 +41053,7 @@
           </p:nvSpPr>
           <p:spPr>
             <a:xfrm>
-              <a:off x="5958413" y="2556963"/>
+              <a:off x="5890036" y="2776419"/>
               <a:ext cx="0" cy="32918"/>
             </a:xfrm>
             <a:custGeom>
@@ -41093,7 +41093,7 @@
           </p:nvSpPr>
           <p:spPr>
             <a:xfrm>
-              <a:off x="5876117" y="2589881"/>
+              <a:off x="5807740" y="2809337"/>
               <a:ext cx="164591" cy="109727"/>
             </a:xfrm>
             <a:prstGeom prst="rect">
@@ -41128,7 +41128,7 @@
           </p:nvSpPr>
           <p:spPr>
             <a:xfrm>
-              <a:off x="5876117" y="2644745"/>
+              <a:off x="5807740" y="2864201"/>
               <a:ext cx="164591" cy="0"/>
             </a:xfrm>
             <a:custGeom>
@@ -41168,7 +41168,7 @@
           </p:nvSpPr>
           <p:spPr>
             <a:xfrm>
-              <a:off x="5923424" y="2609756"/>
+              <a:off x="5855047" y="2829212"/>
               <a:ext cx="69977" cy="69977"/>
             </a:xfrm>
             <a:prstGeom prst="ellipse">
@@ -41203,7 +41203,7 @@
           </p:nvSpPr>
           <p:spPr>
             <a:xfrm>
-              <a:off x="4509247" y="2605427"/>
+              <a:off x="6069353" y="2385971"/>
               <a:ext cx="365893" cy="80054"/>
             </a:xfrm>
             <a:prstGeom prst="rect">
@@ -41249,7 +41249,7 @@
           </p:nvSpPr>
           <p:spPr>
             <a:xfrm>
-              <a:off x="5233775" y="2598988"/>
+              <a:off x="6069353" y="2598988"/>
               <a:ext cx="545321" cy="86493"/>
             </a:xfrm>
             <a:prstGeom prst="rect">
@@ -41295,7 +41295,7 @@
           </p:nvSpPr>
           <p:spPr>
             <a:xfrm>
-              <a:off x="6137730" y="2577323"/>
+              <a:off x="6069353" y="2796779"/>
               <a:ext cx="476944" cy="108158"/>
             </a:xfrm>
             <a:prstGeom prst="rect">
